--- a/Section04/004.pptx
+++ b/Section04/004.pptx
@@ -5,22 +5,38 @@
     <p:sldMasterId id="2147483660" r:id="rId1"/>
   </p:sldMasterIdLst>
   <p:notesMasterIdLst>
-    <p:notesMasterId r:id="rId15"/>
+    <p:notesMasterId r:id="rId31"/>
   </p:notesMasterIdLst>
   <p:sldIdLst>
     <p:sldId id="256" r:id="rId2"/>
-    <p:sldId id="344" r:id="rId3"/>
-    <p:sldId id="345" r:id="rId4"/>
-    <p:sldId id="346" r:id="rId5"/>
-    <p:sldId id="347" r:id="rId6"/>
-    <p:sldId id="348" r:id="rId7"/>
-    <p:sldId id="349" r:id="rId8"/>
-    <p:sldId id="350" r:id="rId9"/>
-    <p:sldId id="351" r:id="rId10"/>
-    <p:sldId id="352" r:id="rId11"/>
-    <p:sldId id="354" r:id="rId12"/>
-    <p:sldId id="355" r:id="rId13"/>
-    <p:sldId id="353" r:id="rId14"/>
+    <p:sldId id="357" r:id="rId3"/>
+    <p:sldId id="358" r:id="rId4"/>
+    <p:sldId id="359" r:id="rId5"/>
+    <p:sldId id="360" r:id="rId6"/>
+    <p:sldId id="361" r:id="rId7"/>
+    <p:sldId id="362" r:id="rId8"/>
+    <p:sldId id="363" r:id="rId9"/>
+    <p:sldId id="365" r:id="rId10"/>
+    <p:sldId id="366" r:id="rId11"/>
+    <p:sldId id="367" r:id="rId12"/>
+    <p:sldId id="368" r:id="rId13"/>
+    <p:sldId id="369" r:id="rId14"/>
+    <p:sldId id="370" r:id="rId15"/>
+    <p:sldId id="371" r:id="rId16"/>
+    <p:sldId id="372" r:id="rId17"/>
+    <p:sldId id="373" r:id="rId18"/>
+    <p:sldId id="345" r:id="rId19"/>
+    <p:sldId id="346" r:id="rId20"/>
+    <p:sldId id="347" r:id="rId21"/>
+    <p:sldId id="348" r:id="rId22"/>
+    <p:sldId id="349" r:id="rId23"/>
+    <p:sldId id="350" r:id="rId24"/>
+    <p:sldId id="351" r:id="rId25"/>
+    <p:sldId id="352" r:id="rId26"/>
+    <p:sldId id="354" r:id="rId27"/>
+    <p:sldId id="355" r:id="rId28"/>
+    <p:sldId id="353" r:id="rId29"/>
+    <p:sldId id="374" r:id="rId30"/>
   </p:sldIdLst>
   <p:sldSz cx="12192000" cy="6858000"/>
   <p:notesSz cx="6858000" cy="9144000"/>
@@ -233,7 +249,7 @@
             <a:fld id="{E78A9DE4-FC5C-495C-8228-F8CB9DB08A71}" type="datetimeFigureOut">
               <a:rPr lang="ko-KR" altLang="en-US" smtClean="0"/>
               <a:pPr/>
-              <a:t>2024-10-31</a:t>
+              <a:t>2024-11-16</a:t>
             </a:fld>
             <a:endParaRPr lang="ko-KR" altLang="en-US"/>
           </a:p>
@@ -1225,7 +1241,7 @@
             <a:fld id="{B587C1AA-8AE8-4A8A-91FD-E6CA56988E65}" type="datetime1">
               <a:rPr lang="ko-KR" altLang="en-US" smtClean="0"/>
               <a:pPr/>
-              <a:t>2024-10-31</a:t>
+              <a:t>2024-11-16</a:t>
             </a:fld>
             <a:endParaRPr lang="ko-KR" altLang="en-US"/>
           </a:p>
@@ -1482,7 +1498,7 @@
             <a:fld id="{EFD6FC53-B40D-408F-AE6B-7BD5A7E4D1D3}" type="datetime1">
               <a:rPr lang="ko-KR" altLang="en-US" smtClean="0"/>
               <a:pPr/>
-              <a:t>2024-10-31</a:t>
+              <a:t>2024-11-16</a:t>
             </a:fld>
             <a:endParaRPr lang="ko-KR" altLang="en-US"/>
           </a:p>
@@ -1803,7 +1819,7 @@
             <a:fld id="{EFD6FC53-B40D-408F-AE6B-7BD5A7E4D1D3}" type="datetime1">
               <a:rPr lang="ko-KR" altLang="en-US" smtClean="0"/>
               <a:pPr/>
-              <a:t>2024-10-31</a:t>
+              <a:t>2024-11-16</a:t>
             </a:fld>
             <a:endParaRPr lang="ko-KR" altLang="en-US"/>
           </a:p>
@@ -2151,7 +2167,7 @@
             <a:fld id="{EFD6FC53-B40D-408F-AE6B-7BD5A7E4D1D3}" type="datetime1">
               <a:rPr lang="ko-KR" altLang="en-US" smtClean="0"/>
               <a:pPr/>
-              <a:t>2024-10-31</a:t>
+              <a:t>2024-11-16</a:t>
             </a:fld>
             <a:endParaRPr lang="ko-KR" altLang="en-US"/>
           </a:p>
@@ -2472,7 +2488,7 @@
             <a:fld id="{EFD6FC53-B40D-408F-AE6B-7BD5A7E4D1D3}" type="datetime1">
               <a:rPr lang="ko-KR" altLang="en-US" smtClean="0"/>
               <a:pPr/>
-              <a:t>2024-10-31</a:t>
+              <a:t>2024-11-16</a:t>
             </a:fld>
             <a:endParaRPr lang="ko-KR" altLang="en-US"/>
           </a:p>
@@ -2872,7 +2888,7 @@
             <a:fld id="{EFD6FC53-B40D-408F-AE6B-7BD5A7E4D1D3}" type="datetime1">
               <a:rPr lang="ko-KR" altLang="en-US" smtClean="0"/>
               <a:pPr/>
-              <a:t>2024-10-31</a:t>
+              <a:t>2024-11-16</a:t>
             </a:fld>
             <a:endParaRPr lang="ko-KR" altLang="en-US"/>
           </a:p>
@@ -3049,7 +3065,7 @@
             <a:fld id="{DCE9C244-B894-4545-BFBA-22DB602355CA}" type="datetime1">
               <a:rPr lang="ko-KR" altLang="en-US" smtClean="0"/>
               <a:pPr/>
-              <a:t>2024-10-31</a:t>
+              <a:t>2024-11-16</a:t>
             </a:fld>
             <a:endParaRPr lang="ko-KR" altLang="en-US"/>
           </a:p>
@@ -3235,7 +3251,7 @@
             <a:fld id="{DF3705AE-E81D-4523-918B-AB98EF95DDD2}" type="datetime1">
               <a:rPr lang="ko-KR" altLang="en-US" smtClean="0"/>
               <a:pPr/>
-              <a:t>2024-10-31</a:t>
+              <a:t>2024-11-16</a:t>
             </a:fld>
             <a:endParaRPr lang="ko-KR" altLang="en-US"/>
           </a:p>
@@ -3417,7 +3433,7 @@
             <a:fld id="{A371EBAC-75B0-4CA1-B9FE-E94EA145A865}" type="datetime1">
               <a:rPr lang="ko-KR" altLang="en-US" smtClean="0"/>
               <a:pPr/>
-              <a:t>2024-10-31</a:t>
+              <a:t>2024-11-16</a:t>
             </a:fld>
             <a:endParaRPr lang="ko-KR" altLang="en-US"/>
           </a:p>
@@ -3670,7 +3686,7 @@
             <a:fld id="{9090B093-C51D-4C7C-AD4C-B159969EBE27}" type="datetime1">
               <a:rPr lang="ko-KR" altLang="en-US" smtClean="0"/>
               <a:pPr/>
-              <a:t>2024-10-31</a:t>
+              <a:t>2024-11-16</a:t>
             </a:fld>
             <a:endParaRPr lang="ko-KR" altLang="en-US"/>
           </a:p>
@@ -3908,7 +3924,7 @@
             <a:fld id="{8978FC29-7668-457E-A114-EABE1353F349}" type="datetime1">
               <a:rPr lang="ko-KR" altLang="en-US" smtClean="0"/>
               <a:pPr/>
-              <a:t>2024-10-31</a:t>
+              <a:t>2024-11-16</a:t>
             </a:fld>
             <a:endParaRPr lang="ko-KR" altLang="en-US"/>
           </a:p>
@@ -4288,7 +4304,7 @@
             <a:fld id="{9441F72F-1E2A-4EED-9691-CFFC339CF955}" type="datetime1">
               <a:rPr lang="ko-KR" altLang="en-US" smtClean="0"/>
               <a:pPr/>
-              <a:t>2024-10-31</a:t>
+              <a:t>2024-11-16</a:t>
             </a:fld>
             <a:endParaRPr lang="ko-KR" altLang="en-US"/>
           </a:p>
@@ -4417,7 +4433,7 @@
             <a:fld id="{5A59AAE6-0506-49DB-A498-C3432118E5F7}" type="datetime1">
               <a:rPr lang="ko-KR" altLang="en-US" smtClean="0"/>
               <a:pPr/>
-              <a:t>2024-10-31</a:t>
+              <a:t>2024-11-16</a:t>
             </a:fld>
             <a:endParaRPr lang="ko-KR" altLang="en-US"/>
           </a:p>
@@ -4518,7 +4534,7 @@
             <a:fld id="{3BAF21BD-A2EB-4A84-839F-A3A7531D22C8}" type="datetime1">
               <a:rPr lang="ko-KR" altLang="en-US" smtClean="0"/>
               <a:pPr/>
-              <a:t>2024-10-31</a:t>
+              <a:t>2024-11-16</a:t>
             </a:fld>
             <a:endParaRPr lang="ko-KR" altLang="en-US"/>
           </a:p>
@@ -4779,7 +4795,7 @@
             <a:fld id="{477AB224-1872-4A99-B639-1928597B9410}" type="datetime1">
               <a:rPr lang="ko-KR" altLang="en-US" smtClean="0"/>
               <a:pPr/>
-              <a:t>2024-10-31</a:t>
+              <a:t>2024-11-16</a:t>
             </a:fld>
             <a:endParaRPr lang="ko-KR" altLang="en-US"/>
           </a:p>
@@ -5048,7 +5064,7 @@
             <a:fld id="{18FF59EB-5126-42C5-A163-6FF3D2CC1CD9}" type="datetime1">
               <a:rPr lang="ko-KR" altLang="en-US" smtClean="0"/>
               <a:pPr/>
-              <a:t>2024-10-31</a:t>
+              <a:t>2024-11-16</a:t>
             </a:fld>
             <a:endParaRPr lang="ko-KR" altLang="en-US"/>
           </a:p>
@@ -5797,7 +5813,7 @@
             <a:fld id="{EFD6FC53-B40D-408F-AE6B-7BD5A7E4D1D3}" type="datetime1">
               <a:rPr lang="ko-KR" altLang="en-US" smtClean="0"/>
               <a:pPr/>
-              <a:t>2024-10-31</a:t>
+              <a:t>2024-11-16</a:t>
             </a:fld>
             <a:endParaRPr lang="ko-KR" altLang="en-US"/>
           </a:p>
@@ -6343,11 +6359,15 @@
           <a:lstStyle/>
           <a:p>
             <a:fld id="{5E2D43C8-FCB2-4CFF-B706-7EDFCF5B6158}" type="slidenum">
-              <a:rPr lang="ko-KR" altLang="en-US" smtClean="0"/>
+              <a:rPr lang="ko-KR" altLang="en-US" smtClean="0">
+                <a:latin typeface="+mj-lt"/>
+              </a:rPr>
               <a:pPr/>
               <a:t>1</a:t>
             </a:fld>
-            <a:endParaRPr lang="ko-KR" altLang="en-US"/>
+            <a:endParaRPr lang="ko-KR" altLang="en-US">
+              <a:latin typeface="+mj-lt"/>
+            </a:endParaRPr>
           </a:p>
         </p:txBody>
       </p:sp>
@@ -6376,21 +6396,21 @@
             <a:pPr algn="ctr"/>
             <a:r>
               <a:rPr lang="en-US" altLang="ko-KR" b="1" dirty="0">
-                <a:latin typeface="Arial" panose="020B0604020202020204" pitchFamily="34" charset="0"/>
+                <a:latin typeface="+mj-lt"/>
                 <a:cs typeface="Arial" panose="020B0604020202020204" pitchFamily="34" charset="0"/>
               </a:rPr>
               <a:t>Ange </a:t>
             </a:r>
             <a:r>
               <a:rPr lang="en-US" altLang="ko-KR" b="1" dirty="0" err="1">
-                <a:latin typeface="Arial" panose="020B0604020202020204" pitchFamily="34" charset="0"/>
+                <a:latin typeface="+mj-lt"/>
                 <a:cs typeface="Arial" panose="020B0604020202020204" pitchFamily="34" charset="0"/>
               </a:rPr>
               <a:t>Zoclanclounon</a:t>
             </a:r>
             <a:r>
               <a:rPr lang="en-US" altLang="ko-KR" b="1" dirty="0">
-                <a:latin typeface="Arial" panose="020B0604020202020204" pitchFamily="34" charset="0"/>
+                <a:latin typeface="+mj-lt"/>
                 <a:cs typeface="Arial" panose="020B0604020202020204" pitchFamily="34" charset="0"/>
               </a:rPr>
               <a:t>, PhD</a:t>
@@ -6399,7 +6419,7 @@
           <a:p>
             <a:pPr algn="ctr"/>
             <a:endParaRPr lang="en-US" altLang="ko-KR" b="1" dirty="0">
-              <a:latin typeface="Arial" panose="020B0604020202020204" pitchFamily="34" charset="0"/>
+              <a:latin typeface="+mj-lt"/>
               <a:cs typeface="Arial" panose="020B0604020202020204" pitchFamily="34" charset="0"/>
             </a:endParaRPr>
           </a:p>
@@ -6407,13 +6427,13 @@
             <a:pPr algn="ctr"/>
             <a:r>
               <a:rPr lang="en-US" altLang="ko-KR" b="1" dirty="0">
-                <a:latin typeface="Arial" panose="020B0604020202020204" pitchFamily="34" charset="0"/>
+                <a:latin typeface="+mj-lt"/>
                 <a:cs typeface="Arial" panose="020B0604020202020204" pitchFamily="34" charset="0"/>
               </a:rPr>
               <a:t>angez9914@gmail.com</a:t>
             </a:r>
             <a:endParaRPr lang="ko-KR" altLang="en-US" b="1" dirty="0">
-              <a:latin typeface="Arial" panose="020B0604020202020204" pitchFamily="34" charset="0"/>
+              <a:latin typeface="+mj-lt"/>
               <a:cs typeface="Arial" panose="020B0604020202020204" pitchFamily="34" charset="0"/>
             </a:endParaRPr>
           </a:p>
@@ -6433,8 +6453,8 @@
         </p:nvSpPr>
         <p:spPr>
           <a:xfrm>
-            <a:off x="1521511" y="1180720"/>
-            <a:ext cx="8704728" cy="1446550"/>
+            <a:off x="1325781" y="2648983"/>
+            <a:ext cx="8704728" cy="769441"/>
           </a:xfrm>
           <a:prstGeom prst="rect">
             <a:avLst/>
@@ -6449,24 +6469,149 @@
           <a:p>
             <a:pPr algn="ctr"/>
             <a:r>
+              <a:rPr lang="fr-FR" altLang="ko-KR" sz="4400" b="1" dirty="0" err="1">
+                <a:latin typeface="+mj-lt"/>
+                <a:cs typeface="Arial" panose="020B0604020202020204" pitchFamily="34" charset="0"/>
+              </a:rPr>
+              <a:t>Sequence</a:t>
+            </a:r>
+            <a:r>
               <a:rPr lang="fr-FR" altLang="ko-KR" sz="4400" b="1" dirty="0">
-                <a:latin typeface="Arial" panose="020B0604020202020204" pitchFamily="34" charset="0"/>
+                <a:latin typeface="+mj-lt"/>
                 <a:cs typeface="Arial" panose="020B0604020202020204" pitchFamily="34" charset="0"/>
               </a:rPr>
-              <a:t>GBIOS Training </a:t>
-            </a:r>
-          </a:p>
+              <a:t> Signature </a:t>
+            </a:r>
+            <a:r>
+              <a:rPr lang="fr-FR" altLang="ko-KR" sz="4400" b="1" dirty="0" err="1">
+                <a:latin typeface="+mj-lt"/>
+                <a:cs typeface="Arial" panose="020B0604020202020204" pitchFamily="34" charset="0"/>
+              </a:rPr>
+              <a:t>Databases</a:t>
+            </a:r>
+            <a:endParaRPr lang="en-US" altLang="ko-KR" sz="4400" b="1" dirty="0">
+              <a:latin typeface="+mj-lt"/>
+              <a:cs typeface="Arial" panose="020B0604020202020204" pitchFamily="34" charset="0"/>
+            </a:endParaRPr>
+          </a:p>
+        </p:txBody>
+      </p:sp>
+      <p:sp>
+        <p:nvSpPr>
+          <p:cNvPr id="6" name="TextBox 5">
+            <a:extLst>
+              <a:ext uri="{FF2B5EF4-FFF2-40B4-BE49-F238E27FC236}">
+                <a16:creationId xmlns:a16="http://schemas.microsoft.com/office/drawing/2014/main" id="{9CB7445F-E163-44B4-8ECF-B849D3DEE264}"/>
+              </a:ext>
+            </a:extLst>
+          </p:cNvPr>
+          <p:cNvSpPr txBox="1"/>
+          <p:nvPr/>
+        </p:nvSpPr>
+        <p:spPr>
+          <a:xfrm>
+            <a:off x="2627904" y="705525"/>
+            <a:ext cx="6100482" cy="923330"/>
+          </a:xfrm>
+          <a:prstGeom prst="rect">
+            <a:avLst/>
+          </a:prstGeom>
+          <a:noFill/>
+        </p:spPr>
+        <p:txBody>
+          <a:bodyPr wrap="square">
+            <a:spAutoFit/>
+          </a:bodyPr>
+          <a:lstStyle/>
           <a:p>
             <a:pPr algn="ctr"/>
             <a:r>
-              <a:rPr lang="fr-FR" altLang="ko-KR" sz="4400" b="1" dirty="0">
-                <a:latin typeface="Arial" panose="020B0604020202020204" pitchFamily="34" charset="0"/>
+              <a:rPr lang="en-US" b="1" i="0" dirty="0">
+                <a:solidFill>
+                  <a:srgbClr val="1F1F1F"/>
+                </a:solidFill>
+                <a:effectLst/>
+                <a:latin typeface="+mj-lt"/>
                 <a:cs typeface="Arial" panose="020B0604020202020204" pitchFamily="34" charset="0"/>
               </a:rPr>
-              <a:t>Section 4</a:t>
-            </a:r>
-            <a:endParaRPr lang="en-US" altLang="ko-KR" sz="4400" b="1" dirty="0">
-              <a:latin typeface="Arial" panose="020B0604020202020204" pitchFamily="34" charset="0"/>
+              <a:t>Regional training in Genomics and Plant Breeding</a:t>
+            </a:r>
+          </a:p>
+          <a:p>
+            <a:pPr algn="ctr"/>
+            <a:r>
+              <a:rPr lang="en-US" b="1" i="0" dirty="0">
+                <a:solidFill>
+                  <a:srgbClr val="1F1F1F"/>
+                </a:solidFill>
+                <a:effectLst/>
+                <a:latin typeface="+mj-lt"/>
+                <a:cs typeface="Arial" panose="020B0604020202020204" pitchFamily="34" charset="0"/>
+              </a:rPr>
+              <a:t> </a:t>
+            </a:r>
+          </a:p>
+          <a:p>
+            <a:pPr algn="ctr"/>
+            <a:r>
+              <a:rPr lang="en-US" b="1" dirty="0">
+                <a:solidFill>
+                  <a:srgbClr val="1F1F1F"/>
+                </a:solidFill>
+                <a:latin typeface="+mj-lt"/>
+                <a:cs typeface="Arial" panose="020B0604020202020204" pitchFamily="34" charset="0"/>
+              </a:rPr>
+              <a:t>Genetics, Biotechnology and Seed Science Center</a:t>
+            </a:r>
+            <a:endParaRPr lang="en-US" b="1" dirty="0">
+              <a:latin typeface="+mj-lt"/>
+              <a:cs typeface="Arial" panose="020B0604020202020204" pitchFamily="34" charset="0"/>
+            </a:endParaRPr>
+          </a:p>
+        </p:txBody>
+      </p:sp>
+      <p:sp>
+        <p:nvSpPr>
+          <p:cNvPr id="7" name="TextBox 6">
+            <a:extLst>
+              <a:ext uri="{FF2B5EF4-FFF2-40B4-BE49-F238E27FC236}">
+                <a16:creationId xmlns:a16="http://schemas.microsoft.com/office/drawing/2014/main" id="{2AABE846-13C7-4FEF-AAFE-CB4820F533B0}"/>
+              </a:ext>
+            </a:extLst>
+          </p:cNvPr>
+          <p:cNvSpPr txBox="1"/>
+          <p:nvPr/>
+        </p:nvSpPr>
+        <p:spPr>
+          <a:xfrm>
+            <a:off x="2762375" y="6382011"/>
+            <a:ext cx="6100482" cy="369332"/>
+          </a:xfrm>
+          <a:prstGeom prst="rect">
+            <a:avLst/>
+          </a:prstGeom>
+          <a:noFill/>
+        </p:spPr>
+        <p:txBody>
+          <a:bodyPr wrap="square">
+            <a:spAutoFit/>
+          </a:bodyPr>
+          <a:lstStyle/>
+          <a:p>
+            <a:pPr algn="ctr"/>
+            <a:r>
+              <a:rPr lang="en-US" b="1" i="0" dirty="0">
+                <a:solidFill>
+                  <a:srgbClr val="1F1F1F"/>
+                </a:solidFill>
+                <a:effectLst/>
+                <a:latin typeface="+mj-lt"/>
+                <a:cs typeface="Arial" panose="020B0604020202020204" pitchFamily="34" charset="0"/>
+              </a:rPr>
+              <a:t>November, 2024</a:t>
+            </a:r>
+            <a:endParaRPr lang="en-US" b="1" dirty="0">
+              <a:latin typeface="+mj-lt"/>
               <a:cs typeface="Arial" panose="020B0604020202020204" pitchFamily="34" charset="0"/>
             </a:endParaRPr>
           </a:p>
@@ -6504,10 +6649,43 @@
       </p:grpSpPr>
       <p:sp>
         <p:nvSpPr>
+          <p:cNvPr id="2" name="Title 1">
+            <a:extLst>
+              <a:ext uri="{FF2B5EF4-FFF2-40B4-BE49-F238E27FC236}">
+                <a16:creationId xmlns:a16="http://schemas.microsoft.com/office/drawing/2014/main" id="{E97DBC7D-4E9E-40DF-B0A6-4531C84B9B2E}"/>
+              </a:ext>
+            </a:extLst>
+          </p:cNvPr>
+          <p:cNvSpPr>
+            <a:spLocks noGrp="1"/>
+          </p:cNvSpPr>
+          <p:nvPr>
+            <p:ph type="title"/>
+          </p:nvPr>
+        </p:nvSpPr>
+        <p:spPr>
+          <a:xfrm>
+            <a:off x="677334" y="162520"/>
+            <a:ext cx="8596668" cy="1320800"/>
+          </a:xfrm>
+        </p:spPr>
+        <p:txBody>
+          <a:bodyPr/>
+          <a:lstStyle/>
+          <a:p>
+            <a:r>
+              <a:rPr lang="en-US" dirty="0"/>
+              <a:t>Relatable Applications</a:t>
+            </a:r>
+          </a:p>
+        </p:txBody>
+      </p:sp>
+      <p:sp>
+        <p:nvSpPr>
           <p:cNvPr id="4" name="Slide Number Placeholder 3">
             <a:extLst>
               <a:ext uri="{FF2B5EF4-FFF2-40B4-BE49-F238E27FC236}">
-                <a16:creationId xmlns:a16="http://schemas.microsoft.com/office/drawing/2014/main" id="{3D8C4533-9129-49C4-93B7-B47A3D93A5A2}"/>
+                <a16:creationId xmlns:a16="http://schemas.microsoft.com/office/drawing/2014/main" id="{5931F5B9-69EA-493B-9E58-936D11E5D4B2}"/>
               </a:ext>
             </a:extLst>
           </p:cNvPr>
@@ -6534,10 +6712,111 @@
       </p:sp>
       <p:sp>
         <p:nvSpPr>
+          <p:cNvPr id="6" name="Content Placeholder 5">
+            <a:extLst>
+              <a:ext uri="{FF2B5EF4-FFF2-40B4-BE49-F238E27FC236}">
+                <a16:creationId xmlns:a16="http://schemas.microsoft.com/office/drawing/2014/main" id="{CA599D9E-E7F7-47E8-A208-CBF4DEC3E445}"/>
+              </a:ext>
+            </a:extLst>
+          </p:cNvPr>
+          <p:cNvSpPr>
+            <a:spLocks noGrp="1"/>
+          </p:cNvSpPr>
+          <p:nvPr>
+            <p:ph idx="1"/>
+          </p:nvPr>
+        </p:nvSpPr>
+        <p:spPr>
+          <a:xfrm>
+            <a:off x="596651" y="953518"/>
+            <a:ext cx="8596668" cy="3880773"/>
+          </a:xfrm>
+        </p:spPr>
+        <p:txBody>
+          <a:bodyPr/>
+          <a:lstStyle/>
+          <a:p>
+            <a:pPr>
+              <a:lnSpc>
+                <a:spcPct val="200000"/>
+              </a:lnSpc>
+            </a:pPr>
+            <a:r>
+              <a:rPr lang="en-US" dirty="0"/>
+              <a:t>Worried, he takes a sample of the infected watermelon to the </a:t>
+            </a:r>
+            <a:r>
+              <a:rPr lang="en-US" b="1" dirty="0"/>
+              <a:t>Agricultural Pathology Lab</a:t>
+            </a:r>
+            <a:r>
+              <a:rPr lang="en-US" dirty="0"/>
+              <a:t>, where scientists use a </a:t>
+            </a:r>
+            <a:r>
+              <a:rPr lang="en-US" b="1" dirty="0"/>
+              <a:t>Sequence Signature Database</a:t>
+            </a:r>
+            <a:r>
+              <a:rPr lang="en-US" dirty="0"/>
+              <a:t> to uncover the culprit.</a:t>
+            </a:r>
+          </a:p>
+        </p:txBody>
+      </p:sp>
+      <p:pic>
+        <p:nvPicPr>
+          <p:cNvPr id="2050" name="Picture 2" descr="Full article: Identification and characterization of fungi pathogen causing fruit  rot disease of watermelon (Citrullus lanatus)">
+            <a:extLst>
+              <a:ext uri="{FF2B5EF4-FFF2-40B4-BE49-F238E27FC236}">
+                <a16:creationId xmlns:a16="http://schemas.microsoft.com/office/drawing/2014/main" id="{C961C508-B609-496D-B39A-FE05C3C6D2FF}"/>
+              </a:ext>
+            </a:extLst>
+          </p:cNvPr>
+          <p:cNvPicPr>
+            <a:picLocks noChangeAspect="1" noChangeArrowheads="1"/>
+          </p:cNvPicPr>
+          <p:nvPr/>
+        </p:nvPicPr>
+        <p:blipFill>
+          <a:blip r:embed="rId2">
+            <a:extLst>
+              <a:ext uri="{28A0092B-C50C-407E-A947-70E740481C1C}">
+                <a14:useLocalDpi xmlns:a14="http://schemas.microsoft.com/office/drawing/2010/main" val="0"/>
+              </a:ext>
+            </a:extLst>
+          </a:blip>
+          <a:srcRect/>
+          <a:stretch>
+            <a:fillRect/>
+          </a:stretch>
+        </p:blipFill>
+        <p:spPr bwMode="auto">
+          <a:xfrm>
+            <a:off x="4064426" y="2893904"/>
+            <a:ext cx="3801661" cy="3474720"/>
+          </a:xfrm>
+          <a:prstGeom prst="rect">
+            <a:avLst/>
+          </a:prstGeom>
+          <a:noFill/>
+          <a:extLst>
+            <a:ext uri="{909E8E84-426E-40DD-AFC4-6F175D3DCCD1}">
+              <a14:hiddenFill xmlns:a14="http://schemas.microsoft.com/office/drawing/2010/main">
+                <a:solidFill>
+                  <a:srgbClr val="FFFFFF"/>
+                </a:solidFill>
+              </a14:hiddenFill>
+            </a:ext>
+          </a:extLst>
+        </p:spPr>
+      </p:pic>
+      <p:sp>
+        <p:nvSpPr>
           <p:cNvPr id="9" name="TextBox 8">
             <a:extLst>
               <a:ext uri="{FF2B5EF4-FFF2-40B4-BE49-F238E27FC236}">
-                <a16:creationId xmlns:a16="http://schemas.microsoft.com/office/drawing/2014/main" id="{6F60D7BE-A8E6-43F0-8BC7-BEBCAAF3375D}"/>
+                <a16:creationId xmlns:a16="http://schemas.microsoft.com/office/drawing/2014/main" id="{D70ECCDC-40E6-44E1-A3DE-7D5E6A67DBA6}"/>
               </a:ext>
             </a:extLst>
           </p:cNvPr>
@@ -6546,8 +6825,8 @@
         </p:nvSpPr>
         <p:spPr>
           <a:xfrm>
-            <a:off x="457199" y="408366"/>
-            <a:ext cx="11438965" cy="584775"/>
+            <a:off x="596651" y="6036305"/>
+            <a:ext cx="2743200" cy="369332"/>
           </a:xfrm>
           <a:prstGeom prst="rect">
             <a:avLst/>
@@ -6555,138 +6834,25 @@
           <a:noFill/>
         </p:spPr>
         <p:txBody>
-          <a:bodyPr wrap="square">
-            <a:spAutoFit/>
-          </a:bodyPr>
-          <a:lstStyle/>
-          <a:p>
-            <a:pPr algn="ctr"/>
-            <a:r>
-              <a:rPr lang="fr-FR" sz="3200" b="1" dirty="0">
-                <a:latin typeface="Arial" panose="020B0604020202020204" pitchFamily="34" charset="0"/>
-                <a:cs typeface="Arial" panose="020B0604020202020204" pitchFamily="34" charset="0"/>
-              </a:rPr>
-              <a:t>Hands-on session</a:t>
-            </a:r>
-          </a:p>
-        </p:txBody>
-      </p:sp>
-      <p:sp>
-        <p:nvSpPr>
-          <p:cNvPr id="2" name="TextBox 1">
-            <a:extLst>
-              <a:ext uri="{FF2B5EF4-FFF2-40B4-BE49-F238E27FC236}">
-                <a16:creationId xmlns:a16="http://schemas.microsoft.com/office/drawing/2014/main" id="{60CDA00A-F567-4706-A06A-D33FF8F6E43A}"/>
-              </a:ext>
-            </a:extLst>
-          </p:cNvPr>
-          <p:cNvSpPr txBox="1"/>
-          <p:nvPr/>
-        </p:nvSpPr>
-        <p:spPr>
-          <a:xfrm>
-            <a:off x="1326774" y="1186814"/>
-            <a:ext cx="9699813" cy="3261149"/>
-          </a:xfrm>
-          <a:prstGeom prst="rect">
-            <a:avLst/>
-          </a:prstGeom>
-          <a:noFill/>
-        </p:spPr>
-        <p:txBody>
           <a:bodyPr wrap="square" rtlCol="0">
             <a:spAutoFit/>
           </a:bodyPr>
           <a:lstStyle/>
           <a:p>
-            <a:pPr algn="ctr">
-              <a:lnSpc>
-                <a:spcPct val="300000"/>
-              </a:lnSpc>
-            </a:pPr>
-            <a:r>
-              <a:rPr lang="fr-FR" b="1" dirty="0">
-                <a:latin typeface="Arial" panose="020B0604020202020204" pitchFamily="34" charset="0"/>
-                <a:cs typeface="Arial" panose="020B0604020202020204" pitchFamily="34" charset="0"/>
-              </a:rPr>
-              <a:t>03. How to visualise </a:t>
-            </a:r>
-            <a:r>
-              <a:rPr lang="fr-FR" b="1" dirty="0" err="1">
-                <a:latin typeface="Arial" panose="020B0604020202020204" pitchFamily="34" charset="0"/>
-                <a:cs typeface="Arial" panose="020B0604020202020204" pitchFamily="34" charset="0"/>
-              </a:rPr>
-              <a:t>your</a:t>
-            </a:r>
-            <a:r>
-              <a:rPr lang="fr-FR" b="1" dirty="0">
-                <a:latin typeface="Arial" panose="020B0604020202020204" pitchFamily="34" charset="0"/>
-                <a:cs typeface="Arial" panose="020B0604020202020204" pitchFamily="34" charset="0"/>
-              </a:rPr>
-              <a:t> phylogenetic </a:t>
-            </a:r>
-            <a:r>
-              <a:rPr lang="fr-FR" b="1" dirty="0" err="1">
-                <a:latin typeface="Arial" panose="020B0604020202020204" pitchFamily="34" charset="0"/>
-                <a:cs typeface="Arial" panose="020B0604020202020204" pitchFamily="34" charset="0"/>
-              </a:rPr>
-              <a:t>tree</a:t>
-            </a:r>
-            <a:endParaRPr lang="fr-FR" b="1" dirty="0">
-              <a:latin typeface="Arial" panose="020B0604020202020204" pitchFamily="34" charset="0"/>
-              <a:cs typeface="Arial" panose="020B0604020202020204" pitchFamily="34" charset="0"/>
-            </a:endParaRPr>
-          </a:p>
-          <a:p>
-            <a:pPr algn="ctr">
-              <a:lnSpc>
-                <a:spcPct val="300000"/>
-              </a:lnSpc>
-            </a:pPr>
-            <a:r>
-              <a:rPr lang="fr-FR" b="1" dirty="0">
-                <a:latin typeface="Arial" panose="020B0604020202020204" pitchFamily="34" charset="0"/>
-                <a:cs typeface="Arial" panose="020B0604020202020204" pitchFamily="34" charset="0"/>
-                <a:hlinkClick r:id="rId2"/>
-              </a:rPr>
-              <a:t>http://etetoolkit.org/treeview/</a:t>
-            </a:r>
-            <a:endParaRPr lang="fr-FR" b="1" dirty="0">
-              <a:latin typeface="Arial" panose="020B0604020202020204" pitchFamily="34" charset="0"/>
-              <a:cs typeface="Arial" panose="020B0604020202020204" pitchFamily="34" charset="0"/>
-            </a:endParaRPr>
-          </a:p>
-          <a:p>
-            <a:pPr algn="ctr">
-              <a:lnSpc>
-                <a:spcPct val="300000"/>
-              </a:lnSpc>
-            </a:pPr>
-            <a:endParaRPr lang="fr-FR" b="1" dirty="0">
-              <a:latin typeface="Arial" panose="020B0604020202020204" pitchFamily="34" charset="0"/>
-              <a:cs typeface="Arial" panose="020B0604020202020204" pitchFamily="34" charset="0"/>
-            </a:endParaRPr>
-          </a:p>
-          <a:p>
-            <a:pPr algn="ctr">
-              <a:lnSpc>
-                <a:spcPct val="300000"/>
-              </a:lnSpc>
-            </a:pPr>
-            <a:r>
-              <a:rPr lang="fr-FR" b="1" dirty="0">
-                <a:latin typeface="Arial" panose="020B0604020202020204" pitchFamily="34" charset="0"/>
-                <a:cs typeface="Arial" panose="020B0604020202020204" pitchFamily="34" charset="0"/>
-              </a:rPr>
-              <a:t>http://tree.bio.ed.ac.uk/software/figtree/</a:t>
-            </a:r>
+            <a:r>
+              <a:rPr lang="en-US" dirty="0">
+                <a:hlinkClick r:id="rId3"/>
+              </a:rPr>
+              <a:t>©Oyededji et al. (2021)</a:t>
+            </a:r>
+            <a:endParaRPr lang="en-US" dirty="0"/>
           </a:p>
         </p:txBody>
       </p:sp>
     </p:spTree>
     <p:extLst>
       <p:ext uri="{BB962C8B-B14F-4D97-AF65-F5344CB8AC3E}">
-        <p14:creationId xmlns:p14="http://schemas.microsoft.com/office/powerpoint/2010/main" val="385529783"/>
+        <p14:creationId xmlns:p14="http://schemas.microsoft.com/office/powerpoint/2010/main" val="3198670345"/>
       </p:ext>
     </p:extLst>
   </p:cSld>
@@ -6718,7 +6884,7 @@
           <p:cNvPr id="2" name="Title 1">
             <a:extLst>
               <a:ext uri="{FF2B5EF4-FFF2-40B4-BE49-F238E27FC236}">
-                <a16:creationId xmlns:a16="http://schemas.microsoft.com/office/drawing/2014/main" id="{40D8FF75-5149-4BE5-9C68-0EBB9D8C63A5}"/>
+                <a16:creationId xmlns:a16="http://schemas.microsoft.com/office/drawing/2014/main" id="{49353F07-B8F8-4000-A070-05D2D7E1560C}"/>
               </a:ext>
             </a:extLst>
           </p:cNvPr>
@@ -6735,11 +6901,8 @@
           <a:lstStyle/>
           <a:p>
             <a:r>
-              <a:rPr lang="en-US" dirty="0">
-                <a:latin typeface="Arial" panose="020B0604020202020204" pitchFamily="34" charset="0"/>
-                <a:cs typeface="Arial" panose="020B0604020202020204" pitchFamily="34" charset="0"/>
-              </a:rPr>
-              <a:t>Study case</a:t>
+              <a:rPr lang="en-US" dirty="0"/>
+              <a:t>Step 1. Collecting evidence</a:t>
             </a:r>
           </a:p>
         </p:txBody>
@@ -6749,7 +6912,7 @@
           <p:cNvPr id="3" name="Content Placeholder 2">
             <a:extLst>
               <a:ext uri="{FF2B5EF4-FFF2-40B4-BE49-F238E27FC236}">
-                <a16:creationId xmlns:a16="http://schemas.microsoft.com/office/drawing/2014/main" id="{776D2769-0205-4DF5-A9CD-319D67C41B00}"/>
+                <a16:creationId xmlns:a16="http://schemas.microsoft.com/office/drawing/2014/main" id="{683A2972-8145-4E93-BCFD-43080BB0613F}"/>
               </a:ext>
             </a:extLst>
           </p:cNvPr>
@@ -6760,48 +6923,47 @@
             <p:ph idx="1"/>
           </p:nvPr>
         </p:nvSpPr>
-        <p:spPr/>
+        <p:spPr>
+          <a:xfrm>
+            <a:off x="677334" y="1631671"/>
+            <a:ext cx="4916642" cy="3880773"/>
+          </a:xfrm>
+        </p:spPr>
         <p:txBody>
           <a:bodyPr>
-            <a:normAutofit/>
+            <a:normAutofit fontScale="92500"/>
           </a:bodyPr>
           <a:lstStyle/>
+          <a:p>
+            <a:pPr>
+              <a:lnSpc>
+                <a:spcPct val="250000"/>
+              </a:lnSpc>
+            </a:pPr>
+            <a:r>
+              <a:rPr lang="en-US" dirty="0"/>
+              <a:t>The lab technicians isolate fungi from the rotting watermelon. They extract the DNA from these samples, preparing to compare it with known sequences in their database.</a:t>
+            </a:r>
+          </a:p>
+          <a:p>
+            <a:pPr>
+              <a:lnSpc>
+                <a:spcPct val="250000"/>
+              </a:lnSpc>
+            </a:pPr>
+            <a:r>
+              <a:rPr lang="en-US" dirty="0"/>
+              <a:t>This is like gathering clues at a crime scene.</a:t>
+            </a:r>
+          </a:p>
           <a:p>
             <a:pPr marL="0" indent="0">
               <a:lnSpc>
-                <a:spcPct val="200000"/>
+                <a:spcPct val="250000"/>
               </a:lnSpc>
               <a:buNone/>
             </a:pPr>
-            <a:endParaRPr lang="en-US" dirty="0">
-              <a:latin typeface="Arial" panose="020B0604020202020204" pitchFamily="34" charset="0"/>
-              <a:cs typeface="Arial" panose="020B0604020202020204" pitchFamily="34" charset="0"/>
-            </a:endParaRPr>
-          </a:p>
-          <a:p>
-            <a:pPr>
-              <a:lnSpc>
-                <a:spcPct val="200000"/>
-              </a:lnSpc>
-            </a:pPr>
-            <a:endParaRPr lang="en-US" dirty="0">
-              <a:latin typeface="Arial" panose="020B0604020202020204" pitchFamily="34" charset="0"/>
-              <a:cs typeface="Arial" panose="020B0604020202020204" pitchFamily="34" charset="0"/>
-            </a:endParaRPr>
-          </a:p>
-          <a:p>
-            <a:pPr>
-              <a:lnSpc>
-                <a:spcPct val="200000"/>
-              </a:lnSpc>
-            </a:pPr>
-            <a:r>
-              <a:rPr lang="en-US" dirty="0">
-                <a:latin typeface="Arial" panose="020B0604020202020204" pitchFamily="34" charset="0"/>
-                <a:cs typeface="Arial" panose="020B0604020202020204" pitchFamily="34" charset="0"/>
-              </a:rPr>
-              <a:t>https://www.tandfonline.com/doi/full/10.1080/03235408.2021.2019990</a:t>
-            </a:r>
+            <a:endParaRPr lang="en-US" dirty="0"/>
           </a:p>
         </p:txBody>
       </p:sp>
@@ -6810,7 +6972,7 @@
           <p:cNvPr id="4" name="Slide Number Placeholder 3">
             <a:extLst>
               <a:ext uri="{FF2B5EF4-FFF2-40B4-BE49-F238E27FC236}">
-                <a16:creationId xmlns:a16="http://schemas.microsoft.com/office/drawing/2014/main" id="{8461DCF3-ED9B-453F-B18C-509ACFCB8CB7}"/>
+                <a16:creationId xmlns:a16="http://schemas.microsoft.com/office/drawing/2014/main" id="{8C1B537B-0858-4E7F-BBEB-95EDFF1C797B}"/>
               </a:ext>
             </a:extLst>
           </p:cNvPr>
@@ -6827,53 +6989,65 @@
           <a:lstStyle/>
           <a:p>
             <a:fld id="{5E2D43C8-FCB2-4CFF-B706-7EDFCF5B6158}" type="slidenum">
-              <a:rPr lang="ko-KR" altLang="en-US" smtClean="0">
-                <a:latin typeface="Arial" panose="020B0604020202020204" pitchFamily="34" charset="0"/>
-                <a:cs typeface="Arial" panose="020B0604020202020204" pitchFamily="34" charset="0"/>
-              </a:rPr>
+              <a:rPr lang="ko-KR" altLang="en-US" smtClean="0"/>
               <a:pPr/>
               <a:t>11</a:t>
             </a:fld>
-            <a:endParaRPr lang="ko-KR" altLang="en-US">
-              <a:latin typeface="Arial" panose="020B0604020202020204" pitchFamily="34" charset="0"/>
-              <a:cs typeface="Arial" panose="020B0604020202020204" pitchFamily="34" charset="0"/>
-            </a:endParaRPr>
+            <a:endParaRPr lang="ko-KR" altLang="en-US"/>
           </a:p>
         </p:txBody>
       </p:sp>
       <p:pic>
         <p:nvPicPr>
-          <p:cNvPr id="6" name="Picture 5">
+          <p:cNvPr id="4098" name="Picture 2" descr="Crime Scene Reconstruction | Steps, Major Limitations &amp; Examples Video">
             <a:extLst>
               <a:ext uri="{FF2B5EF4-FFF2-40B4-BE49-F238E27FC236}">
-                <a16:creationId xmlns:a16="http://schemas.microsoft.com/office/drawing/2014/main" id="{1A3487C0-5639-464D-9713-DB00001B790C}"/>
+                <a16:creationId xmlns:a16="http://schemas.microsoft.com/office/drawing/2014/main" id="{59CA58A8-DC92-48D0-9FD0-261210A8AF4E}"/>
               </a:ext>
             </a:extLst>
           </p:cNvPr>
           <p:cNvPicPr>
-            <a:picLocks noChangeAspect="1"/>
+            <a:picLocks noChangeAspect="1" noChangeArrowheads="1"/>
           </p:cNvPicPr>
           <p:nvPr/>
         </p:nvPicPr>
-        <p:blipFill rotWithShape="1">
-          <a:blip r:embed="rId2"/>
-          <a:srcRect t="39333" r="1750" b="26667"/>
-          <a:stretch/>
+        <p:blipFill>
+          <a:blip r:embed="rId2">
+            <a:extLst>
+              <a:ext uri="{28A0092B-C50C-407E-A947-70E740481C1C}">
+                <a14:useLocalDpi xmlns:a14="http://schemas.microsoft.com/office/drawing/2010/main" val="0"/>
+              </a:ext>
+            </a:extLst>
+          </a:blip>
+          <a:srcRect/>
+          <a:stretch>
+            <a:fillRect/>
+          </a:stretch>
         </p:blipFill>
-        <p:spPr>
+        <p:spPr bwMode="auto">
           <a:xfrm>
-            <a:off x="2042160" y="1776623"/>
-            <a:ext cx="8488680" cy="1652377"/>
+            <a:off x="6065734" y="1706791"/>
+            <a:ext cx="6126266" cy="3444418"/>
           </a:xfrm>
           <a:prstGeom prst="rect">
             <a:avLst/>
           </a:prstGeom>
+          <a:noFill/>
+          <a:extLst>
+            <a:ext uri="{909E8E84-426E-40DD-AFC4-6F175D3DCCD1}">
+              <a14:hiddenFill xmlns:a14="http://schemas.microsoft.com/office/drawing/2010/main">
+                <a:solidFill>
+                  <a:srgbClr val="FFFFFF"/>
+                </a:solidFill>
+              </a14:hiddenFill>
+            </a:ext>
+          </a:extLst>
         </p:spPr>
       </p:pic>
     </p:spTree>
     <p:extLst>
       <p:ext uri="{BB962C8B-B14F-4D97-AF65-F5344CB8AC3E}">
-        <p14:creationId xmlns:p14="http://schemas.microsoft.com/office/powerpoint/2010/main" val="3205743350"/>
+        <p14:creationId xmlns:p14="http://schemas.microsoft.com/office/powerpoint/2010/main" val="3107576109"/>
       </p:ext>
     </p:extLst>
   </p:cSld>
@@ -6905,7 +7079,7 @@
           <p:cNvPr id="2" name="Title 1">
             <a:extLst>
               <a:ext uri="{FF2B5EF4-FFF2-40B4-BE49-F238E27FC236}">
-                <a16:creationId xmlns:a16="http://schemas.microsoft.com/office/drawing/2014/main" id="{40D8FF75-5149-4BE5-9C68-0EBB9D8C63A5}"/>
+                <a16:creationId xmlns:a16="http://schemas.microsoft.com/office/drawing/2014/main" id="{5AEA1064-F1D0-4DA3-B1D6-9A6698525B62}"/>
               </a:ext>
             </a:extLst>
           </p:cNvPr>
@@ -6922,12 +7096,91 @@
           <a:lstStyle/>
           <a:p>
             <a:r>
-              <a:rPr lang="en-US" dirty="0">
-                <a:latin typeface="Arial" panose="020B0604020202020204" pitchFamily="34" charset="0"/>
-                <a:cs typeface="Arial" panose="020B0604020202020204" pitchFamily="34" charset="0"/>
-              </a:rPr>
-              <a:t>Study case</a:t>
-            </a:r>
+              <a:rPr lang="en-US" dirty="0"/>
+              <a:t>Step 2: Searching for a Match</a:t>
+            </a:r>
+          </a:p>
+        </p:txBody>
+      </p:sp>
+      <p:sp>
+        <p:nvSpPr>
+          <p:cNvPr id="3" name="Content Placeholder 2">
+            <a:extLst>
+              <a:ext uri="{FF2B5EF4-FFF2-40B4-BE49-F238E27FC236}">
+                <a16:creationId xmlns:a16="http://schemas.microsoft.com/office/drawing/2014/main" id="{FDCD115D-5464-4CFE-B0A6-08A96E9FE776}"/>
+              </a:ext>
+            </a:extLst>
+          </p:cNvPr>
+          <p:cNvSpPr>
+            <a:spLocks noGrp="1"/>
+          </p:cNvSpPr>
+          <p:nvPr>
+            <p:ph idx="1"/>
+          </p:nvPr>
+        </p:nvSpPr>
+        <p:spPr>
+          <a:xfrm>
+            <a:off x="677334" y="1784071"/>
+            <a:ext cx="8596668" cy="3880773"/>
+          </a:xfrm>
+        </p:spPr>
+        <p:txBody>
+          <a:bodyPr/>
+          <a:lstStyle/>
+          <a:p>
+            <a:pPr>
+              <a:lnSpc>
+                <a:spcPct val="200000"/>
+              </a:lnSpc>
+            </a:pPr>
+            <a:r>
+              <a:rPr lang="en-US" dirty="0"/>
+              <a:t>The DNA is fed into the </a:t>
+            </a:r>
+            <a:r>
+              <a:rPr lang="en-US" b="1" dirty="0"/>
+              <a:t>Sequence Signature Database</a:t>
+            </a:r>
+            <a:r>
+              <a:rPr lang="en-US" dirty="0"/>
+              <a:t>, a comprehensive collection of genetic barcodes for pathogens affecting crops worldwide.</a:t>
+            </a:r>
+          </a:p>
+          <a:p>
+            <a:pPr>
+              <a:lnSpc>
+                <a:spcPct val="200000"/>
+              </a:lnSpc>
+            </a:pPr>
+            <a:r>
+              <a:rPr lang="en-US" dirty="0"/>
+              <a:t>After a quick search, the database flags a match:</a:t>
+            </a:r>
+            <a:br>
+              <a:rPr lang="en-US" dirty="0"/>
+            </a:br>
+            <a:r>
+              <a:rPr lang="en-US" i="1" dirty="0"/>
+              <a:t>"The DNA belongs to Fusarium </a:t>
+            </a:r>
+            <a:r>
+              <a:rPr lang="en-US" i="1" dirty="0" err="1"/>
+              <a:t>chlamydosporum</a:t>
+            </a:r>
+            <a:r>
+              <a:rPr lang="en-US" i="1" dirty="0"/>
+              <a:t>, a fungus known to cause watermelon fruit rot disease!"</a:t>
+            </a:r>
+            <a:endParaRPr lang="en-US" dirty="0"/>
+          </a:p>
+          <a:p>
+            <a:pPr marL="0" indent="0">
+              <a:lnSpc>
+                <a:spcPct val="200000"/>
+              </a:lnSpc>
+              <a:buNone/>
+            </a:pPr>
+            <a:endParaRPr lang="en-US" dirty="0"/>
           </a:p>
         </p:txBody>
       </p:sp>
@@ -6936,7 +7189,7 @@
           <p:cNvPr id="4" name="Slide Number Placeholder 3">
             <a:extLst>
               <a:ext uri="{FF2B5EF4-FFF2-40B4-BE49-F238E27FC236}">
-                <a16:creationId xmlns:a16="http://schemas.microsoft.com/office/drawing/2014/main" id="{8461DCF3-ED9B-453F-B18C-509ACFCB8CB7}"/>
+                <a16:creationId xmlns:a16="http://schemas.microsoft.com/office/drawing/2014/main" id="{58CD6AC1-4A77-442E-9F76-14FE9B754667}"/>
               </a:ext>
             </a:extLst>
           </p:cNvPr>
@@ -6953,344 +7206,18 @@
           <a:lstStyle/>
           <a:p>
             <a:fld id="{5E2D43C8-FCB2-4CFF-B706-7EDFCF5B6158}" type="slidenum">
-              <a:rPr lang="ko-KR" altLang="en-US" smtClean="0">
-                <a:latin typeface="Arial" panose="020B0604020202020204" pitchFamily="34" charset="0"/>
-                <a:cs typeface="Arial" panose="020B0604020202020204" pitchFamily="34" charset="0"/>
-              </a:rPr>
+              <a:rPr lang="ko-KR" altLang="en-US" smtClean="0"/>
               <a:pPr/>
               <a:t>12</a:t>
             </a:fld>
-            <a:endParaRPr lang="ko-KR" altLang="en-US">
-              <a:latin typeface="Arial" panose="020B0604020202020204" pitchFamily="34" charset="0"/>
-              <a:cs typeface="Arial" panose="020B0604020202020204" pitchFamily="34" charset="0"/>
-            </a:endParaRPr>
-          </a:p>
-        </p:txBody>
-      </p:sp>
-      <p:sp>
-        <p:nvSpPr>
-          <p:cNvPr id="8" name="TextBox 7">
-            <a:extLst>
-              <a:ext uri="{FF2B5EF4-FFF2-40B4-BE49-F238E27FC236}">
-                <a16:creationId xmlns:a16="http://schemas.microsoft.com/office/drawing/2014/main" id="{7438652D-2551-4275-A2FA-71A997018653}"/>
-              </a:ext>
-            </a:extLst>
-          </p:cNvPr>
-          <p:cNvSpPr txBox="1"/>
-          <p:nvPr/>
-        </p:nvSpPr>
-        <p:spPr>
-          <a:xfrm>
-            <a:off x="838200" y="1735098"/>
-            <a:ext cx="9494520" cy="3434273"/>
-          </a:xfrm>
-          <a:prstGeom prst="rect">
-            <a:avLst/>
-          </a:prstGeom>
-          <a:noFill/>
-        </p:spPr>
-        <p:txBody>
-          <a:bodyPr wrap="square" rtlCol="0">
-            <a:spAutoFit/>
-          </a:bodyPr>
-          <a:lstStyle/>
-          <a:p>
-            <a:pPr marL="285750" indent="-285750">
-              <a:lnSpc>
-                <a:spcPct val="250000"/>
-              </a:lnSpc>
-              <a:buFont typeface="Arial" panose="020B0604020202020204" pitchFamily="34" charset="0"/>
-              <a:buChar char="•"/>
-            </a:pPr>
-            <a:r>
-              <a:rPr lang="en-US" b="1" dirty="0">
-                <a:latin typeface="Arial" panose="020B0604020202020204" pitchFamily="34" charset="0"/>
-                <a:cs typeface="Arial" panose="020B0604020202020204" pitchFamily="34" charset="0"/>
-              </a:rPr>
-              <a:t>Grab the sequence MT408911</a:t>
-            </a:r>
-          </a:p>
-          <a:p>
-            <a:pPr marL="285750" indent="-285750">
-              <a:lnSpc>
-                <a:spcPct val="250000"/>
-              </a:lnSpc>
-              <a:buFont typeface="Arial" panose="020B0604020202020204" pitchFamily="34" charset="0"/>
-              <a:buChar char="•"/>
-            </a:pPr>
-            <a:r>
-              <a:rPr lang="en-US" b="1" dirty="0">
-                <a:latin typeface="Arial" panose="020B0604020202020204" pitchFamily="34" charset="0"/>
-                <a:cs typeface="Arial" panose="020B0604020202020204" pitchFamily="34" charset="0"/>
-              </a:rPr>
-              <a:t>Look for similar sequences in NCBI</a:t>
-            </a:r>
-          </a:p>
-          <a:p>
-            <a:pPr marL="285750" indent="-285750">
-              <a:lnSpc>
-                <a:spcPct val="250000"/>
-              </a:lnSpc>
-              <a:buFont typeface="Arial" panose="020B0604020202020204" pitchFamily="34" charset="0"/>
-              <a:buChar char="•"/>
-            </a:pPr>
-            <a:r>
-              <a:rPr lang="en-US" b="1" dirty="0">
-                <a:latin typeface="Arial" panose="020B0604020202020204" pitchFamily="34" charset="0"/>
-                <a:cs typeface="Arial" panose="020B0604020202020204" pitchFamily="34" charset="0"/>
-              </a:rPr>
-              <a:t>Do the MSA</a:t>
-            </a:r>
-          </a:p>
-          <a:p>
-            <a:pPr marL="285750" indent="-285750">
-              <a:lnSpc>
-                <a:spcPct val="250000"/>
-              </a:lnSpc>
-              <a:buFont typeface="Arial" panose="020B0604020202020204" pitchFamily="34" charset="0"/>
-              <a:buChar char="•"/>
-            </a:pPr>
-            <a:r>
-              <a:rPr lang="en-US" b="1" dirty="0">
-                <a:latin typeface="Arial" panose="020B0604020202020204" pitchFamily="34" charset="0"/>
-                <a:cs typeface="Arial" panose="020B0604020202020204" pitchFamily="34" charset="0"/>
-              </a:rPr>
-              <a:t>Do the tree</a:t>
-            </a:r>
-          </a:p>
-          <a:p>
-            <a:pPr marL="285750" indent="-285750">
-              <a:lnSpc>
-                <a:spcPct val="250000"/>
-              </a:lnSpc>
-              <a:buFont typeface="Arial" panose="020B0604020202020204" pitchFamily="34" charset="0"/>
-              <a:buChar char="•"/>
-            </a:pPr>
-            <a:r>
-              <a:rPr lang="en-US" b="1" dirty="0">
-                <a:latin typeface="Arial" panose="020B0604020202020204" pitchFamily="34" charset="0"/>
-                <a:cs typeface="Arial" panose="020B0604020202020204" pitchFamily="34" charset="0"/>
-              </a:rPr>
-              <a:t>Visualize the tree</a:t>
-            </a:r>
-          </a:p>
-        </p:txBody>
-      </p:sp>
-      <p:sp>
-        <p:nvSpPr>
-          <p:cNvPr id="6" name="TextBox 5">
-            <a:extLst>
-              <a:ext uri="{FF2B5EF4-FFF2-40B4-BE49-F238E27FC236}">
-                <a16:creationId xmlns:a16="http://schemas.microsoft.com/office/drawing/2014/main" id="{C8D121DC-FA1F-4871-A0A9-854B05A1C69A}"/>
-              </a:ext>
-            </a:extLst>
-          </p:cNvPr>
-          <p:cNvSpPr txBox="1"/>
-          <p:nvPr/>
-        </p:nvSpPr>
-        <p:spPr>
-          <a:xfrm>
-            <a:off x="5871882" y="913834"/>
-            <a:ext cx="6096000" cy="5442516"/>
-          </a:xfrm>
-          <a:prstGeom prst="rect">
-            <a:avLst/>
-          </a:prstGeom>
-          <a:noFill/>
-        </p:spPr>
-        <p:txBody>
-          <a:bodyPr wrap="square">
-            <a:spAutoFit/>
-          </a:bodyPr>
-          <a:lstStyle/>
-          <a:p>
-            <a:pPr>
-              <a:lnSpc>
-                <a:spcPct val="150000"/>
-              </a:lnSpc>
-            </a:pPr>
-            <a:r>
-              <a:rPr lang="en-US" dirty="0">
-                <a:latin typeface="Arial" panose="020B0604020202020204" pitchFamily="34" charset="0"/>
-                <a:cs typeface="Arial" panose="020B0604020202020204" pitchFamily="34" charset="0"/>
-              </a:rPr>
-              <a:t>&gt;FR671158.1</a:t>
-            </a:r>
-          </a:p>
-          <a:p>
-            <a:pPr>
-              <a:lnSpc>
-                <a:spcPct val="150000"/>
-              </a:lnSpc>
-            </a:pPr>
-            <a:r>
-              <a:rPr lang="en-US" dirty="0">
-                <a:latin typeface="Arial" panose="020B0604020202020204" pitchFamily="34" charset="0"/>
-                <a:cs typeface="Arial" panose="020B0604020202020204" pitchFamily="34" charset="0"/>
-              </a:rPr>
-              <a:t>&gt;HQ671187.1</a:t>
-            </a:r>
-          </a:p>
-          <a:p>
-            <a:pPr>
-              <a:lnSpc>
-                <a:spcPct val="150000"/>
-              </a:lnSpc>
-            </a:pPr>
-            <a:r>
-              <a:rPr lang="en-US" dirty="0">
-                <a:latin typeface="Arial" panose="020B0604020202020204" pitchFamily="34" charset="0"/>
-                <a:cs typeface="Arial" panose="020B0604020202020204" pitchFamily="34" charset="0"/>
-              </a:rPr>
-              <a:t>&gt;HQ696878.1</a:t>
-            </a:r>
-          </a:p>
-          <a:p>
-            <a:pPr>
-              <a:lnSpc>
-                <a:spcPct val="150000"/>
-              </a:lnSpc>
-            </a:pPr>
-            <a:r>
-              <a:rPr lang="en-US" dirty="0">
-                <a:latin typeface="Arial" panose="020B0604020202020204" pitchFamily="34" charset="0"/>
-                <a:cs typeface="Arial" panose="020B0604020202020204" pitchFamily="34" charset="0"/>
-              </a:rPr>
-              <a:t>&gt;JK747246.1</a:t>
-            </a:r>
-          </a:p>
-          <a:p>
-            <a:pPr>
-              <a:lnSpc>
-                <a:spcPct val="150000"/>
-              </a:lnSpc>
-            </a:pPr>
-            <a:r>
-              <a:rPr lang="en-US" dirty="0">
-                <a:latin typeface="Arial" panose="020B0604020202020204" pitchFamily="34" charset="0"/>
-                <a:cs typeface="Arial" panose="020B0604020202020204" pitchFamily="34" charset="0"/>
-              </a:rPr>
-              <a:t>&gt;JX003859.1</a:t>
-            </a:r>
-          </a:p>
-          <a:p>
-            <a:pPr>
-              <a:lnSpc>
-                <a:spcPct val="150000"/>
-              </a:lnSpc>
-            </a:pPr>
-            <a:r>
-              <a:rPr lang="en-US" dirty="0">
-                <a:latin typeface="Arial" panose="020B0604020202020204" pitchFamily="34" charset="0"/>
-                <a:cs typeface="Arial" panose="020B0604020202020204" pitchFamily="34" charset="0"/>
-              </a:rPr>
-              <a:t>&gt;KJ584541.1</a:t>
-            </a:r>
-          </a:p>
-          <a:p>
-            <a:pPr>
-              <a:lnSpc>
-                <a:spcPct val="150000"/>
-              </a:lnSpc>
-            </a:pPr>
-            <a:r>
-              <a:rPr lang="en-US" dirty="0">
-                <a:latin typeface="Arial" panose="020B0604020202020204" pitchFamily="34" charset="0"/>
-                <a:cs typeface="Arial" panose="020B0604020202020204" pitchFamily="34" charset="0"/>
-              </a:rPr>
-              <a:t>&gt;KX463025.1</a:t>
-            </a:r>
-          </a:p>
-          <a:p>
-            <a:pPr>
-              <a:lnSpc>
-                <a:spcPct val="150000"/>
-              </a:lnSpc>
-            </a:pPr>
-            <a:r>
-              <a:rPr lang="en-US" dirty="0">
-                <a:latin typeface="Arial" panose="020B0604020202020204" pitchFamily="34" charset="0"/>
-                <a:cs typeface="Arial" panose="020B0604020202020204" pitchFamily="34" charset="0"/>
-              </a:rPr>
-              <a:t>&gt;KX463032.1</a:t>
-            </a:r>
-          </a:p>
-          <a:p>
-            <a:pPr>
-              <a:lnSpc>
-                <a:spcPct val="150000"/>
-              </a:lnSpc>
-            </a:pPr>
-            <a:r>
-              <a:rPr lang="en-US" dirty="0">
-                <a:latin typeface="Arial" panose="020B0604020202020204" pitchFamily="34" charset="0"/>
-                <a:cs typeface="Arial" panose="020B0604020202020204" pitchFamily="34" charset="0"/>
-              </a:rPr>
-              <a:t>&gt;MG734215.1</a:t>
-            </a:r>
-          </a:p>
-          <a:p>
-            <a:pPr>
-              <a:lnSpc>
-                <a:spcPct val="150000"/>
-              </a:lnSpc>
-            </a:pPr>
-            <a:r>
-              <a:rPr lang="en-US" dirty="0">
-                <a:latin typeface="Arial" panose="020B0604020202020204" pitchFamily="34" charset="0"/>
-                <a:cs typeface="Arial" panose="020B0604020202020204" pitchFamily="34" charset="0"/>
-              </a:rPr>
-              <a:t>&gt;MG938643.1</a:t>
-            </a:r>
-          </a:p>
-          <a:p>
-            <a:pPr>
-              <a:lnSpc>
-                <a:spcPct val="150000"/>
-              </a:lnSpc>
-            </a:pPr>
-            <a:r>
-              <a:rPr lang="en-US" dirty="0">
-                <a:latin typeface="Arial" panose="020B0604020202020204" pitchFamily="34" charset="0"/>
-                <a:cs typeface="Arial" panose="020B0604020202020204" pitchFamily="34" charset="0"/>
-              </a:rPr>
-              <a:t>&gt;MT196795.1</a:t>
-            </a:r>
-          </a:p>
-          <a:p>
-            <a:pPr>
-              <a:lnSpc>
-                <a:spcPct val="150000"/>
-              </a:lnSpc>
-            </a:pPr>
-            <a:r>
-              <a:rPr lang="en-US" dirty="0">
-                <a:latin typeface="Arial" panose="020B0604020202020204" pitchFamily="34" charset="0"/>
-                <a:cs typeface="Arial" panose="020B0604020202020204" pitchFamily="34" charset="0"/>
-              </a:rPr>
-              <a:t>&gt;MT408911.1</a:t>
-            </a:r>
-          </a:p>
-          <a:p>
-            <a:pPr>
-              <a:lnSpc>
-                <a:spcPct val="150000"/>
-              </a:lnSpc>
-            </a:pPr>
-            <a:r>
-              <a:rPr lang="en-US" dirty="0">
-                <a:latin typeface="Arial" panose="020B0604020202020204" pitchFamily="34" charset="0"/>
-                <a:cs typeface="Arial" panose="020B0604020202020204" pitchFamily="34" charset="0"/>
-              </a:rPr>
-              <a:t>&gt;MT447505.1</a:t>
-            </a:r>
+            <a:endParaRPr lang="ko-KR" altLang="en-US"/>
           </a:p>
         </p:txBody>
       </p:sp>
     </p:spTree>
     <p:extLst>
       <p:ext uri="{BB962C8B-B14F-4D97-AF65-F5344CB8AC3E}">
-        <p14:creationId xmlns:p14="http://schemas.microsoft.com/office/powerpoint/2010/main" val="1789403071"/>
+        <p14:creationId xmlns:p14="http://schemas.microsoft.com/office/powerpoint/2010/main" val="1011878627"/>
       </p:ext>
     </p:extLst>
   </p:cSld>
@@ -7322,7 +7249,7 @@
           <p:cNvPr id="2" name="Title 1">
             <a:extLst>
               <a:ext uri="{FF2B5EF4-FFF2-40B4-BE49-F238E27FC236}">
-                <a16:creationId xmlns:a16="http://schemas.microsoft.com/office/drawing/2014/main" id="{CFCED11D-D092-4B85-AFDC-E1AA56D3D09A}"/>
+                <a16:creationId xmlns:a16="http://schemas.microsoft.com/office/drawing/2014/main" id="{7CB2242F-0595-406F-8B7A-E6D2E1574515}"/>
               </a:ext>
             </a:extLst>
           </p:cNvPr>
@@ -7339,11 +7266,8 @@
           <a:lstStyle/>
           <a:p>
             <a:r>
-              <a:rPr lang="en-US" dirty="0">
-                <a:latin typeface="Arial" panose="020B0604020202020204" pitchFamily="34" charset="0"/>
-                <a:cs typeface="Arial" panose="020B0604020202020204" pitchFamily="34" charset="0"/>
-              </a:rPr>
-              <a:t>Additional resources</a:t>
+              <a:rPr lang="en-US" dirty="0"/>
+              <a:t>Step 3 : Finding a solution</a:t>
             </a:r>
           </a:p>
         </p:txBody>
@@ -7353,7 +7277,7 @@
           <p:cNvPr id="3" name="Content Placeholder 2">
             <a:extLst>
               <a:ext uri="{FF2B5EF4-FFF2-40B4-BE49-F238E27FC236}">
-                <a16:creationId xmlns:a16="http://schemas.microsoft.com/office/drawing/2014/main" id="{8EE74D0F-1B4B-4C27-A723-977ED6DC6E79}"/>
+                <a16:creationId xmlns:a16="http://schemas.microsoft.com/office/drawing/2014/main" id="{3DC970CA-CB59-4E19-B831-B0DC1991AF6A}"/>
               </a:ext>
             </a:extLst>
           </p:cNvPr>
@@ -7366,59 +7290,141 @@
         </p:nvSpPr>
         <p:spPr>
           <a:xfrm>
-            <a:off x="838200" y="1825625"/>
-            <a:ext cx="11109960" cy="4351338"/>
+            <a:off x="392711" y="1666681"/>
+            <a:ext cx="9165913" cy="4374681"/>
           </a:xfrm>
         </p:spPr>
         <p:txBody>
-          <a:bodyPr/>
+          <a:bodyPr>
+            <a:normAutofit fontScale="92500"/>
+          </a:bodyPr>
           <a:lstStyle/>
           <a:p>
             <a:pPr>
               <a:lnSpc>
-                <a:spcPct val="200000"/>
+                <a:spcPct val="110000"/>
               </a:lnSpc>
             </a:pPr>
             <a:r>
-              <a:rPr lang="en-US" dirty="0">
-                <a:latin typeface="Arial" panose="020B0604020202020204" pitchFamily="34" charset="0"/>
-                <a:cs typeface="Arial" panose="020B0604020202020204" pitchFamily="34" charset="0"/>
-              </a:rPr>
-              <a:t>MEGA  </a:t>
-            </a:r>
-            <a:r>
-              <a:rPr lang="en-US" dirty="0">
-                <a:latin typeface="Arial" panose="020B0604020202020204" pitchFamily="34" charset="0"/>
-                <a:cs typeface="Arial" panose="020B0604020202020204" pitchFamily="34" charset="0"/>
-                <a:hlinkClick r:id="rId2"/>
-              </a:rPr>
-              <a:t>https://www.megasoftware.net/downloads/dload_win_gui</a:t>
-            </a:r>
-            <a:endParaRPr lang="en-US" dirty="0">
-              <a:latin typeface="Arial" panose="020B0604020202020204" pitchFamily="34" charset="0"/>
-              <a:cs typeface="Arial" panose="020B0604020202020204" pitchFamily="34" charset="0"/>
-            </a:endParaRPr>
+              <a:rPr lang="en-US" dirty="0"/>
+              <a:t>Now that the culprit is identified, the scientists recommend specific steps for Jamal:</a:t>
+            </a:r>
           </a:p>
           <a:p>
             <a:pPr>
               <a:lnSpc>
-                <a:spcPct val="200000"/>
+                <a:spcPct val="110000"/>
+              </a:lnSpc>
+              <a:buFont typeface="+mj-lt"/>
+              <a:buAutoNum type="arabicPeriod"/>
+            </a:pPr>
+            <a:r>
+              <a:rPr lang="en-US" b="1" dirty="0"/>
+              <a:t>Crop Rotation</a:t>
+            </a:r>
+            <a:br>
+              <a:rPr lang="en-US" dirty="0"/>
+            </a:br>
+            <a:r>
+              <a:rPr lang="en-US" dirty="0"/>
+              <a:t>They advise Jamal to rotate his watermelon crop with non-host plants like maize or sorghum, breaking the life cycle of the fungus.</a:t>
+            </a:r>
+          </a:p>
+          <a:p>
+            <a:pPr>
+              <a:lnSpc>
+                <a:spcPct val="110000"/>
+              </a:lnSpc>
+              <a:buFont typeface="+mj-lt"/>
+              <a:buAutoNum type="arabicPeriod"/>
+            </a:pPr>
+            <a:r>
+              <a:rPr lang="en-US" b="1" dirty="0"/>
+              <a:t>Soil Treatment</a:t>
+            </a:r>
+            <a:br>
+              <a:rPr lang="en-US" dirty="0"/>
+            </a:br>
+            <a:r>
+              <a:rPr lang="en-US" dirty="0"/>
+              <a:t>They suggest treating the soil with </a:t>
+            </a:r>
+            <a:r>
+              <a:rPr lang="en-US" b="1" dirty="0"/>
+              <a:t>biocontrol agents</a:t>
+            </a:r>
+            <a:r>
+              <a:rPr lang="en-US" dirty="0"/>
+              <a:t> such as </a:t>
+            </a:r>
+            <a:r>
+              <a:rPr lang="en-US" i="1" dirty="0"/>
+              <a:t>Trichoderma</a:t>
+            </a:r>
+            <a:r>
+              <a:rPr lang="en-US" dirty="0"/>
+              <a:t> species, which suppress fungal growth.</a:t>
+            </a:r>
+          </a:p>
+          <a:p>
+            <a:pPr>
+              <a:lnSpc>
+                <a:spcPct val="110000"/>
+              </a:lnSpc>
+              <a:buFont typeface="+mj-lt"/>
+              <a:buAutoNum type="arabicPeriod"/>
+            </a:pPr>
+            <a:r>
+              <a:rPr lang="en-US" b="1" dirty="0"/>
+              <a:t>Resistant Varieties</a:t>
+            </a:r>
+            <a:br>
+              <a:rPr lang="en-US" dirty="0"/>
+            </a:br>
+            <a:r>
+              <a:rPr lang="en-US" dirty="0"/>
+              <a:t>The database also highlights watermelon varieties resistant to </a:t>
+            </a:r>
+            <a:r>
+              <a:rPr lang="en-US" i="1" dirty="0"/>
+              <a:t>Fusarium </a:t>
+            </a:r>
+            <a:r>
+              <a:rPr lang="en-US" i="1" dirty="0" err="1"/>
+              <a:t>chlamydosporum</a:t>
+            </a:r>
+            <a:r>
+              <a:rPr lang="en-US" dirty="0"/>
+              <a:t>. Planting these varieties can minimize future losses.</a:t>
+            </a:r>
+          </a:p>
+          <a:p>
+            <a:pPr>
+              <a:lnSpc>
+                <a:spcPct val="110000"/>
+              </a:lnSpc>
+              <a:buFont typeface="+mj-lt"/>
+              <a:buAutoNum type="arabicPeriod"/>
+            </a:pPr>
+            <a:r>
+              <a:rPr lang="en-US" b="1" dirty="0"/>
+              <a:t>Post-Harvest Hygiene</a:t>
+            </a:r>
+            <a:br>
+              <a:rPr lang="en-US" dirty="0"/>
+            </a:br>
+            <a:r>
+              <a:rPr lang="en-US" dirty="0"/>
+              <a:t>Proper cleaning of storage areas and transportation crates is recommended to prevent fungal spread.</a:t>
+            </a:r>
+          </a:p>
+          <a:p>
+            <a:pPr>
+              <a:lnSpc>
+                <a:spcPct val="110000"/>
               </a:lnSpc>
             </a:pPr>
-            <a:r>
-              <a:rPr lang="en-US" dirty="0" err="1">
-                <a:latin typeface="Arial" panose="020B0604020202020204" pitchFamily="34" charset="0"/>
-                <a:cs typeface="Arial" panose="020B0604020202020204" pitchFamily="34" charset="0"/>
-              </a:rPr>
-              <a:t>PhyloSuite</a:t>
-            </a:r>
-            <a:r>
-              <a:rPr lang="en-US" dirty="0">
-                <a:latin typeface="Arial" panose="020B0604020202020204" pitchFamily="34" charset="0"/>
-                <a:cs typeface="Arial" panose="020B0604020202020204" pitchFamily="34" charset="0"/>
-              </a:rPr>
-              <a:t> https://dongzhang0725.github.io/installation/</a:t>
-            </a:r>
+            <a:endParaRPr lang="en-US" dirty="0"/>
           </a:p>
         </p:txBody>
       </p:sp>
@@ -7427,7 +7433,7 @@
           <p:cNvPr id="4" name="Slide Number Placeholder 3">
             <a:extLst>
               <a:ext uri="{FF2B5EF4-FFF2-40B4-BE49-F238E27FC236}">
-                <a16:creationId xmlns:a16="http://schemas.microsoft.com/office/drawing/2014/main" id="{2EE3FC3E-742E-4BA5-A58D-BED45FD9D578}"/>
+                <a16:creationId xmlns:a16="http://schemas.microsoft.com/office/drawing/2014/main" id="{D3B01C4A-09E1-44B7-A6A4-579ADD0F7324}"/>
               </a:ext>
             </a:extLst>
           </p:cNvPr>
@@ -7455,7 +7461,7 @@
     </p:spTree>
     <p:extLst>
       <p:ext uri="{BB962C8B-B14F-4D97-AF65-F5344CB8AC3E}">
-        <p14:creationId xmlns:p14="http://schemas.microsoft.com/office/powerpoint/2010/main" val="3882942154"/>
+        <p14:creationId xmlns:p14="http://schemas.microsoft.com/office/powerpoint/2010/main" val="3807056380"/>
       </p:ext>
     </p:extLst>
   </p:cSld>
@@ -7465,7 +7471,7 @@
 </p:sld>
 </file>
 
-<file path=ppt/slides/slide2.xml><?xml version="1.0" encoding="utf-8"?>
+<file path=ppt/slides/slide14.xml><?xml version="1.0" encoding="utf-8"?>
 <p:sld xmlns:a="http://schemas.openxmlformats.org/drawingml/2006/main" xmlns:r="http://schemas.openxmlformats.org/officeDocument/2006/relationships" xmlns:p="http://schemas.openxmlformats.org/presentationml/2006/main">
   <p:cSld>
     <p:spTree>
@@ -7484,10 +7490,136 @@
       </p:grpSpPr>
       <p:sp>
         <p:nvSpPr>
+          <p:cNvPr id="2" name="Title 1">
+            <a:extLst>
+              <a:ext uri="{FF2B5EF4-FFF2-40B4-BE49-F238E27FC236}">
+                <a16:creationId xmlns:a16="http://schemas.microsoft.com/office/drawing/2014/main" id="{93C8FAEA-BEC3-4593-AB70-680E2A0561FB}"/>
+              </a:ext>
+            </a:extLst>
+          </p:cNvPr>
+          <p:cNvSpPr>
+            <a:spLocks noGrp="1"/>
+          </p:cNvSpPr>
+          <p:nvPr>
+            <p:ph type="title"/>
+          </p:nvPr>
+        </p:nvSpPr>
+        <p:spPr/>
+        <p:txBody>
+          <a:bodyPr/>
+          <a:lstStyle/>
+          <a:p>
+            <a:r>
+              <a:rPr lang="en-US" dirty="0"/>
+              <a:t>How Sequence Signature Databases Save the Day ?</a:t>
+            </a:r>
+          </a:p>
+        </p:txBody>
+      </p:sp>
+      <p:sp>
+        <p:nvSpPr>
+          <p:cNvPr id="3" name="Content Placeholder 2">
+            <a:extLst>
+              <a:ext uri="{FF2B5EF4-FFF2-40B4-BE49-F238E27FC236}">
+                <a16:creationId xmlns:a16="http://schemas.microsoft.com/office/drawing/2014/main" id="{0FB00BDE-35FA-4E9E-BF17-2E7AD4E8832F}"/>
+              </a:ext>
+            </a:extLst>
+          </p:cNvPr>
+          <p:cNvSpPr>
+            <a:spLocks noGrp="1"/>
+          </p:cNvSpPr>
+          <p:nvPr>
+            <p:ph idx="1"/>
+          </p:nvPr>
+        </p:nvSpPr>
+        <p:spPr>
+          <a:xfrm>
+            <a:off x="677334" y="1930400"/>
+            <a:ext cx="9578290" cy="3880773"/>
+          </a:xfrm>
+        </p:spPr>
+        <p:txBody>
+          <a:bodyPr>
+            <a:normAutofit fontScale="92500" lnSpcReduction="20000"/>
+          </a:bodyPr>
+          <a:lstStyle/>
+          <a:p>
+            <a:pPr>
+              <a:lnSpc>
+                <a:spcPct val="150000"/>
+              </a:lnSpc>
+            </a:pPr>
+            <a:r>
+              <a:rPr lang="en-US" dirty="0"/>
+              <a:t>Quick Diagnosis</a:t>
+            </a:r>
+          </a:p>
+          <a:p>
+            <a:pPr marL="0" indent="0">
+              <a:lnSpc>
+                <a:spcPct val="150000"/>
+              </a:lnSpc>
+              <a:buNone/>
+            </a:pPr>
+            <a:r>
+              <a:rPr lang="en-US" dirty="0"/>
+              <a:t>Without the database, it might take weeks or months of trial and error to identify the pathogen. The database delivers answers in hours.</a:t>
+            </a:r>
+          </a:p>
+          <a:p>
+            <a:pPr>
+              <a:lnSpc>
+                <a:spcPct val="150000"/>
+              </a:lnSpc>
+            </a:pPr>
+            <a:r>
+              <a:rPr lang="en-US" dirty="0"/>
+              <a:t>Precise Interventions</a:t>
+            </a:r>
+          </a:p>
+          <a:p>
+            <a:pPr marL="0" indent="0">
+              <a:lnSpc>
+                <a:spcPct val="150000"/>
+              </a:lnSpc>
+              <a:buNone/>
+            </a:pPr>
+            <a:r>
+              <a:rPr lang="en-US" dirty="0"/>
+              <a:t>Jamal avoids using broad-spectrum fungicides, which are costly and harmful to beneficial microbes. Instead, he uses targeted biocontrol methods.</a:t>
+            </a:r>
+          </a:p>
+          <a:p>
+            <a:pPr>
+              <a:lnSpc>
+                <a:spcPct val="150000"/>
+              </a:lnSpc>
+            </a:pPr>
+            <a:r>
+              <a:rPr lang="en-US" dirty="0"/>
+              <a:t>Sustainable Farming</a:t>
+            </a:r>
+          </a:p>
+          <a:p>
+            <a:pPr marL="0" indent="0">
+              <a:lnSpc>
+                <a:spcPct val="150000"/>
+              </a:lnSpc>
+              <a:buNone/>
+            </a:pPr>
+            <a:r>
+              <a:rPr lang="en-US" dirty="0"/>
+              <a:t>By using resistant varieties and crop rotation, Jamal can protect his watermelon crop for future seasons without relying on excessive chemical treatments.</a:t>
+            </a:r>
+          </a:p>
+        </p:txBody>
+      </p:sp>
+      <p:sp>
+        <p:nvSpPr>
           <p:cNvPr id="4" name="Slide Number Placeholder 3">
             <a:extLst>
               <a:ext uri="{FF2B5EF4-FFF2-40B4-BE49-F238E27FC236}">
-                <a16:creationId xmlns:a16="http://schemas.microsoft.com/office/drawing/2014/main" id="{3D8C4533-9129-49C4-93B7-B47A3D93A5A2}"/>
+                <a16:creationId xmlns:a16="http://schemas.microsoft.com/office/drawing/2014/main" id="{83DD7241-1DA4-456B-AC07-380670A1A50A}"/>
               </a:ext>
             </a:extLst>
           </p:cNvPr>
@@ -7506,146 +7638,16 @@
             <a:fld id="{5E2D43C8-FCB2-4CFF-B706-7EDFCF5B6158}" type="slidenum">
               <a:rPr lang="ko-KR" altLang="en-US" smtClean="0"/>
               <a:pPr/>
-              <a:t>2</a:t>
+              <a:t>14</a:t>
             </a:fld>
             <a:endParaRPr lang="ko-KR" altLang="en-US"/>
-          </a:p>
-        </p:txBody>
-      </p:sp>
-      <p:sp>
-        <p:nvSpPr>
-          <p:cNvPr id="9" name="TextBox 8">
-            <a:extLst>
-              <a:ext uri="{FF2B5EF4-FFF2-40B4-BE49-F238E27FC236}">
-                <a16:creationId xmlns:a16="http://schemas.microsoft.com/office/drawing/2014/main" id="{6F60D7BE-A8E6-43F0-8BC7-BEBCAAF3375D}"/>
-              </a:ext>
-            </a:extLst>
-          </p:cNvPr>
-          <p:cNvSpPr txBox="1"/>
-          <p:nvPr/>
-        </p:nvSpPr>
-        <p:spPr>
-          <a:xfrm>
-            <a:off x="457199" y="408366"/>
-            <a:ext cx="11438965" cy="584775"/>
-          </a:xfrm>
-          <a:prstGeom prst="rect">
-            <a:avLst/>
-          </a:prstGeom>
-          <a:noFill/>
-        </p:spPr>
-        <p:txBody>
-          <a:bodyPr wrap="square">
-            <a:spAutoFit/>
-          </a:bodyPr>
-          <a:lstStyle/>
-          <a:p>
-            <a:pPr algn="ctr"/>
-            <a:r>
-              <a:rPr lang="fr-FR" sz="3200" b="1" dirty="0">
-                <a:latin typeface="Arial" panose="020B0604020202020204" pitchFamily="34" charset="0"/>
-                <a:cs typeface="Arial" panose="020B0604020202020204" pitchFamily="34" charset="0"/>
-              </a:rPr>
-              <a:t>Hands-on session</a:t>
-            </a:r>
-          </a:p>
-        </p:txBody>
-      </p:sp>
-      <p:sp>
-        <p:nvSpPr>
-          <p:cNvPr id="2" name="TextBox 1">
-            <a:extLst>
-              <a:ext uri="{FF2B5EF4-FFF2-40B4-BE49-F238E27FC236}">
-                <a16:creationId xmlns:a16="http://schemas.microsoft.com/office/drawing/2014/main" id="{60CDA00A-F567-4706-A06A-D33FF8F6E43A}"/>
-              </a:ext>
-            </a:extLst>
-          </p:cNvPr>
-          <p:cNvSpPr txBox="1"/>
-          <p:nvPr/>
-        </p:nvSpPr>
-        <p:spPr>
-          <a:xfrm>
-            <a:off x="1488140" y="1636842"/>
-            <a:ext cx="9699813" cy="3584315"/>
-          </a:xfrm>
-          <a:prstGeom prst="rect">
-            <a:avLst/>
-          </a:prstGeom>
-          <a:noFill/>
-        </p:spPr>
-        <p:txBody>
-          <a:bodyPr wrap="square" rtlCol="0">
-            <a:spAutoFit/>
-          </a:bodyPr>
-          <a:lstStyle/>
-          <a:p>
-            <a:pPr algn="ctr">
-              <a:lnSpc>
-                <a:spcPct val="300000"/>
-              </a:lnSpc>
-            </a:pPr>
-            <a:r>
-              <a:rPr lang="en-US" sz="2500" b="1" dirty="0">
-                <a:latin typeface="Arial" panose="020B0604020202020204" pitchFamily="34" charset="0"/>
-                <a:cs typeface="Arial" panose="020B0604020202020204" pitchFamily="34" charset="0"/>
-              </a:rPr>
-              <a:t>Plan</a:t>
-            </a:r>
-          </a:p>
-          <a:p>
-            <a:pPr marL="285750" indent="-285750">
-              <a:lnSpc>
-                <a:spcPct val="300000"/>
-              </a:lnSpc>
-              <a:buFont typeface="Arial" panose="020B0604020202020204" pitchFamily="34" charset="0"/>
-              <a:buChar char="•"/>
-            </a:pPr>
-            <a:r>
-              <a:rPr lang="en-US" dirty="0">
-                <a:latin typeface="Arial" panose="020B0604020202020204" pitchFamily="34" charset="0"/>
-                <a:cs typeface="Arial" panose="020B0604020202020204" pitchFamily="34" charset="0"/>
-              </a:rPr>
-              <a:t>01. How to do a blast using NCBI</a:t>
-            </a:r>
-          </a:p>
-          <a:p>
-            <a:pPr marL="285750" indent="-285750">
-              <a:lnSpc>
-                <a:spcPct val="300000"/>
-              </a:lnSpc>
-              <a:buFont typeface="Arial" panose="020B0604020202020204" pitchFamily="34" charset="0"/>
-              <a:buChar char="•"/>
-            </a:pPr>
-            <a:r>
-              <a:rPr lang="en-US" dirty="0">
-                <a:latin typeface="Arial" panose="020B0604020202020204" pitchFamily="34" charset="0"/>
-                <a:cs typeface="Arial" panose="020B0604020202020204" pitchFamily="34" charset="0"/>
-              </a:rPr>
-              <a:t>02. How to do a multiple sequence alignment</a:t>
-            </a:r>
-          </a:p>
-          <a:p>
-            <a:pPr marL="285750" indent="-285750">
-              <a:lnSpc>
-                <a:spcPct val="300000"/>
-              </a:lnSpc>
-              <a:buFont typeface="Arial" panose="020B0604020202020204" pitchFamily="34" charset="0"/>
-              <a:buChar char="•"/>
-            </a:pPr>
-            <a:r>
-              <a:rPr lang="en-US" dirty="0">
-                <a:latin typeface="Arial" panose="020B0604020202020204" pitchFamily="34" charset="0"/>
-                <a:cs typeface="Arial" panose="020B0604020202020204" pitchFamily="34" charset="0"/>
-              </a:rPr>
-              <a:t>03. How to do a phylogenetic tree</a:t>
-            </a:r>
           </a:p>
         </p:txBody>
       </p:sp>
     </p:spTree>
     <p:extLst>
       <p:ext uri="{BB962C8B-B14F-4D97-AF65-F5344CB8AC3E}">
-        <p14:creationId xmlns:p14="http://schemas.microsoft.com/office/powerpoint/2010/main" val="153525621"/>
+        <p14:creationId xmlns:p14="http://schemas.microsoft.com/office/powerpoint/2010/main" val="3067456004"/>
       </p:ext>
     </p:extLst>
   </p:cSld>
@@ -7655,7 +7657,7 @@
 </p:sld>
 </file>
 
-<file path=ppt/slides/slide3.xml><?xml version="1.0" encoding="utf-8"?>
+<file path=ppt/slides/slide15.xml><?xml version="1.0" encoding="utf-8"?>
 <p:sld xmlns:a="http://schemas.openxmlformats.org/drawingml/2006/main" xmlns:r="http://schemas.openxmlformats.org/officeDocument/2006/relationships" xmlns:p="http://schemas.openxmlformats.org/presentationml/2006/main">
   <p:cSld>
     <p:spTree>
@@ -7674,10 +7676,38 @@
       </p:grpSpPr>
       <p:sp>
         <p:nvSpPr>
+          <p:cNvPr id="2" name="Title 1">
+            <a:extLst>
+              <a:ext uri="{FF2B5EF4-FFF2-40B4-BE49-F238E27FC236}">
+                <a16:creationId xmlns:a16="http://schemas.microsoft.com/office/drawing/2014/main" id="{93C8FAEA-BEC3-4593-AB70-680E2A0561FB}"/>
+              </a:ext>
+            </a:extLst>
+          </p:cNvPr>
+          <p:cNvSpPr>
+            <a:spLocks noGrp="1"/>
+          </p:cNvSpPr>
+          <p:nvPr>
+            <p:ph type="title"/>
+          </p:nvPr>
+        </p:nvSpPr>
+        <p:spPr/>
+        <p:txBody>
+          <a:bodyPr/>
+          <a:lstStyle/>
+          <a:p>
+            <a:r>
+              <a:rPr lang="en-US" dirty="0"/>
+              <a:t>The Big Picture</a:t>
+            </a:r>
+          </a:p>
+        </p:txBody>
+      </p:sp>
+      <p:sp>
+        <p:nvSpPr>
           <p:cNvPr id="4" name="Slide Number Placeholder 3">
             <a:extLst>
               <a:ext uri="{FF2B5EF4-FFF2-40B4-BE49-F238E27FC236}">
-                <a16:creationId xmlns:a16="http://schemas.microsoft.com/office/drawing/2014/main" id="{3D8C4533-9129-49C4-93B7-B47A3D93A5A2}"/>
+                <a16:creationId xmlns:a16="http://schemas.microsoft.com/office/drawing/2014/main" id="{83DD7241-1DA4-456B-AC07-380670A1A50A}"/>
               </a:ext>
             </a:extLst>
           </p:cNvPr>
@@ -7696,7 +7726,7 @@
             <a:fld id="{5E2D43C8-FCB2-4CFF-B706-7EDFCF5B6158}" type="slidenum">
               <a:rPr lang="ko-KR" altLang="en-US" smtClean="0"/>
               <a:pPr/>
-              <a:t>3</a:t>
+              <a:t>15</a:t>
             </a:fld>
             <a:endParaRPr lang="ko-KR" altLang="en-US"/>
           </a:p>
@@ -7704,173 +7734,273 @@
       </p:sp>
       <p:sp>
         <p:nvSpPr>
-          <p:cNvPr id="9" name="TextBox 8">
+          <p:cNvPr id="7" name="Rectangle 3">
             <a:extLst>
               <a:ext uri="{FF2B5EF4-FFF2-40B4-BE49-F238E27FC236}">
-                <a16:creationId xmlns:a16="http://schemas.microsoft.com/office/drawing/2014/main" id="{6F60D7BE-A8E6-43F0-8BC7-BEBCAAF3375D}"/>
+                <a16:creationId xmlns:a16="http://schemas.microsoft.com/office/drawing/2014/main" id="{79C68311-DAB7-4CE5-AA7D-9A741C67013E}"/>
               </a:ext>
             </a:extLst>
           </p:cNvPr>
-          <p:cNvSpPr txBox="1"/>
-          <p:nvPr/>
-        </p:nvSpPr>
-        <p:spPr>
+          <p:cNvSpPr>
+            <a:spLocks noGrp="1" noChangeArrowheads="1"/>
+          </p:cNvSpPr>
+          <p:nvPr>
+            <p:ph idx="1"/>
+          </p:nvPr>
+        </p:nvSpPr>
+        <p:spPr bwMode="auto">
           <a:xfrm>
-            <a:off x="457199" y="408366"/>
-            <a:ext cx="11438965" cy="584775"/>
+            <a:off x="677334" y="2127327"/>
+            <a:ext cx="8879042" cy="2118529"/>
           </a:xfrm>
           <a:prstGeom prst="rect">
             <a:avLst/>
           </a:prstGeom>
           <a:noFill/>
+          <a:ln>
+            <a:noFill/>
+          </a:ln>
+          <a:effectLst/>
+          <a:extLst>
+            <a:ext uri="{909E8E84-426E-40DD-AFC4-6F175D3DCCD1}">
+              <a14:hiddenFill xmlns:a14="http://schemas.microsoft.com/office/drawing/2010/main">
+                <a:solidFill>
+                  <a:schemeClr val="accent1"/>
+                </a:solidFill>
+              </a14:hiddenFill>
+            </a:ext>
+            <a:ext uri="{91240B29-F687-4F45-9708-019B960494DF}">
+              <a14:hiddenLine xmlns:a14="http://schemas.microsoft.com/office/drawing/2010/main" w="9525">
+                <a:solidFill>
+                  <a:schemeClr val="tx1"/>
+                </a:solidFill>
+                <a:miter lim="800000"/>
+                <a:headEnd/>
+                <a:tailEnd/>
+              </a14:hiddenLine>
+            </a:ext>
+            <a:ext uri="{AF507438-7753-43E0-B8FC-AC1667EBCBE1}">
+              <a14:hiddenEffects xmlns:a14="http://schemas.microsoft.com/office/drawing/2010/main">
+                <a:effectLst>
+                  <a:outerShdw dist="35921" dir="2700000" algn="ctr" rotWithShape="0">
+                    <a:schemeClr val="bg2"/>
+                  </a:outerShdw>
+                </a:effectLst>
+              </a14:hiddenEffects>
+            </a:ext>
+          </a:extLst>
         </p:spPr>
         <p:txBody>
-          <a:bodyPr wrap="square">
+          <a:bodyPr vert="horz" wrap="square" lIns="91440" tIns="45720" rIns="91440" bIns="45720" numCol="1" anchor="ctr" anchorCtr="0" compatLnSpc="1">
+            <a:prstTxWarp prst="textNoShape">
+              <a:avLst/>
+            </a:prstTxWarp>
             <a:spAutoFit/>
           </a:bodyPr>
           <a:lstStyle/>
           <a:p>
-            <a:pPr algn="ctr"/>
-            <a:r>
-              <a:rPr lang="fr-FR" sz="3200" b="1" dirty="0">
-                <a:latin typeface="Arial" panose="020B0604020202020204" pitchFamily="34" charset="0"/>
-                <a:cs typeface="Arial" panose="020B0604020202020204" pitchFamily="34" charset="0"/>
-              </a:rPr>
-              <a:t>Hands-on session</a:t>
-            </a:r>
-          </a:p>
-        </p:txBody>
-      </p:sp>
-      <p:sp>
-        <p:nvSpPr>
-          <p:cNvPr id="2" name="TextBox 1">
+            <a:pPr marL="0" marR="0" lvl="0" indent="0" algn="just" defTabSz="914400" rtl="0" eaLnBrk="0" fontAlgn="base" latinLnBrk="0" hangingPunct="0">
+              <a:lnSpc>
+                <a:spcPct val="150000"/>
+              </a:lnSpc>
+              <a:spcBef>
+                <a:spcPct val="0"/>
+              </a:spcBef>
+              <a:spcAft>
+                <a:spcPct val="0"/>
+              </a:spcAft>
+              <a:buClrTx/>
+              <a:buSzTx/>
+              <a:buFontTx/>
+              <a:buNone/>
+              <a:tabLst/>
+            </a:pPr>
+            <a:r>
+              <a:rPr kumimoji="0" lang="en-US" altLang="en-US" sz="1800" b="0" i="0" u="none" strike="noStrike" cap="none" normalizeH="0" baseline="0" dirty="0">
+                <a:ln>
+                  <a:noFill/>
+                </a:ln>
+                <a:solidFill>
+                  <a:schemeClr val="tx1"/>
+                </a:solidFill>
+                <a:effectLst/>
+                <a:latin typeface="+mj-lt"/>
+              </a:rPr>
+              <a:t>For farmers like Jamal, Sequence Signature Databases act as an </a:t>
+            </a:r>
+            <a:r>
+              <a:rPr kumimoji="0" lang="en-US" altLang="en-US" sz="1800" b="1" i="0" u="none" strike="noStrike" cap="none" normalizeH="0" baseline="0" dirty="0">
+                <a:ln>
+                  <a:noFill/>
+                </a:ln>
+                <a:solidFill>
+                  <a:schemeClr val="tx1"/>
+                </a:solidFill>
+                <a:effectLst/>
+                <a:latin typeface="+mj-lt"/>
+              </a:rPr>
+              <a:t>early warning system</a:t>
+            </a:r>
+            <a:r>
+              <a:rPr kumimoji="0" lang="en-US" altLang="en-US" sz="1800" b="0" i="0" u="none" strike="noStrike" cap="none" normalizeH="0" baseline="0" dirty="0">
+                <a:ln>
+                  <a:noFill/>
+                </a:ln>
+                <a:solidFill>
+                  <a:schemeClr val="tx1"/>
+                </a:solidFill>
+                <a:effectLst/>
+                <a:latin typeface="+mj-lt"/>
+              </a:rPr>
+              <a:t> and a </a:t>
+            </a:r>
+            <a:r>
+              <a:rPr kumimoji="0" lang="en-US" altLang="en-US" sz="1800" b="1" i="0" u="none" strike="noStrike" cap="none" normalizeH="0" baseline="0" dirty="0">
+                <a:ln>
+                  <a:noFill/>
+                </a:ln>
+                <a:solidFill>
+                  <a:schemeClr val="tx1"/>
+                </a:solidFill>
+                <a:effectLst/>
+                <a:latin typeface="+mj-lt"/>
+              </a:rPr>
+              <a:t>toolbox for solutions</a:t>
+            </a:r>
+            <a:r>
+              <a:rPr kumimoji="0" lang="en-US" altLang="en-US" sz="1800" b="0" i="0" u="none" strike="noStrike" cap="none" normalizeH="0" baseline="0" dirty="0">
+                <a:ln>
+                  <a:noFill/>
+                </a:ln>
+                <a:solidFill>
+                  <a:schemeClr val="tx1"/>
+                </a:solidFill>
+                <a:effectLst/>
+                <a:latin typeface="+mj-lt"/>
+              </a:rPr>
+              <a:t>. By identifying pathogens like </a:t>
+            </a:r>
+            <a:r>
+              <a:rPr kumimoji="0" lang="en-US" altLang="en-US" sz="1800" b="0" i="1" u="none" strike="noStrike" cap="none" normalizeH="0" baseline="0" dirty="0">
+                <a:ln>
+                  <a:noFill/>
+                </a:ln>
+                <a:solidFill>
+                  <a:schemeClr val="tx1"/>
+                </a:solidFill>
+                <a:effectLst/>
+                <a:latin typeface="+mj-lt"/>
+              </a:rPr>
+              <a:t>Fusarium </a:t>
+            </a:r>
+            <a:r>
+              <a:rPr kumimoji="0" lang="en-US" altLang="en-US" sz="1800" b="0" i="1" u="none" strike="noStrike" cap="none" normalizeH="0" baseline="0" dirty="0" err="1">
+                <a:ln>
+                  <a:noFill/>
+                </a:ln>
+                <a:solidFill>
+                  <a:schemeClr val="tx1"/>
+                </a:solidFill>
+                <a:effectLst/>
+                <a:latin typeface="+mj-lt"/>
+              </a:rPr>
+              <a:t>chlamydosporum</a:t>
+            </a:r>
+            <a:r>
+              <a:rPr kumimoji="0" lang="en-US" altLang="en-US" sz="1800" b="0" i="0" u="none" strike="noStrike" cap="none" normalizeH="0" baseline="0" dirty="0">
+                <a:ln>
+                  <a:noFill/>
+                </a:ln>
+                <a:solidFill>
+                  <a:schemeClr val="tx1"/>
+                </a:solidFill>
+                <a:effectLst/>
+                <a:latin typeface="+mj-lt"/>
+              </a:rPr>
+              <a:t>, these databases help safeguard yields, reduce waste, and ensure sustainable watermelon production.</a:t>
+            </a:r>
+          </a:p>
+          <a:p>
+            <a:pPr marL="0" marR="0" lvl="0" indent="0" algn="just" defTabSz="914400" rtl="0" eaLnBrk="0" fontAlgn="base" latinLnBrk="0" hangingPunct="0">
+              <a:lnSpc>
+                <a:spcPct val="150000"/>
+              </a:lnSpc>
+              <a:spcBef>
+                <a:spcPct val="0"/>
+              </a:spcBef>
+              <a:spcAft>
+                <a:spcPct val="0"/>
+              </a:spcAft>
+              <a:buClrTx/>
+              <a:buSzTx/>
+              <a:buFontTx/>
+              <a:buNone/>
+              <a:tabLst/>
+            </a:pPr>
+            <a:endParaRPr kumimoji="0" lang="en-US" altLang="en-US" sz="1800" b="0" i="0" u="none" strike="noStrike" cap="none" normalizeH="0" baseline="0" dirty="0">
+              <a:ln>
+                <a:noFill/>
+              </a:ln>
+              <a:solidFill>
+                <a:schemeClr val="tx1"/>
+              </a:solidFill>
+              <a:effectLst/>
+              <a:latin typeface="+mj-lt"/>
+            </a:endParaRPr>
+          </a:p>
+        </p:txBody>
+      </p:sp>
+      <p:pic>
+        <p:nvPicPr>
+          <p:cNvPr id="7173" name="Picture 5" descr="Watermelon | Nutrition, Health Benefits, Recipes | Britannica">
             <a:extLst>
               <a:ext uri="{FF2B5EF4-FFF2-40B4-BE49-F238E27FC236}">
-                <a16:creationId xmlns:a16="http://schemas.microsoft.com/office/drawing/2014/main" id="{60CDA00A-F567-4706-A06A-D33FF8F6E43A}"/>
+                <a16:creationId xmlns:a16="http://schemas.microsoft.com/office/drawing/2014/main" id="{943EC9E3-715A-4BAE-9022-AD4ACD0CD773}"/>
               </a:ext>
             </a:extLst>
           </p:cNvPr>
-          <p:cNvSpPr txBox="1"/>
+          <p:cNvPicPr>
+            <a:picLocks noChangeAspect="1" noChangeArrowheads="1"/>
+          </p:cNvPicPr>
           <p:nvPr/>
-        </p:nvSpPr>
-        <p:spPr>
+        </p:nvPicPr>
+        <p:blipFill>
+          <a:blip r:embed="rId2">
+            <a:extLst>
+              <a:ext uri="{28A0092B-C50C-407E-A947-70E740481C1C}">
+                <a14:useLocalDpi xmlns:a14="http://schemas.microsoft.com/office/drawing/2010/main" val="0"/>
+              </a:ext>
+            </a:extLst>
+          </a:blip>
+          <a:srcRect/>
+          <a:stretch>
+            <a:fillRect/>
+          </a:stretch>
+        </p:blipFill>
+        <p:spPr bwMode="auto">
           <a:xfrm>
-            <a:off x="1232644" y="967336"/>
-            <a:ext cx="9888073" cy="5754139"/>
+            <a:off x="5567206" y="3688517"/>
+            <a:ext cx="3182347" cy="3079691"/>
           </a:xfrm>
           <a:prstGeom prst="rect">
             <a:avLst/>
           </a:prstGeom>
           <a:noFill/>
+          <a:extLst>
+            <a:ext uri="{909E8E84-426E-40DD-AFC4-6F175D3DCCD1}">
+              <a14:hiddenFill xmlns:a14="http://schemas.microsoft.com/office/drawing/2010/main">
+                <a:solidFill>
+                  <a:srgbClr val="FFFFFF"/>
+                </a:solidFill>
+              </a14:hiddenFill>
+            </a:ext>
+          </a:extLst>
         </p:spPr>
-        <p:txBody>
-          <a:bodyPr wrap="square" rtlCol="0">
-            <a:spAutoFit/>
-          </a:bodyPr>
-          <a:lstStyle/>
-          <a:p>
-            <a:pPr algn="ctr">
-              <a:lnSpc>
-                <a:spcPct val="300000"/>
-              </a:lnSpc>
-            </a:pPr>
-            <a:r>
-              <a:rPr lang="fr-FR" b="1" dirty="0">
-                <a:latin typeface="Arial" panose="020B0604020202020204" pitchFamily="34" charset="0"/>
-                <a:cs typeface="Arial" panose="020B0604020202020204" pitchFamily="34" charset="0"/>
-              </a:rPr>
-              <a:t>01. How to use NCBI BLAST</a:t>
-            </a:r>
-          </a:p>
-          <a:p>
-            <a:pPr>
-              <a:lnSpc>
-                <a:spcPct val="300000"/>
-              </a:lnSpc>
-            </a:pPr>
-            <a:r>
-              <a:rPr lang="en-US" b="1" dirty="0">
-                <a:solidFill>
-                  <a:schemeClr val="accent2">
-                    <a:lumMod val="75000"/>
-                  </a:schemeClr>
-                </a:solidFill>
-                <a:latin typeface="Arial" panose="020B0604020202020204" pitchFamily="34" charset="0"/>
-                <a:cs typeface="Arial" panose="020B0604020202020204" pitchFamily="34" charset="0"/>
-              </a:rPr>
-              <a:t>NCBI BLAST (Basic Local Alignment Search Tool) </a:t>
-            </a:r>
-            <a:r>
-              <a:rPr lang="en-US" b="1" dirty="0">
-                <a:latin typeface="Arial" panose="020B0604020202020204" pitchFamily="34" charset="0"/>
-                <a:cs typeface="Arial" panose="020B0604020202020204" pitchFamily="34" charset="0"/>
-              </a:rPr>
-              <a:t>is a powerful bioinformatics tool used to compare a query sequence (e.g., a DNA or protein sequence) against a database of sequences to find similar sequences. </a:t>
-            </a:r>
-          </a:p>
-          <a:p>
-            <a:pPr>
-              <a:lnSpc>
-                <a:spcPct val="300000"/>
-              </a:lnSpc>
-            </a:pPr>
-            <a:r>
-              <a:rPr lang="en-US" b="1" dirty="0">
-                <a:latin typeface="Arial" panose="020B0604020202020204" pitchFamily="34" charset="0"/>
-                <a:cs typeface="Arial" panose="020B0604020202020204" pitchFamily="34" charset="0"/>
-              </a:rPr>
-              <a:t>Here are the steps to use NCBI BLAST:</a:t>
-            </a:r>
-          </a:p>
-          <a:p>
-            <a:pPr marL="342900" indent="-342900">
-              <a:lnSpc>
-                <a:spcPct val="300000"/>
-              </a:lnSpc>
-              <a:buAutoNum type="arabicPeriod"/>
-            </a:pPr>
-            <a:r>
-              <a:rPr lang="en-US" b="1" dirty="0">
-                <a:latin typeface="Arial" panose="020B0604020202020204" pitchFamily="34" charset="0"/>
-                <a:cs typeface="Arial" panose="020B0604020202020204" pitchFamily="34" charset="0"/>
-              </a:rPr>
-              <a:t>Access the NCBI BLAST website: Visit the NCBI BLAST homepage at </a:t>
-            </a:r>
-          </a:p>
-          <a:p>
-            <a:pPr>
-              <a:lnSpc>
-                <a:spcPct val="300000"/>
-              </a:lnSpc>
-            </a:pPr>
-            <a:r>
-              <a:rPr lang="en-US" b="1" dirty="0">
-                <a:solidFill>
-                  <a:schemeClr val="accent2">
-                    <a:lumMod val="75000"/>
-                  </a:schemeClr>
-                </a:solidFill>
-                <a:latin typeface="Arial" panose="020B0604020202020204" pitchFamily="34" charset="0"/>
-                <a:cs typeface="Arial" panose="020B0604020202020204" pitchFamily="34" charset="0"/>
-              </a:rPr>
-              <a:t>https://blast.ncbi.nlm.nih.gov/Blast.cgi</a:t>
-            </a:r>
-            <a:endParaRPr lang="fr-FR" b="1" dirty="0">
-              <a:solidFill>
-                <a:schemeClr val="accent2">
-                  <a:lumMod val="75000"/>
-                </a:schemeClr>
-              </a:solidFill>
-              <a:latin typeface="Arial" panose="020B0604020202020204" pitchFamily="34" charset="0"/>
-              <a:cs typeface="Arial" panose="020B0604020202020204" pitchFamily="34" charset="0"/>
-            </a:endParaRPr>
-          </a:p>
-        </p:txBody>
-      </p:sp>
+      </p:pic>
     </p:spTree>
     <p:extLst>
       <p:ext uri="{BB962C8B-B14F-4D97-AF65-F5344CB8AC3E}">
-        <p14:creationId xmlns:p14="http://schemas.microsoft.com/office/powerpoint/2010/main" val="500458212"/>
+        <p14:creationId xmlns:p14="http://schemas.microsoft.com/office/powerpoint/2010/main" val="2846004082"/>
       </p:ext>
     </p:extLst>
   </p:cSld>
@@ -7880,7 +8010,7 @@
 </p:sld>
 </file>
 
-<file path=ppt/slides/slide4.xml><?xml version="1.0" encoding="utf-8"?>
+<file path=ppt/slides/slide16.xml><?xml version="1.0" encoding="utf-8"?>
 <p:sld xmlns:a="http://schemas.openxmlformats.org/drawingml/2006/main" xmlns:r="http://schemas.openxmlformats.org/officeDocument/2006/relationships" xmlns:p="http://schemas.openxmlformats.org/presentationml/2006/main">
   <p:cSld>
     <p:spTree>
@@ -7899,6 +8029,361 @@
       </p:grpSpPr>
       <p:sp>
         <p:nvSpPr>
+          <p:cNvPr id="2" name="Title 1">
+            <a:extLst>
+              <a:ext uri="{FF2B5EF4-FFF2-40B4-BE49-F238E27FC236}">
+                <a16:creationId xmlns:a16="http://schemas.microsoft.com/office/drawing/2014/main" id="{93C8FAEA-BEC3-4593-AB70-680E2A0561FB}"/>
+              </a:ext>
+            </a:extLst>
+          </p:cNvPr>
+          <p:cNvSpPr>
+            <a:spLocks noGrp="1"/>
+          </p:cNvSpPr>
+          <p:nvPr>
+            <p:ph type="title"/>
+          </p:nvPr>
+        </p:nvSpPr>
+        <p:spPr>
+          <a:xfrm>
+            <a:off x="0" y="83671"/>
+            <a:ext cx="9455024" cy="1320800"/>
+          </a:xfrm>
+        </p:spPr>
+        <p:txBody>
+          <a:bodyPr/>
+          <a:lstStyle/>
+          <a:p>
+            <a:r>
+              <a:rPr lang="en-US" dirty="0"/>
+              <a:t>How can the second step be conducted ?</a:t>
+            </a:r>
+          </a:p>
+        </p:txBody>
+      </p:sp>
+      <p:sp>
+        <p:nvSpPr>
+          <p:cNvPr id="4" name="Slide Number Placeholder 3">
+            <a:extLst>
+              <a:ext uri="{FF2B5EF4-FFF2-40B4-BE49-F238E27FC236}">
+                <a16:creationId xmlns:a16="http://schemas.microsoft.com/office/drawing/2014/main" id="{83DD7241-1DA4-456B-AC07-380670A1A50A}"/>
+              </a:ext>
+            </a:extLst>
+          </p:cNvPr>
+          <p:cNvSpPr>
+            <a:spLocks noGrp="1"/>
+          </p:cNvSpPr>
+          <p:nvPr>
+            <p:ph type="sldNum" sz="quarter" idx="12"/>
+          </p:nvPr>
+        </p:nvSpPr>
+        <p:spPr/>
+        <p:txBody>
+          <a:bodyPr/>
+          <a:lstStyle/>
+          <a:p>
+            <a:fld id="{5E2D43C8-FCB2-4CFF-B706-7EDFCF5B6158}" type="slidenum">
+              <a:rPr lang="ko-KR" altLang="en-US" smtClean="0"/>
+              <a:pPr/>
+              <a:t>16</a:t>
+            </a:fld>
+            <a:endParaRPr lang="ko-KR" altLang="en-US"/>
+          </a:p>
+        </p:txBody>
+      </p:sp>
+      <p:pic>
+        <p:nvPicPr>
+          <p:cNvPr id="8194" name="Picture 2" descr="Question Emoji Photos, Images &amp; Pictures | Shutterstock">
+            <a:extLst>
+              <a:ext uri="{FF2B5EF4-FFF2-40B4-BE49-F238E27FC236}">
+                <a16:creationId xmlns:a16="http://schemas.microsoft.com/office/drawing/2014/main" id="{B2C1AA5D-0DC2-44AA-A294-5A21196077E4}"/>
+              </a:ext>
+            </a:extLst>
+          </p:cNvPr>
+          <p:cNvPicPr>
+            <a:picLocks noChangeAspect="1" noChangeArrowheads="1"/>
+          </p:cNvPicPr>
+          <p:nvPr/>
+        </p:nvPicPr>
+        <p:blipFill rotWithShape="1">
+          <a:blip r:embed="rId2">
+            <a:extLst>
+              <a:ext uri="{28A0092B-C50C-407E-A947-70E740481C1C}">
+                <a14:useLocalDpi xmlns:a14="http://schemas.microsoft.com/office/drawing/2010/main" val="0"/>
+              </a:ext>
+            </a:extLst>
+          </a:blip>
+          <a:srcRect t="18170" r="1895" b="15816"/>
+          <a:stretch/>
+        </p:blipFill>
+        <p:spPr bwMode="auto">
+          <a:xfrm>
+            <a:off x="1913124" y="1586752"/>
+            <a:ext cx="6307511" cy="4527177"/>
+          </a:xfrm>
+          <a:prstGeom prst="rect">
+            <a:avLst/>
+          </a:prstGeom>
+          <a:noFill/>
+          <a:extLst>
+            <a:ext uri="{909E8E84-426E-40DD-AFC4-6F175D3DCCD1}">
+              <a14:hiddenFill xmlns:a14="http://schemas.microsoft.com/office/drawing/2010/main">
+                <a:solidFill>
+                  <a:srgbClr val="FFFFFF"/>
+                </a:solidFill>
+              </a14:hiddenFill>
+            </a:ext>
+          </a:extLst>
+        </p:spPr>
+      </p:pic>
+    </p:spTree>
+    <p:extLst>
+      <p:ext uri="{BB962C8B-B14F-4D97-AF65-F5344CB8AC3E}">
+        <p14:creationId xmlns:p14="http://schemas.microsoft.com/office/powerpoint/2010/main" val="1774675179"/>
+      </p:ext>
+    </p:extLst>
+  </p:cSld>
+  <p:clrMapOvr>
+    <a:masterClrMapping/>
+  </p:clrMapOvr>
+</p:sld>
+</file>
+
+<file path=ppt/slides/slide17.xml><?xml version="1.0" encoding="utf-8"?>
+<p:sld xmlns:a="http://schemas.openxmlformats.org/drawingml/2006/main" xmlns:r="http://schemas.openxmlformats.org/officeDocument/2006/relationships" xmlns:p="http://schemas.openxmlformats.org/presentationml/2006/main">
+  <p:cSld>
+    <p:spTree>
+      <p:nvGrpSpPr>
+        <p:cNvPr id="1" name=""/>
+        <p:cNvGrpSpPr/>
+        <p:nvPr/>
+      </p:nvGrpSpPr>
+      <p:grpSpPr>
+        <a:xfrm>
+          <a:off x="0" y="0"/>
+          <a:ext cx="0" cy="0"/>
+          <a:chOff x="0" y="0"/>
+          <a:chExt cx="0" cy="0"/>
+        </a:xfrm>
+      </p:grpSpPr>
+      <p:sp>
+        <p:nvSpPr>
+          <p:cNvPr id="2" name="Title 1">
+            <a:extLst>
+              <a:ext uri="{FF2B5EF4-FFF2-40B4-BE49-F238E27FC236}">
+                <a16:creationId xmlns:a16="http://schemas.microsoft.com/office/drawing/2014/main" id="{93C8FAEA-BEC3-4593-AB70-680E2A0561FB}"/>
+              </a:ext>
+            </a:extLst>
+          </p:cNvPr>
+          <p:cNvSpPr>
+            <a:spLocks noGrp="1"/>
+          </p:cNvSpPr>
+          <p:nvPr>
+            <p:ph type="title"/>
+          </p:nvPr>
+        </p:nvSpPr>
+        <p:spPr>
+          <a:xfrm>
+            <a:off x="489076" y="83671"/>
+            <a:ext cx="8596668" cy="1320800"/>
+          </a:xfrm>
+        </p:spPr>
+        <p:txBody>
+          <a:bodyPr/>
+          <a:lstStyle/>
+          <a:p>
+            <a:r>
+              <a:rPr lang="en-US" dirty="0"/>
+              <a:t>How can the second be conducted ?</a:t>
+            </a:r>
+          </a:p>
+        </p:txBody>
+      </p:sp>
+      <p:sp>
+        <p:nvSpPr>
+          <p:cNvPr id="4" name="Slide Number Placeholder 3">
+            <a:extLst>
+              <a:ext uri="{FF2B5EF4-FFF2-40B4-BE49-F238E27FC236}">
+                <a16:creationId xmlns:a16="http://schemas.microsoft.com/office/drawing/2014/main" id="{83DD7241-1DA4-456B-AC07-380670A1A50A}"/>
+              </a:ext>
+            </a:extLst>
+          </p:cNvPr>
+          <p:cNvSpPr>
+            <a:spLocks noGrp="1"/>
+          </p:cNvSpPr>
+          <p:nvPr>
+            <p:ph type="sldNum" sz="quarter" idx="12"/>
+          </p:nvPr>
+        </p:nvSpPr>
+        <p:spPr/>
+        <p:txBody>
+          <a:bodyPr/>
+          <a:lstStyle/>
+          <a:p>
+            <a:fld id="{5E2D43C8-FCB2-4CFF-B706-7EDFCF5B6158}" type="slidenum">
+              <a:rPr lang="ko-KR" altLang="en-US" smtClean="0"/>
+              <a:pPr/>
+              <a:t>17</a:t>
+            </a:fld>
+            <a:endParaRPr lang="ko-KR" altLang="en-US"/>
+          </a:p>
+        </p:txBody>
+      </p:sp>
+      <p:sp>
+        <p:nvSpPr>
+          <p:cNvPr id="6" name="TextBox 5">
+            <a:extLst>
+              <a:ext uri="{FF2B5EF4-FFF2-40B4-BE49-F238E27FC236}">
+                <a16:creationId xmlns:a16="http://schemas.microsoft.com/office/drawing/2014/main" id="{8B7D6335-D9B1-4D47-9C74-34F2C1DA4E7C}"/>
+              </a:ext>
+            </a:extLst>
+          </p:cNvPr>
+          <p:cNvSpPr txBox="1"/>
+          <p:nvPr/>
+        </p:nvSpPr>
+        <p:spPr>
+          <a:xfrm>
+            <a:off x="1463489" y="1859817"/>
+            <a:ext cx="6100482" cy="2430152"/>
+          </a:xfrm>
+          <a:prstGeom prst="rect">
+            <a:avLst/>
+          </a:prstGeom>
+          <a:noFill/>
+        </p:spPr>
+        <p:txBody>
+          <a:bodyPr wrap="square">
+            <a:spAutoFit/>
+          </a:bodyPr>
+          <a:lstStyle/>
+          <a:p>
+            <a:pPr marL="285750" indent="-285750">
+              <a:lnSpc>
+                <a:spcPct val="300000"/>
+              </a:lnSpc>
+              <a:buFont typeface="Arial" panose="020B0604020202020204" pitchFamily="34" charset="0"/>
+              <a:buChar char="•"/>
+            </a:pPr>
+            <a:r>
+              <a:rPr lang="en-US" dirty="0">
+                <a:latin typeface="+mj-lt"/>
+                <a:cs typeface="Arial" panose="020B0604020202020204" pitchFamily="34" charset="0"/>
+              </a:rPr>
+              <a:t>01. Do a blast search against NCBI</a:t>
+            </a:r>
+          </a:p>
+          <a:p>
+            <a:pPr marL="285750" indent="-285750">
+              <a:lnSpc>
+                <a:spcPct val="300000"/>
+              </a:lnSpc>
+              <a:buFont typeface="Arial" panose="020B0604020202020204" pitchFamily="34" charset="0"/>
+              <a:buChar char="•"/>
+            </a:pPr>
+            <a:r>
+              <a:rPr lang="en-US" dirty="0">
+                <a:latin typeface="+mj-lt"/>
+                <a:cs typeface="Arial" panose="020B0604020202020204" pitchFamily="34" charset="0"/>
+              </a:rPr>
+              <a:t>02. Do a multiple sequence alignment</a:t>
+            </a:r>
+          </a:p>
+          <a:p>
+            <a:pPr marL="285750" indent="-285750">
+              <a:lnSpc>
+                <a:spcPct val="300000"/>
+              </a:lnSpc>
+              <a:buFont typeface="Arial" panose="020B0604020202020204" pitchFamily="34" charset="0"/>
+              <a:buChar char="•"/>
+            </a:pPr>
+            <a:r>
+              <a:rPr lang="en-US" dirty="0">
+                <a:latin typeface="+mj-lt"/>
+                <a:cs typeface="Arial" panose="020B0604020202020204" pitchFamily="34" charset="0"/>
+              </a:rPr>
+              <a:t>03. Construct a phylogenetic tree</a:t>
+            </a:r>
+          </a:p>
+        </p:txBody>
+      </p:sp>
+      <p:pic>
+        <p:nvPicPr>
+          <p:cNvPr id="9218" name="Picture 2">
+            <a:extLst>
+              <a:ext uri="{FF2B5EF4-FFF2-40B4-BE49-F238E27FC236}">
+                <a16:creationId xmlns:a16="http://schemas.microsoft.com/office/drawing/2014/main" id="{4503B422-23CC-447B-A0BF-209A9AF20C50}"/>
+              </a:ext>
+            </a:extLst>
+          </p:cNvPr>
+          <p:cNvPicPr>
+            <a:picLocks noChangeAspect="1" noChangeArrowheads="1"/>
+          </p:cNvPicPr>
+          <p:nvPr/>
+        </p:nvPicPr>
+        <p:blipFill>
+          <a:blip r:embed="rId2">
+            <a:extLst>
+              <a:ext uri="{28A0092B-C50C-407E-A947-70E740481C1C}">
+                <a14:useLocalDpi xmlns:a14="http://schemas.microsoft.com/office/drawing/2010/main" val="0"/>
+              </a:ext>
+            </a:extLst>
+          </a:blip>
+          <a:srcRect/>
+          <a:stretch>
+            <a:fillRect/>
+          </a:stretch>
+        </p:blipFill>
+        <p:spPr bwMode="auto">
+          <a:xfrm>
+            <a:off x="6237474" y="2171620"/>
+            <a:ext cx="4181475" cy="2352675"/>
+          </a:xfrm>
+          <a:prstGeom prst="rect">
+            <a:avLst/>
+          </a:prstGeom>
+          <a:noFill/>
+          <a:extLst>
+            <a:ext uri="{909E8E84-426E-40DD-AFC4-6F175D3DCCD1}">
+              <a14:hiddenFill xmlns:a14="http://schemas.microsoft.com/office/drawing/2010/main">
+                <a:solidFill>
+                  <a:srgbClr val="FFFFFF"/>
+                </a:solidFill>
+              </a14:hiddenFill>
+            </a:ext>
+          </a:extLst>
+        </p:spPr>
+      </p:pic>
+    </p:spTree>
+    <p:extLst>
+      <p:ext uri="{BB962C8B-B14F-4D97-AF65-F5344CB8AC3E}">
+        <p14:creationId xmlns:p14="http://schemas.microsoft.com/office/powerpoint/2010/main" val="3430903243"/>
+      </p:ext>
+    </p:extLst>
+  </p:cSld>
+  <p:clrMapOvr>
+    <a:masterClrMapping/>
+  </p:clrMapOvr>
+</p:sld>
+</file>
+
+<file path=ppt/slides/slide18.xml><?xml version="1.0" encoding="utf-8"?>
+<p:sld xmlns:a="http://schemas.openxmlformats.org/drawingml/2006/main" xmlns:r="http://schemas.openxmlformats.org/officeDocument/2006/relationships" xmlns:p="http://schemas.openxmlformats.org/presentationml/2006/main">
+  <p:cSld>
+    <p:spTree>
+      <p:nvGrpSpPr>
+        <p:cNvPr id="1" name=""/>
+        <p:cNvGrpSpPr/>
+        <p:nvPr/>
+      </p:nvGrpSpPr>
+      <p:grpSpPr>
+        <a:xfrm>
+          <a:off x="0" y="0"/>
+          <a:ext cx="0" cy="0"/>
+          <a:chOff x="0" y="0"/>
+          <a:chExt cx="0" cy="0"/>
+        </a:xfrm>
+      </p:grpSpPr>
+      <p:sp>
+        <p:nvSpPr>
           <p:cNvPr id="4" name="Slide Number Placeholder 3">
             <a:extLst>
               <a:ext uri="{FF2B5EF4-FFF2-40B4-BE49-F238E27FC236}">
@@ -7921,7 +8406,7 @@
             <a:fld id="{5E2D43C8-FCB2-4CFF-B706-7EDFCF5B6158}" type="slidenum">
               <a:rPr lang="ko-KR" altLang="en-US" smtClean="0"/>
               <a:pPr/>
-              <a:t>4</a:t>
+              <a:t>18</a:t>
             </a:fld>
             <a:endParaRPr lang="ko-KR" altLang="en-US"/>
           </a:p>
@@ -7929,10 +8414,10 @@
       </p:sp>
       <p:sp>
         <p:nvSpPr>
-          <p:cNvPr id="9" name="TextBox 8">
+          <p:cNvPr id="2" name="TextBox 1">
             <a:extLst>
               <a:ext uri="{FF2B5EF4-FFF2-40B4-BE49-F238E27FC236}">
-                <a16:creationId xmlns:a16="http://schemas.microsoft.com/office/drawing/2014/main" id="{6F60D7BE-A8E6-43F0-8BC7-BEBCAAF3375D}"/>
+                <a16:creationId xmlns:a16="http://schemas.microsoft.com/office/drawing/2014/main" id="{60CDA00A-F567-4706-A06A-D33FF8F6E43A}"/>
               </a:ext>
             </a:extLst>
           </p:cNvPr>
@@ -7941,8 +8426,8 @@
         </p:nvSpPr>
         <p:spPr>
           <a:xfrm>
-            <a:off x="457199" y="408366"/>
-            <a:ext cx="11438965" cy="584775"/>
+            <a:off x="685797" y="551930"/>
+            <a:ext cx="9888073" cy="5754139"/>
           </a:xfrm>
           <a:prstGeom prst="rect">
             <a:avLst/>
@@ -7950,19 +8435,238 @@
           <a:noFill/>
         </p:spPr>
         <p:txBody>
-          <a:bodyPr wrap="square">
+          <a:bodyPr wrap="square" rtlCol="0">
             <a:spAutoFit/>
           </a:bodyPr>
           <a:lstStyle/>
           <a:p>
-            <a:pPr algn="ctr"/>
-            <a:r>
-              <a:rPr lang="fr-FR" sz="3200" b="1" dirty="0">
-                <a:latin typeface="Arial" panose="020B0604020202020204" pitchFamily="34" charset="0"/>
+            <a:pPr algn="ctr">
+              <a:lnSpc>
+                <a:spcPct val="300000"/>
+              </a:lnSpc>
+            </a:pPr>
+            <a:r>
+              <a:rPr lang="fr-FR" b="1" dirty="0">
+                <a:latin typeface="+mj-lt"/>
                 <a:cs typeface="Arial" panose="020B0604020202020204" pitchFamily="34" charset="0"/>
               </a:rPr>
-              <a:t>Hands-on session</a:t>
-            </a:r>
+              <a:t>01. Do a blast </a:t>
+            </a:r>
+            <a:r>
+              <a:rPr lang="fr-FR" b="1" dirty="0" err="1">
+                <a:latin typeface="+mj-lt"/>
+                <a:cs typeface="Arial" panose="020B0604020202020204" pitchFamily="34" charset="0"/>
+              </a:rPr>
+              <a:t>search</a:t>
+            </a:r>
+            <a:r>
+              <a:rPr lang="fr-FR" b="1" dirty="0">
+                <a:latin typeface="+mj-lt"/>
+                <a:cs typeface="Arial" panose="020B0604020202020204" pitchFamily="34" charset="0"/>
+              </a:rPr>
+              <a:t> </a:t>
+            </a:r>
+            <a:r>
+              <a:rPr lang="fr-FR" b="1" dirty="0" err="1">
+                <a:latin typeface="+mj-lt"/>
+                <a:cs typeface="Arial" panose="020B0604020202020204" pitchFamily="34" charset="0"/>
+              </a:rPr>
+              <a:t>against</a:t>
+            </a:r>
+            <a:r>
+              <a:rPr lang="fr-FR" b="1" dirty="0">
+                <a:latin typeface="+mj-lt"/>
+                <a:cs typeface="Arial" panose="020B0604020202020204" pitchFamily="34" charset="0"/>
+              </a:rPr>
+              <a:t> NCBI </a:t>
+            </a:r>
+            <a:r>
+              <a:rPr lang="fr-FR" b="1" dirty="0" err="1">
+                <a:latin typeface="+mj-lt"/>
+                <a:cs typeface="Arial" panose="020B0604020202020204" pitchFamily="34" charset="0"/>
+              </a:rPr>
+              <a:t>database</a:t>
+            </a:r>
+            <a:endParaRPr lang="fr-FR" b="1" dirty="0">
+              <a:latin typeface="+mj-lt"/>
+              <a:cs typeface="Arial" panose="020B0604020202020204" pitchFamily="34" charset="0"/>
+            </a:endParaRPr>
+          </a:p>
+          <a:p>
+            <a:pPr>
+              <a:lnSpc>
+                <a:spcPct val="300000"/>
+              </a:lnSpc>
+            </a:pPr>
+            <a:r>
+              <a:rPr lang="en-US" b="1" dirty="0">
+                <a:solidFill>
+                  <a:schemeClr val="accent2">
+                    <a:lumMod val="75000"/>
+                  </a:schemeClr>
+                </a:solidFill>
+                <a:latin typeface="+mj-lt"/>
+                <a:cs typeface="Arial" panose="020B0604020202020204" pitchFamily="34" charset="0"/>
+              </a:rPr>
+              <a:t>NCBI BLAST (Basic Local Alignment Search Tool) </a:t>
+            </a:r>
+            <a:r>
+              <a:rPr lang="en-US" b="1" dirty="0">
+                <a:latin typeface="+mj-lt"/>
+                <a:cs typeface="Arial" panose="020B0604020202020204" pitchFamily="34" charset="0"/>
+              </a:rPr>
+              <a:t>is a powerful bioinformatics tool used to compare a query sequence (e.g., a DNA or protein sequence) against a database of sequences to find similar sequences. </a:t>
+            </a:r>
+          </a:p>
+          <a:p>
+            <a:pPr>
+              <a:lnSpc>
+                <a:spcPct val="300000"/>
+              </a:lnSpc>
+            </a:pPr>
+            <a:r>
+              <a:rPr lang="en-US" b="1" dirty="0">
+                <a:latin typeface="+mj-lt"/>
+                <a:cs typeface="Arial" panose="020B0604020202020204" pitchFamily="34" charset="0"/>
+              </a:rPr>
+              <a:t>Here are the steps to use NCBI BLAST:</a:t>
+            </a:r>
+          </a:p>
+          <a:p>
+            <a:pPr marL="342900" indent="-342900">
+              <a:lnSpc>
+                <a:spcPct val="300000"/>
+              </a:lnSpc>
+              <a:buAutoNum type="arabicPeriod"/>
+            </a:pPr>
+            <a:r>
+              <a:rPr lang="en-US" b="1" dirty="0">
+                <a:latin typeface="+mj-lt"/>
+                <a:cs typeface="Arial" panose="020B0604020202020204" pitchFamily="34" charset="0"/>
+              </a:rPr>
+              <a:t>Access the NCBI BLAST website: Visit the NCBI BLAST homepage at </a:t>
+            </a:r>
+          </a:p>
+          <a:p>
+            <a:pPr>
+              <a:lnSpc>
+                <a:spcPct val="300000"/>
+              </a:lnSpc>
+            </a:pPr>
+            <a:r>
+              <a:rPr lang="en-US" b="1" dirty="0">
+                <a:solidFill>
+                  <a:schemeClr val="accent2">
+                    <a:lumMod val="75000"/>
+                  </a:schemeClr>
+                </a:solidFill>
+                <a:latin typeface="+mj-lt"/>
+                <a:cs typeface="Arial" panose="020B0604020202020204" pitchFamily="34" charset="0"/>
+              </a:rPr>
+              <a:t>https://blast.ncbi.nlm.nih.gov/Blast.cgi</a:t>
+            </a:r>
+            <a:endParaRPr lang="fr-FR" b="1" dirty="0">
+              <a:solidFill>
+                <a:schemeClr val="accent2">
+                  <a:lumMod val="75000"/>
+                </a:schemeClr>
+              </a:solidFill>
+              <a:latin typeface="+mj-lt"/>
+              <a:cs typeface="Arial" panose="020B0604020202020204" pitchFamily="34" charset="0"/>
+            </a:endParaRPr>
+          </a:p>
+        </p:txBody>
+      </p:sp>
+      <p:sp>
+        <p:nvSpPr>
+          <p:cNvPr id="10" name="Title 1">
+            <a:extLst>
+              <a:ext uri="{FF2B5EF4-FFF2-40B4-BE49-F238E27FC236}">
+                <a16:creationId xmlns:a16="http://schemas.microsoft.com/office/drawing/2014/main" id="{54E8A1EE-A6E0-4C65-A3B8-5AE66B309441}"/>
+              </a:ext>
+            </a:extLst>
+          </p:cNvPr>
+          <p:cNvSpPr>
+            <a:spLocks noGrp="1"/>
+          </p:cNvSpPr>
+          <p:nvPr>
+            <p:ph type="title"/>
+          </p:nvPr>
+        </p:nvSpPr>
+        <p:spPr>
+          <a:xfrm>
+            <a:off x="336020" y="152400"/>
+            <a:ext cx="8596312" cy="1320800"/>
+          </a:xfrm>
+        </p:spPr>
+        <p:txBody>
+          <a:bodyPr/>
+          <a:lstStyle/>
+          <a:p>
+            <a:r>
+              <a:rPr lang="en-US" dirty="0"/>
+              <a:t>How can the second be conducted ?</a:t>
+            </a:r>
+          </a:p>
+        </p:txBody>
+      </p:sp>
+    </p:spTree>
+    <p:extLst>
+      <p:ext uri="{BB962C8B-B14F-4D97-AF65-F5344CB8AC3E}">
+        <p14:creationId xmlns:p14="http://schemas.microsoft.com/office/powerpoint/2010/main" val="500458212"/>
+      </p:ext>
+    </p:extLst>
+  </p:cSld>
+  <p:clrMapOvr>
+    <a:masterClrMapping/>
+  </p:clrMapOvr>
+</p:sld>
+</file>
+
+<file path=ppt/slides/slide19.xml><?xml version="1.0" encoding="utf-8"?>
+<p:sld xmlns:a="http://schemas.openxmlformats.org/drawingml/2006/main" xmlns:r="http://schemas.openxmlformats.org/officeDocument/2006/relationships" xmlns:p="http://schemas.openxmlformats.org/presentationml/2006/main">
+  <p:cSld>
+    <p:spTree>
+      <p:nvGrpSpPr>
+        <p:cNvPr id="1" name=""/>
+        <p:cNvGrpSpPr/>
+        <p:nvPr/>
+      </p:nvGrpSpPr>
+      <p:grpSpPr>
+        <a:xfrm>
+          <a:off x="0" y="0"/>
+          <a:ext cx="0" cy="0"/>
+          <a:chOff x="0" y="0"/>
+          <a:chExt cx="0" cy="0"/>
+        </a:xfrm>
+      </p:grpSpPr>
+      <p:sp>
+        <p:nvSpPr>
+          <p:cNvPr id="4" name="Slide Number Placeholder 3">
+            <a:extLst>
+              <a:ext uri="{FF2B5EF4-FFF2-40B4-BE49-F238E27FC236}">
+                <a16:creationId xmlns:a16="http://schemas.microsoft.com/office/drawing/2014/main" id="{3D8C4533-9129-49C4-93B7-B47A3D93A5A2}"/>
+              </a:ext>
+            </a:extLst>
+          </p:cNvPr>
+          <p:cNvSpPr>
+            <a:spLocks noGrp="1"/>
+          </p:cNvSpPr>
+          <p:nvPr>
+            <p:ph type="sldNum" sz="quarter" idx="12"/>
+          </p:nvPr>
+        </p:nvSpPr>
+        <p:spPr/>
+        <p:txBody>
+          <a:bodyPr/>
+          <a:lstStyle/>
+          <a:p>
+            <a:fld id="{5E2D43C8-FCB2-4CFF-B706-7EDFCF5B6158}" type="slidenum">
+              <a:rPr lang="ko-KR" altLang="en-US" smtClean="0"/>
+              <a:pPr/>
+              <a:t>19</a:t>
+            </a:fld>
+            <a:endParaRPr lang="ko-KR" altLang="en-US"/>
           </a:p>
         </p:txBody>
       </p:sp>
@@ -8001,11 +8705,50 @@
             </a:pPr>
             <a:r>
               <a:rPr lang="fr-FR" b="1" dirty="0">
-                <a:latin typeface="Arial" panose="020B0604020202020204" pitchFamily="34" charset="0"/>
+                <a:latin typeface="+mj-lt"/>
                 <a:cs typeface="Arial" panose="020B0604020202020204" pitchFamily="34" charset="0"/>
               </a:rPr>
-              <a:t>01. How to use NCBI BLAST</a:t>
-            </a:r>
+              <a:t>01. Do a blast </a:t>
+            </a:r>
+            <a:r>
+              <a:rPr lang="fr-FR" b="1" dirty="0" err="1">
+                <a:latin typeface="+mj-lt"/>
+                <a:cs typeface="Arial" panose="020B0604020202020204" pitchFamily="34" charset="0"/>
+              </a:rPr>
+              <a:t>search</a:t>
+            </a:r>
+            <a:r>
+              <a:rPr lang="fr-FR" b="1" dirty="0">
+                <a:latin typeface="+mj-lt"/>
+                <a:cs typeface="Arial" panose="020B0604020202020204" pitchFamily="34" charset="0"/>
+              </a:rPr>
+              <a:t> </a:t>
+            </a:r>
+            <a:r>
+              <a:rPr lang="fr-FR" b="1" dirty="0" err="1">
+                <a:latin typeface="+mj-lt"/>
+                <a:cs typeface="Arial" panose="020B0604020202020204" pitchFamily="34" charset="0"/>
+              </a:rPr>
+              <a:t>against</a:t>
+            </a:r>
+            <a:r>
+              <a:rPr lang="fr-FR" b="1" dirty="0">
+                <a:latin typeface="+mj-lt"/>
+                <a:cs typeface="Arial" panose="020B0604020202020204" pitchFamily="34" charset="0"/>
+              </a:rPr>
+              <a:t> NCBI </a:t>
+            </a:r>
+            <a:r>
+              <a:rPr lang="fr-FR" b="1" dirty="0" err="1">
+                <a:latin typeface="+mj-lt"/>
+                <a:cs typeface="Arial" panose="020B0604020202020204" pitchFamily="34" charset="0"/>
+              </a:rPr>
+              <a:t>database</a:t>
+            </a:r>
+            <a:endParaRPr lang="fr-FR" b="1" dirty="0">
+              <a:latin typeface="+mj-lt"/>
+              <a:cs typeface="Arial" panose="020B0604020202020204" pitchFamily="34" charset="0"/>
+            </a:endParaRPr>
           </a:p>
         </p:txBody>
       </p:sp>
@@ -8298,6 +9041,113 @@
           </a:p>
         </p:txBody>
       </p:sp>
+      <p:sp>
+        <p:nvSpPr>
+          <p:cNvPr id="10" name="Title 1">
+            <a:extLst>
+              <a:ext uri="{FF2B5EF4-FFF2-40B4-BE49-F238E27FC236}">
+                <a16:creationId xmlns:a16="http://schemas.microsoft.com/office/drawing/2014/main" id="{87138D58-7F03-48DE-9308-47A005532C6A}"/>
+              </a:ext>
+            </a:extLst>
+          </p:cNvPr>
+          <p:cNvSpPr txBox="1">
+            <a:spLocks/>
+          </p:cNvSpPr>
+          <p:nvPr/>
+        </p:nvSpPr>
+        <p:spPr>
+          <a:xfrm>
+            <a:off x="336020" y="152400"/>
+            <a:ext cx="8596312" cy="1320800"/>
+          </a:xfrm>
+          <a:prstGeom prst="rect">
+            <a:avLst/>
+          </a:prstGeom>
+        </p:spPr>
+        <p:txBody>
+          <a:bodyPr vert="horz" lIns="91440" tIns="45720" rIns="91440" bIns="45720" rtlCol="0" anchor="t">
+            <a:normAutofit/>
+          </a:bodyPr>
+          <a:lstStyle>
+            <a:lvl1pPr algn="l" defTabSz="457200" rtl="0" eaLnBrk="1" latinLnBrk="0" hangingPunct="1">
+              <a:spcBef>
+                <a:spcPct val="0"/>
+              </a:spcBef>
+              <a:buNone/>
+              <a:defRPr sz="3600" kern="1200">
+                <a:solidFill>
+                  <a:schemeClr val="accent1"/>
+                </a:solidFill>
+                <a:latin typeface="+mj-lt"/>
+                <a:ea typeface="+mj-ea"/>
+                <a:cs typeface="+mj-cs"/>
+              </a:defRPr>
+            </a:lvl1pPr>
+            <a:lvl2pPr eaLnBrk="1" hangingPunct="1">
+              <a:defRPr>
+                <a:solidFill>
+                  <a:schemeClr val="tx2"/>
+                </a:solidFill>
+              </a:defRPr>
+            </a:lvl2pPr>
+            <a:lvl3pPr eaLnBrk="1" hangingPunct="1">
+              <a:defRPr>
+                <a:solidFill>
+                  <a:schemeClr val="tx2"/>
+                </a:solidFill>
+              </a:defRPr>
+            </a:lvl3pPr>
+            <a:lvl4pPr eaLnBrk="1" hangingPunct="1">
+              <a:defRPr>
+                <a:solidFill>
+                  <a:schemeClr val="tx2"/>
+                </a:solidFill>
+              </a:defRPr>
+            </a:lvl4pPr>
+            <a:lvl5pPr eaLnBrk="1" hangingPunct="1">
+              <a:defRPr>
+                <a:solidFill>
+                  <a:schemeClr val="tx2"/>
+                </a:solidFill>
+              </a:defRPr>
+            </a:lvl5pPr>
+            <a:lvl6pPr eaLnBrk="1" hangingPunct="1">
+              <a:defRPr>
+                <a:solidFill>
+                  <a:schemeClr val="tx2"/>
+                </a:solidFill>
+              </a:defRPr>
+            </a:lvl6pPr>
+            <a:lvl7pPr eaLnBrk="1" hangingPunct="1">
+              <a:defRPr>
+                <a:solidFill>
+                  <a:schemeClr val="tx2"/>
+                </a:solidFill>
+              </a:defRPr>
+            </a:lvl7pPr>
+            <a:lvl8pPr eaLnBrk="1" hangingPunct="1">
+              <a:defRPr>
+                <a:solidFill>
+                  <a:schemeClr val="tx2"/>
+                </a:solidFill>
+              </a:defRPr>
+            </a:lvl8pPr>
+            <a:lvl9pPr eaLnBrk="1" hangingPunct="1">
+              <a:defRPr>
+                <a:solidFill>
+                  <a:schemeClr val="tx2"/>
+                </a:solidFill>
+              </a:defRPr>
+            </a:lvl9pPr>
+          </a:lstStyle>
+          <a:p>
+            <a:r>
+              <a:rPr lang="en-US" dirty="0"/>
+              <a:t>How can the second be conducted ?</a:t>
+            </a:r>
+          </a:p>
+        </p:txBody>
+      </p:sp>
     </p:spTree>
     <p:extLst>
       <p:ext uri="{BB962C8B-B14F-4D97-AF65-F5344CB8AC3E}">
@@ -8311,7 +9161,7 @@
 </p:sld>
 </file>
 
-<file path=ppt/slides/slide5.xml><?xml version="1.0" encoding="utf-8"?>
+<file path=ppt/slides/slide2.xml><?xml version="1.0" encoding="utf-8"?>
 <p:sld xmlns:a="http://schemas.openxmlformats.org/drawingml/2006/main" xmlns:r="http://schemas.openxmlformats.org/officeDocument/2006/relationships" xmlns:p="http://schemas.openxmlformats.org/presentationml/2006/main">
   <p:cSld>
     <p:spTree>
@@ -8330,6 +9180,209 @@
       </p:grpSpPr>
       <p:sp>
         <p:nvSpPr>
+          <p:cNvPr id="2" name="Title 1">
+            <a:extLst>
+              <a:ext uri="{FF2B5EF4-FFF2-40B4-BE49-F238E27FC236}">
+                <a16:creationId xmlns:a16="http://schemas.microsoft.com/office/drawing/2014/main" id="{E97DBC7D-4E9E-40DF-B0A6-4531C84B9B2E}"/>
+              </a:ext>
+            </a:extLst>
+          </p:cNvPr>
+          <p:cNvSpPr>
+            <a:spLocks noGrp="1"/>
+          </p:cNvSpPr>
+          <p:nvPr>
+            <p:ph type="title"/>
+          </p:nvPr>
+        </p:nvSpPr>
+        <p:spPr/>
+        <p:txBody>
+          <a:bodyPr/>
+          <a:lstStyle/>
+          <a:p>
+            <a:r>
+              <a:rPr lang="en-US" dirty="0"/>
+              <a:t>The Library of Life: A Story of Sequence Signature Databases</a:t>
+            </a:r>
+          </a:p>
+        </p:txBody>
+      </p:sp>
+      <p:sp>
+        <p:nvSpPr>
+          <p:cNvPr id="3" name="Content Placeholder 2">
+            <a:extLst>
+              <a:ext uri="{FF2B5EF4-FFF2-40B4-BE49-F238E27FC236}">
+                <a16:creationId xmlns:a16="http://schemas.microsoft.com/office/drawing/2014/main" id="{CDFC48E5-3A27-4676-A1E1-5FFBB64BFE0E}"/>
+              </a:ext>
+            </a:extLst>
+          </p:cNvPr>
+          <p:cNvSpPr>
+            <a:spLocks noGrp="1"/>
+          </p:cNvSpPr>
+          <p:nvPr>
+            <p:ph idx="1"/>
+          </p:nvPr>
+        </p:nvSpPr>
+        <p:spPr>
+          <a:xfrm>
+            <a:off x="677334" y="1709076"/>
+            <a:ext cx="8596668" cy="3880773"/>
+          </a:xfrm>
+        </p:spPr>
+        <p:txBody>
+          <a:bodyPr/>
+          <a:lstStyle/>
+          <a:p>
+            <a:pPr>
+              <a:lnSpc>
+                <a:spcPct val="200000"/>
+              </a:lnSpc>
+            </a:pPr>
+            <a:r>
+              <a:rPr lang="en-US" dirty="0"/>
+              <a:t>Imagine you are visiting a vast </a:t>
+            </a:r>
+            <a:r>
+              <a:rPr lang="en-US" b="1" dirty="0"/>
+              <a:t>library</a:t>
+            </a:r>
+            <a:r>
+              <a:rPr lang="en-US" dirty="0"/>
+              <a:t> unlike any other—a library that holds the secrets of life itself. This library is called the </a:t>
+            </a:r>
+            <a:r>
+              <a:rPr lang="en-US" b="1" dirty="0"/>
+              <a:t>"Sequence Vault."</a:t>
+            </a:r>
+            <a:r>
+              <a:rPr lang="en-US" dirty="0"/>
+              <a:t> Instead of books, it stores </a:t>
+            </a:r>
+            <a:r>
+              <a:rPr lang="en-US" b="1" dirty="0"/>
+              <a:t>DNA sequences</a:t>
+            </a:r>
+            <a:r>
+              <a:rPr lang="en-US" dirty="0"/>
+              <a:t>—the unique "texts" that make up every living organism.</a:t>
+            </a:r>
+          </a:p>
+          <a:p>
+            <a:pPr marL="0" indent="0">
+              <a:buNone/>
+            </a:pPr>
+            <a:endParaRPr lang="en-US" dirty="0"/>
+          </a:p>
+        </p:txBody>
+      </p:sp>
+      <p:sp>
+        <p:nvSpPr>
+          <p:cNvPr id="4" name="Slide Number Placeholder 3">
+            <a:extLst>
+              <a:ext uri="{FF2B5EF4-FFF2-40B4-BE49-F238E27FC236}">
+                <a16:creationId xmlns:a16="http://schemas.microsoft.com/office/drawing/2014/main" id="{5931F5B9-69EA-493B-9E58-936D11E5D4B2}"/>
+              </a:ext>
+            </a:extLst>
+          </p:cNvPr>
+          <p:cNvSpPr>
+            <a:spLocks noGrp="1"/>
+          </p:cNvSpPr>
+          <p:nvPr>
+            <p:ph type="sldNum" sz="quarter" idx="12"/>
+          </p:nvPr>
+        </p:nvSpPr>
+        <p:spPr/>
+        <p:txBody>
+          <a:bodyPr/>
+          <a:lstStyle/>
+          <a:p>
+            <a:fld id="{5E2D43C8-FCB2-4CFF-B706-7EDFCF5B6158}" type="slidenum">
+              <a:rPr lang="ko-KR" altLang="en-US" smtClean="0"/>
+              <a:pPr/>
+              <a:t>2</a:t>
+            </a:fld>
+            <a:endParaRPr lang="ko-KR" altLang="en-US"/>
+          </a:p>
+        </p:txBody>
+      </p:sp>
+      <p:pic>
+        <p:nvPicPr>
+          <p:cNvPr id="1026" name="Picture 2" descr="a long row of books in a library">
+            <a:extLst>
+              <a:ext uri="{FF2B5EF4-FFF2-40B4-BE49-F238E27FC236}">
+                <a16:creationId xmlns:a16="http://schemas.microsoft.com/office/drawing/2014/main" id="{1B45ECA4-EE46-48EC-9010-C024CF8D2671}"/>
+              </a:ext>
+            </a:extLst>
+          </p:cNvPr>
+          <p:cNvPicPr>
+            <a:picLocks noChangeAspect="1" noChangeArrowheads="1"/>
+          </p:cNvPicPr>
+          <p:nvPr/>
+        </p:nvPicPr>
+        <p:blipFill>
+          <a:blip r:embed="rId2" cstate="print">
+            <a:extLst>
+              <a:ext uri="{28A0092B-C50C-407E-A947-70E740481C1C}">
+                <a14:useLocalDpi xmlns:a14="http://schemas.microsoft.com/office/drawing/2010/main" val="0"/>
+              </a:ext>
+            </a:extLst>
+          </a:blip>
+          <a:srcRect/>
+          <a:stretch>
+            <a:fillRect/>
+          </a:stretch>
+        </p:blipFill>
+        <p:spPr bwMode="auto">
+          <a:xfrm>
+            <a:off x="6969458" y="3383280"/>
+            <a:ext cx="5222542" cy="3474720"/>
+          </a:xfrm>
+          <a:prstGeom prst="rect">
+            <a:avLst/>
+          </a:prstGeom>
+          <a:noFill/>
+          <a:extLst>
+            <a:ext uri="{909E8E84-426E-40DD-AFC4-6F175D3DCCD1}">
+              <a14:hiddenFill xmlns:a14="http://schemas.microsoft.com/office/drawing/2010/main">
+                <a:solidFill>
+                  <a:srgbClr val="FFFFFF"/>
+                </a:solidFill>
+              </a14:hiddenFill>
+            </a:ext>
+          </a:extLst>
+        </p:spPr>
+      </p:pic>
+    </p:spTree>
+    <p:extLst>
+      <p:ext uri="{BB962C8B-B14F-4D97-AF65-F5344CB8AC3E}">
+        <p14:creationId xmlns:p14="http://schemas.microsoft.com/office/powerpoint/2010/main" val="2110384833"/>
+      </p:ext>
+    </p:extLst>
+  </p:cSld>
+  <p:clrMapOvr>
+    <a:masterClrMapping/>
+  </p:clrMapOvr>
+</p:sld>
+</file>
+
+<file path=ppt/slides/slide20.xml><?xml version="1.0" encoding="utf-8"?>
+<p:sld xmlns:a="http://schemas.openxmlformats.org/drawingml/2006/main" xmlns:r="http://schemas.openxmlformats.org/officeDocument/2006/relationships" xmlns:p="http://schemas.openxmlformats.org/presentationml/2006/main">
+  <p:cSld>
+    <p:spTree>
+      <p:nvGrpSpPr>
+        <p:cNvPr id="1" name=""/>
+        <p:cNvGrpSpPr/>
+        <p:nvPr/>
+      </p:nvGrpSpPr>
+      <p:grpSpPr>
+        <a:xfrm>
+          <a:off x="0" y="0"/>
+          <a:ext cx="0" cy="0"/>
+          <a:chOff x="0" y="0"/>
+          <a:chExt cx="0" cy="0"/>
+        </a:xfrm>
+      </p:grpSpPr>
+      <p:sp>
+        <p:nvSpPr>
           <p:cNvPr id="4" name="Slide Number Placeholder 3">
             <a:extLst>
               <a:ext uri="{FF2B5EF4-FFF2-40B4-BE49-F238E27FC236}">
@@ -8352,48 +9405,9 @@
             <a:fld id="{5E2D43C8-FCB2-4CFF-B706-7EDFCF5B6158}" type="slidenum">
               <a:rPr lang="ko-KR" altLang="en-US" smtClean="0"/>
               <a:pPr/>
-              <a:t>5</a:t>
+              <a:t>20</a:t>
             </a:fld>
             <a:endParaRPr lang="ko-KR" altLang="en-US"/>
-          </a:p>
-        </p:txBody>
-      </p:sp>
-      <p:sp>
-        <p:nvSpPr>
-          <p:cNvPr id="9" name="TextBox 8">
-            <a:extLst>
-              <a:ext uri="{FF2B5EF4-FFF2-40B4-BE49-F238E27FC236}">
-                <a16:creationId xmlns:a16="http://schemas.microsoft.com/office/drawing/2014/main" id="{6F60D7BE-A8E6-43F0-8BC7-BEBCAAF3375D}"/>
-              </a:ext>
-            </a:extLst>
-          </p:cNvPr>
-          <p:cNvSpPr txBox="1"/>
-          <p:nvPr/>
-        </p:nvSpPr>
-        <p:spPr>
-          <a:xfrm>
-            <a:off x="457199" y="408366"/>
-            <a:ext cx="11438965" cy="584775"/>
-          </a:xfrm>
-          <a:prstGeom prst="rect">
-            <a:avLst/>
-          </a:prstGeom>
-          <a:noFill/>
-        </p:spPr>
-        <p:txBody>
-          <a:bodyPr wrap="square">
-            <a:spAutoFit/>
-          </a:bodyPr>
-          <a:lstStyle/>
-          <a:p>
-            <a:pPr algn="ctr"/>
-            <a:r>
-              <a:rPr lang="fr-FR" sz="3200" b="1" dirty="0">
-                <a:latin typeface="Arial" panose="020B0604020202020204" pitchFamily="34" charset="0"/>
-                <a:cs typeface="Arial" panose="020B0604020202020204" pitchFamily="34" charset="0"/>
-              </a:rPr>
-              <a:t>Hands-on session</a:t>
-            </a:r>
           </a:p>
         </p:txBody>
       </p:sp>
@@ -8412,7 +9426,7 @@
         <p:spPr>
           <a:xfrm>
             <a:off x="891986" y="1382927"/>
-            <a:ext cx="10569390" cy="1599156"/>
+            <a:ext cx="10569390" cy="768608"/>
           </a:xfrm>
           <a:prstGeom prst="rect">
             <a:avLst/>
@@ -8432,20 +9446,48 @@
             </a:pPr>
             <a:r>
               <a:rPr lang="fr-FR" b="1" dirty="0">
-                <a:latin typeface="Arial" panose="020B0604020202020204" pitchFamily="34" charset="0"/>
+                <a:latin typeface="+mj-lt"/>
                 <a:cs typeface="Arial" panose="020B0604020202020204" pitchFamily="34" charset="0"/>
               </a:rPr>
-              <a:t>01. How to use NCBI BLAST</a:t>
-            </a:r>
-          </a:p>
-          <a:p>
-            <a:pPr>
-              <a:lnSpc>
-                <a:spcPct val="300000"/>
-              </a:lnSpc>
-            </a:pPr>
-            <a:endParaRPr lang="fr-FR" dirty="0">
-              <a:latin typeface="Arial" panose="020B0604020202020204" pitchFamily="34" charset="0"/>
+              <a:t>01. Do a blast </a:t>
+            </a:r>
+            <a:r>
+              <a:rPr lang="fr-FR" b="1" dirty="0" err="1">
+                <a:latin typeface="+mj-lt"/>
+                <a:cs typeface="Arial" panose="020B0604020202020204" pitchFamily="34" charset="0"/>
+              </a:rPr>
+              <a:t>search</a:t>
+            </a:r>
+            <a:r>
+              <a:rPr lang="fr-FR" b="1" dirty="0">
+                <a:latin typeface="+mj-lt"/>
+                <a:cs typeface="Arial" panose="020B0604020202020204" pitchFamily="34" charset="0"/>
+              </a:rPr>
+              <a:t> </a:t>
+            </a:r>
+            <a:r>
+              <a:rPr lang="fr-FR" b="1" dirty="0" err="1">
+                <a:latin typeface="+mj-lt"/>
+                <a:cs typeface="Arial" panose="020B0604020202020204" pitchFamily="34" charset="0"/>
+              </a:rPr>
+              <a:t>against</a:t>
+            </a:r>
+            <a:r>
+              <a:rPr lang="fr-FR" b="1" dirty="0">
+                <a:latin typeface="+mj-lt"/>
+                <a:cs typeface="Arial" panose="020B0604020202020204" pitchFamily="34" charset="0"/>
+              </a:rPr>
+              <a:t> NCBI </a:t>
+            </a:r>
+            <a:r>
+              <a:rPr lang="fr-FR" b="1" dirty="0" err="1">
+                <a:latin typeface="+mj-lt"/>
+                <a:cs typeface="Arial" panose="020B0604020202020204" pitchFamily="34" charset="0"/>
+              </a:rPr>
+              <a:t>database</a:t>
+            </a:r>
+            <a:endParaRPr lang="fr-FR" b="1" dirty="0">
+              <a:latin typeface="+mj-lt"/>
               <a:cs typeface="Arial" panose="020B0604020202020204" pitchFamily="34" charset="0"/>
             </a:endParaRPr>
           </a:p>
@@ -8627,6 +9669,39 @@
           </a:p>
         </p:txBody>
       </p:sp>
+      <p:sp>
+        <p:nvSpPr>
+          <p:cNvPr id="7" name="Title 1">
+            <a:extLst>
+              <a:ext uri="{FF2B5EF4-FFF2-40B4-BE49-F238E27FC236}">
+                <a16:creationId xmlns:a16="http://schemas.microsoft.com/office/drawing/2014/main" id="{5E97D0FD-2385-4219-8717-332F7A4B1713}"/>
+              </a:ext>
+            </a:extLst>
+          </p:cNvPr>
+          <p:cNvSpPr>
+            <a:spLocks noGrp="1"/>
+          </p:cNvSpPr>
+          <p:nvPr>
+            <p:ph type="title"/>
+          </p:nvPr>
+        </p:nvSpPr>
+        <p:spPr>
+          <a:xfrm>
+            <a:off x="489076" y="83671"/>
+            <a:ext cx="8596668" cy="1320800"/>
+          </a:xfrm>
+        </p:spPr>
+        <p:txBody>
+          <a:bodyPr/>
+          <a:lstStyle/>
+          <a:p>
+            <a:r>
+              <a:rPr lang="en-US" dirty="0"/>
+              <a:t>How can the second be conducted ?</a:t>
+            </a:r>
+          </a:p>
+        </p:txBody>
+      </p:sp>
     </p:spTree>
     <p:extLst>
       <p:ext uri="{BB962C8B-B14F-4D97-AF65-F5344CB8AC3E}">
@@ -8640,7 +9715,7 @@
 </p:sld>
 </file>
 
-<file path=ppt/slides/slide6.xml><?xml version="1.0" encoding="utf-8"?>
+<file path=ppt/slides/slide21.xml><?xml version="1.0" encoding="utf-8"?>
 <p:sld xmlns:a="http://schemas.openxmlformats.org/drawingml/2006/main" xmlns:r="http://schemas.openxmlformats.org/officeDocument/2006/relationships" xmlns:p="http://schemas.openxmlformats.org/presentationml/2006/main">
   <p:cSld>
     <p:spTree>
@@ -8681,48 +9756,9 @@
             <a:fld id="{5E2D43C8-FCB2-4CFF-B706-7EDFCF5B6158}" type="slidenum">
               <a:rPr lang="ko-KR" altLang="en-US" smtClean="0"/>
               <a:pPr/>
-              <a:t>6</a:t>
+              <a:t>21</a:t>
             </a:fld>
             <a:endParaRPr lang="ko-KR" altLang="en-US"/>
-          </a:p>
-        </p:txBody>
-      </p:sp>
-      <p:sp>
-        <p:nvSpPr>
-          <p:cNvPr id="9" name="TextBox 8">
-            <a:extLst>
-              <a:ext uri="{FF2B5EF4-FFF2-40B4-BE49-F238E27FC236}">
-                <a16:creationId xmlns:a16="http://schemas.microsoft.com/office/drawing/2014/main" id="{6F60D7BE-A8E6-43F0-8BC7-BEBCAAF3375D}"/>
-              </a:ext>
-            </a:extLst>
-          </p:cNvPr>
-          <p:cNvSpPr txBox="1"/>
-          <p:nvPr/>
-        </p:nvSpPr>
-        <p:spPr>
-          <a:xfrm>
-            <a:off x="457199" y="408366"/>
-            <a:ext cx="11438965" cy="584775"/>
-          </a:xfrm>
-          <a:prstGeom prst="rect">
-            <a:avLst/>
-          </a:prstGeom>
-          <a:noFill/>
-        </p:spPr>
-        <p:txBody>
-          <a:bodyPr wrap="square">
-            <a:spAutoFit/>
-          </a:bodyPr>
-          <a:lstStyle/>
-          <a:p>
-            <a:pPr algn="ctr"/>
-            <a:r>
-              <a:rPr lang="fr-FR" sz="3200" b="1" dirty="0">
-                <a:latin typeface="Arial" panose="020B0604020202020204" pitchFamily="34" charset="0"/>
-                <a:cs typeface="Arial" panose="020B0604020202020204" pitchFamily="34" charset="0"/>
-              </a:rPr>
-              <a:t>Hands-on session</a:t>
-            </a:r>
           </a:p>
         </p:txBody>
       </p:sp>
@@ -8741,7 +9777,7 @@
         <p:spPr>
           <a:xfrm>
             <a:off x="1326774" y="1186814"/>
-            <a:ext cx="10728066" cy="1599156"/>
+            <a:ext cx="10728066" cy="768608"/>
           </a:xfrm>
           <a:prstGeom prst="rect">
             <a:avLst/>
@@ -8761,20 +9797,48 @@
             </a:pPr>
             <a:r>
               <a:rPr lang="fr-FR" b="1" dirty="0">
-                <a:latin typeface="Arial" panose="020B0604020202020204" pitchFamily="34" charset="0"/>
+                <a:latin typeface="+mj-lt"/>
                 <a:cs typeface="Arial" panose="020B0604020202020204" pitchFamily="34" charset="0"/>
               </a:rPr>
-              <a:t>01. How to use NCBI BLAST</a:t>
-            </a:r>
-          </a:p>
-          <a:p>
-            <a:pPr>
-              <a:lnSpc>
-                <a:spcPct val="300000"/>
-              </a:lnSpc>
-            </a:pPr>
-            <a:endParaRPr lang="fr-FR" dirty="0">
-              <a:latin typeface="Arial" panose="020B0604020202020204" pitchFamily="34" charset="0"/>
+              <a:t>01. Do a blast </a:t>
+            </a:r>
+            <a:r>
+              <a:rPr lang="fr-FR" b="1" dirty="0" err="1">
+                <a:latin typeface="+mj-lt"/>
+                <a:cs typeface="Arial" panose="020B0604020202020204" pitchFamily="34" charset="0"/>
+              </a:rPr>
+              <a:t>search</a:t>
+            </a:r>
+            <a:r>
+              <a:rPr lang="fr-FR" b="1" dirty="0">
+                <a:latin typeface="+mj-lt"/>
+                <a:cs typeface="Arial" panose="020B0604020202020204" pitchFamily="34" charset="0"/>
+              </a:rPr>
+              <a:t> </a:t>
+            </a:r>
+            <a:r>
+              <a:rPr lang="fr-FR" b="1" dirty="0" err="1">
+                <a:latin typeface="+mj-lt"/>
+                <a:cs typeface="Arial" panose="020B0604020202020204" pitchFamily="34" charset="0"/>
+              </a:rPr>
+              <a:t>against</a:t>
+            </a:r>
+            <a:r>
+              <a:rPr lang="fr-FR" b="1" dirty="0">
+                <a:latin typeface="+mj-lt"/>
+                <a:cs typeface="Arial" panose="020B0604020202020204" pitchFamily="34" charset="0"/>
+              </a:rPr>
+              <a:t> NCBI </a:t>
+            </a:r>
+            <a:r>
+              <a:rPr lang="fr-FR" b="1" dirty="0" err="1">
+                <a:latin typeface="+mj-lt"/>
+                <a:cs typeface="Arial" panose="020B0604020202020204" pitchFamily="34" charset="0"/>
+              </a:rPr>
+              <a:t>database</a:t>
+            </a:r>
+            <a:endParaRPr lang="fr-FR" b="1" dirty="0">
+              <a:latin typeface="+mj-lt"/>
               <a:cs typeface="Arial" panose="020B0604020202020204" pitchFamily="34" charset="0"/>
             </a:endParaRPr>
           </a:p>
@@ -9014,10 +10078,2846 @@
           </a:p>
         </p:txBody>
       </p:sp>
+      <p:sp>
+        <p:nvSpPr>
+          <p:cNvPr id="7" name="Title 1">
+            <a:extLst>
+              <a:ext uri="{FF2B5EF4-FFF2-40B4-BE49-F238E27FC236}">
+                <a16:creationId xmlns:a16="http://schemas.microsoft.com/office/drawing/2014/main" id="{967D02B0-0EE0-47B2-8AD6-64ACD40C2517}"/>
+              </a:ext>
+            </a:extLst>
+          </p:cNvPr>
+          <p:cNvSpPr>
+            <a:spLocks noGrp="1"/>
+          </p:cNvSpPr>
+          <p:nvPr>
+            <p:ph type="title"/>
+          </p:nvPr>
+        </p:nvSpPr>
+        <p:spPr>
+          <a:xfrm>
+            <a:off x="489076" y="83671"/>
+            <a:ext cx="8596668" cy="1320800"/>
+          </a:xfrm>
+        </p:spPr>
+        <p:txBody>
+          <a:bodyPr/>
+          <a:lstStyle/>
+          <a:p>
+            <a:r>
+              <a:rPr lang="en-US" dirty="0"/>
+              <a:t>How can the second be conducted ?</a:t>
+            </a:r>
+          </a:p>
+        </p:txBody>
+      </p:sp>
     </p:spTree>
     <p:extLst>
       <p:ext uri="{BB962C8B-B14F-4D97-AF65-F5344CB8AC3E}">
         <p14:creationId xmlns:p14="http://schemas.microsoft.com/office/powerpoint/2010/main" val="391564380"/>
+      </p:ext>
+    </p:extLst>
+  </p:cSld>
+  <p:clrMapOvr>
+    <a:masterClrMapping/>
+  </p:clrMapOvr>
+</p:sld>
+</file>
+
+<file path=ppt/slides/slide22.xml><?xml version="1.0" encoding="utf-8"?>
+<p:sld xmlns:a="http://schemas.openxmlformats.org/drawingml/2006/main" xmlns:r="http://schemas.openxmlformats.org/officeDocument/2006/relationships" xmlns:p="http://schemas.openxmlformats.org/presentationml/2006/main">
+  <p:cSld>
+    <p:spTree>
+      <p:nvGrpSpPr>
+        <p:cNvPr id="1" name=""/>
+        <p:cNvGrpSpPr/>
+        <p:nvPr/>
+      </p:nvGrpSpPr>
+      <p:grpSpPr>
+        <a:xfrm>
+          <a:off x="0" y="0"/>
+          <a:ext cx="0" cy="0"/>
+          <a:chOff x="0" y="0"/>
+          <a:chExt cx="0" cy="0"/>
+        </a:xfrm>
+      </p:grpSpPr>
+      <p:sp>
+        <p:nvSpPr>
+          <p:cNvPr id="4" name="Slide Number Placeholder 3">
+            <a:extLst>
+              <a:ext uri="{FF2B5EF4-FFF2-40B4-BE49-F238E27FC236}">
+                <a16:creationId xmlns:a16="http://schemas.microsoft.com/office/drawing/2014/main" id="{3D8C4533-9129-49C4-93B7-B47A3D93A5A2}"/>
+              </a:ext>
+            </a:extLst>
+          </p:cNvPr>
+          <p:cNvSpPr>
+            <a:spLocks noGrp="1"/>
+          </p:cNvSpPr>
+          <p:nvPr>
+            <p:ph type="sldNum" sz="quarter" idx="12"/>
+          </p:nvPr>
+        </p:nvSpPr>
+        <p:spPr/>
+        <p:txBody>
+          <a:bodyPr/>
+          <a:lstStyle/>
+          <a:p>
+            <a:fld id="{5E2D43C8-FCB2-4CFF-B706-7EDFCF5B6158}" type="slidenum">
+              <a:rPr lang="ko-KR" altLang="en-US" smtClean="0"/>
+              <a:pPr/>
+              <a:t>22</a:t>
+            </a:fld>
+            <a:endParaRPr lang="ko-KR" altLang="en-US"/>
+          </a:p>
+        </p:txBody>
+      </p:sp>
+      <p:sp>
+        <p:nvSpPr>
+          <p:cNvPr id="2" name="TextBox 1">
+            <a:extLst>
+              <a:ext uri="{FF2B5EF4-FFF2-40B4-BE49-F238E27FC236}">
+                <a16:creationId xmlns:a16="http://schemas.microsoft.com/office/drawing/2014/main" id="{60CDA00A-F567-4706-A06A-D33FF8F6E43A}"/>
+              </a:ext>
+            </a:extLst>
+          </p:cNvPr>
+          <p:cNvSpPr txBox="1"/>
+          <p:nvPr/>
+        </p:nvSpPr>
+        <p:spPr>
+          <a:xfrm>
+            <a:off x="1326774" y="1186814"/>
+            <a:ext cx="9699813" cy="3907480"/>
+          </a:xfrm>
+          <a:prstGeom prst="rect">
+            <a:avLst/>
+          </a:prstGeom>
+          <a:noFill/>
+        </p:spPr>
+        <p:txBody>
+          <a:bodyPr wrap="square" rtlCol="0">
+            <a:spAutoFit/>
+          </a:bodyPr>
+          <a:lstStyle/>
+          <a:p>
+            <a:pPr algn="ctr">
+              <a:lnSpc>
+                <a:spcPct val="300000"/>
+              </a:lnSpc>
+            </a:pPr>
+            <a:r>
+              <a:rPr lang="fr-FR" b="1" dirty="0">
+                <a:latin typeface="+mj-lt"/>
+                <a:cs typeface="Arial" panose="020B0604020202020204" pitchFamily="34" charset="0"/>
+              </a:rPr>
+              <a:t>01. Do a blast </a:t>
+            </a:r>
+            <a:r>
+              <a:rPr lang="fr-FR" b="1" dirty="0" err="1">
+                <a:latin typeface="+mj-lt"/>
+                <a:cs typeface="Arial" panose="020B0604020202020204" pitchFamily="34" charset="0"/>
+              </a:rPr>
+              <a:t>search</a:t>
+            </a:r>
+            <a:r>
+              <a:rPr lang="fr-FR" b="1" dirty="0">
+                <a:latin typeface="+mj-lt"/>
+                <a:cs typeface="Arial" panose="020B0604020202020204" pitchFamily="34" charset="0"/>
+              </a:rPr>
+              <a:t> </a:t>
+            </a:r>
+            <a:r>
+              <a:rPr lang="fr-FR" b="1" dirty="0" err="1">
+                <a:latin typeface="+mj-lt"/>
+                <a:cs typeface="Arial" panose="020B0604020202020204" pitchFamily="34" charset="0"/>
+              </a:rPr>
+              <a:t>against</a:t>
+            </a:r>
+            <a:r>
+              <a:rPr lang="fr-FR" b="1" dirty="0">
+                <a:latin typeface="+mj-lt"/>
+                <a:cs typeface="Arial" panose="020B0604020202020204" pitchFamily="34" charset="0"/>
+              </a:rPr>
+              <a:t> NCBI </a:t>
+            </a:r>
+            <a:r>
+              <a:rPr lang="fr-FR" b="1" dirty="0" err="1">
+                <a:latin typeface="+mj-lt"/>
+                <a:cs typeface="Arial" panose="020B0604020202020204" pitchFamily="34" charset="0"/>
+              </a:rPr>
+              <a:t>database</a:t>
+            </a:r>
+            <a:endParaRPr lang="fr-FR" b="1" dirty="0">
+              <a:latin typeface="+mj-lt"/>
+              <a:cs typeface="Arial" panose="020B0604020202020204" pitchFamily="34" charset="0"/>
+            </a:endParaRPr>
+          </a:p>
+          <a:p>
+            <a:pPr marL="342900" indent="-342900" algn="ctr">
+              <a:lnSpc>
+                <a:spcPct val="300000"/>
+              </a:lnSpc>
+              <a:buAutoNum type="arabicPeriod"/>
+            </a:pPr>
+            <a:endParaRPr lang="fr-FR" b="1" dirty="0">
+              <a:latin typeface="Arial" panose="020B0604020202020204" pitchFamily="34" charset="0"/>
+              <a:cs typeface="Arial" panose="020B0604020202020204" pitchFamily="34" charset="0"/>
+            </a:endParaRPr>
+          </a:p>
+          <a:p>
+            <a:pPr algn="ctr">
+              <a:lnSpc>
+                <a:spcPct val="300000"/>
+              </a:lnSpc>
+            </a:pPr>
+            <a:r>
+              <a:rPr lang="fr-FR" sz="3200" b="1" dirty="0" err="1">
+                <a:latin typeface="Arial" panose="020B0604020202020204" pitchFamily="34" charset="0"/>
+                <a:cs typeface="Arial" panose="020B0604020202020204" pitchFamily="34" charset="0"/>
+              </a:rPr>
+              <a:t>Your</a:t>
+            </a:r>
+            <a:r>
+              <a:rPr lang="fr-FR" sz="3200" b="1" dirty="0">
+                <a:latin typeface="Arial" panose="020B0604020202020204" pitchFamily="34" charset="0"/>
+                <a:cs typeface="Arial" panose="020B0604020202020204" pitchFamily="34" charset="0"/>
+              </a:rPr>
+              <a:t> </a:t>
+            </a:r>
+            <a:r>
+              <a:rPr lang="fr-FR" sz="3200" b="1" dirty="0" err="1">
+                <a:latin typeface="Arial" panose="020B0604020202020204" pitchFamily="34" charset="0"/>
+                <a:cs typeface="Arial" panose="020B0604020202020204" pitchFamily="34" charset="0"/>
+              </a:rPr>
+              <a:t>turn</a:t>
+            </a:r>
+            <a:r>
+              <a:rPr lang="fr-FR" sz="3200" b="1" dirty="0">
+                <a:latin typeface="Arial" panose="020B0604020202020204" pitchFamily="34" charset="0"/>
+                <a:cs typeface="Arial" panose="020B0604020202020204" pitchFamily="34" charset="0"/>
+              </a:rPr>
+              <a:t> !!!</a:t>
+            </a:r>
+          </a:p>
+          <a:p>
+            <a:pPr marL="342900" indent="-342900" algn="ctr">
+              <a:lnSpc>
+                <a:spcPct val="300000"/>
+              </a:lnSpc>
+              <a:buAutoNum type="arabicPeriod"/>
+            </a:pPr>
+            <a:endParaRPr lang="fr-FR" b="1" dirty="0">
+              <a:latin typeface="Arial" panose="020B0604020202020204" pitchFamily="34" charset="0"/>
+              <a:cs typeface="Arial" panose="020B0604020202020204" pitchFamily="34" charset="0"/>
+            </a:endParaRPr>
+          </a:p>
+        </p:txBody>
+      </p:sp>
+      <p:sp>
+        <p:nvSpPr>
+          <p:cNvPr id="5" name="Title 1">
+            <a:extLst>
+              <a:ext uri="{FF2B5EF4-FFF2-40B4-BE49-F238E27FC236}">
+                <a16:creationId xmlns:a16="http://schemas.microsoft.com/office/drawing/2014/main" id="{2A65E29E-19B3-485E-8B39-7B391BB4E34A}"/>
+              </a:ext>
+            </a:extLst>
+          </p:cNvPr>
+          <p:cNvSpPr>
+            <a:spLocks noGrp="1"/>
+          </p:cNvSpPr>
+          <p:nvPr>
+            <p:ph type="title"/>
+          </p:nvPr>
+        </p:nvSpPr>
+        <p:spPr>
+          <a:xfrm>
+            <a:off x="489076" y="83671"/>
+            <a:ext cx="8596668" cy="1320800"/>
+          </a:xfrm>
+        </p:spPr>
+        <p:txBody>
+          <a:bodyPr/>
+          <a:lstStyle/>
+          <a:p>
+            <a:r>
+              <a:rPr lang="en-US" dirty="0"/>
+              <a:t>How can the second be conducted ?</a:t>
+            </a:r>
+          </a:p>
+        </p:txBody>
+      </p:sp>
+    </p:spTree>
+    <p:extLst>
+      <p:ext uri="{BB962C8B-B14F-4D97-AF65-F5344CB8AC3E}">
+        <p14:creationId xmlns:p14="http://schemas.microsoft.com/office/powerpoint/2010/main" val="3278596948"/>
+      </p:ext>
+    </p:extLst>
+  </p:cSld>
+  <p:clrMapOvr>
+    <a:masterClrMapping/>
+  </p:clrMapOvr>
+</p:sld>
+</file>
+
+<file path=ppt/slides/slide23.xml><?xml version="1.0" encoding="utf-8"?>
+<p:sld xmlns:a="http://schemas.openxmlformats.org/drawingml/2006/main" xmlns:r="http://schemas.openxmlformats.org/officeDocument/2006/relationships" xmlns:p="http://schemas.openxmlformats.org/presentationml/2006/main">
+  <p:cSld>
+    <p:spTree>
+      <p:nvGrpSpPr>
+        <p:cNvPr id="1" name=""/>
+        <p:cNvGrpSpPr/>
+        <p:nvPr/>
+      </p:nvGrpSpPr>
+      <p:grpSpPr>
+        <a:xfrm>
+          <a:off x="0" y="0"/>
+          <a:ext cx="0" cy="0"/>
+          <a:chOff x="0" y="0"/>
+          <a:chExt cx="0" cy="0"/>
+        </a:xfrm>
+      </p:grpSpPr>
+      <p:sp>
+        <p:nvSpPr>
+          <p:cNvPr id="4" name="Slide Number Placeholder 3">
+            <a:extLst>
+              <a:ext uri="{FF2B5EF4-FFF2-40B4-BE49-F238E27FC236}">
+                <a16:creationId xmlns:a16="http://schemas.microsoft.com/office/drawing/2014/main" id="{3D8C4533-9129-49C4-93B7-B47A3D93A5A2}"/>
+              </a:ext>
+            </a:extLst>
+          </p:cNvPr>
+          <p:cNvSpPr>
+            <a:spLocks noGrp="1"/>
+          </p:cNvSpPr>
+          <p:nvPr>
+            <p:ph type="sldNum" sz="quarter" idx="12"/>
+          </p:nvPr>
+        </p:nvSpPr>
+        <p:spPr/>
+        <p:txBody>
+          <a:bodyPr/>
+          <a:lstStyle/>
+          <a:p>
+            <a:fld id="{5E2D43C8-FCB2-4CFF-B706-7EDFCF5B6158}" type="slidenum">
+              <a:rPr lang="ko-KR" altLang="en-US" smtClean="0"/>
+              <a:pPr/>
+              <a:t>23</a:t>
+            </a:fld>
+            <a:endParaRPr lang="ko-KR" altLang="en-US"/>
+          </a:p>
+        </p:txBody>
+      </p:sp>
+      <p:sp>
+        <p:nvSpPr>
+          <p:cNvPr id="2" name="TextBox 1">
+            <a:extLst>
+              <a:ext uri="{FF2B5EF4-FFF2-40B4-BE49-F238E27FC236}">
+                <a16:creationId xmlns:a16="http://schemas.microsoft.com/office/drawing/2014/main" id="{60CDA00A-F567-4706-A06A-D33FF8F6E43A}"/>
+              </a:ext>
+            </a:extLst>
+          </p:cNvPr>
+          <p:cNvSpPr txBox="1"/>
+          <p:nvPr/>
+        </p:nvSpPr>
+        <p:spPr>
+          <a:xfrm>
+            <a:off x="1326774" y="1186814"/>
+            <a:ext cx="9699813" cy="768159"/>
+          </a:xfrm>
+          <a:prstGeom prst="rect">
+            <a:avLst/>
+          </a:prstGeom>
+          <a:noFill/>
+        </p:spPr>
+        <p:txBody>
+          <a:bodyPr wrap="square" rtlCol="0">
+            <a:spAutoFit/>
+          </a:bodyPr>
+          <a:lstStyle/>
+          <a:p>
+            <a:pPr algn="ctr">
+              <a:lnSpc>
+                <a:spcPct val="300000"/>
+              </a:lnSpc>
+            </a:pPr>
+            <a:r>
+              <a:rPr lang="fr-FR" b="1" dirty="0">
+                <a:latin typeface="Arial" panose="020B0604020202020204" pitchFamily="34" charset="0"/>
+                <a:cs typeface="Arial" panose="020B0604020202020204" pitchFamily="34" charset="0"/>
+              </a:rPr>
+              <a:t>02. Do a multiple </a:t>
+            </a:r>
+            <a:r>
+              <a:rPr lang="fr-FR" b="1" dirty="0" err="1">
+                <a:latin typeface="Arial" panose="020B0604020202020204" pitchFamily="34" charset="0"/>
+                <a:cs typeface="Arial" panose="020B0604020202020204" pitchFamily="34" charset="0"/>
+              </a:rPr>
+              <a:t>sequence</a:t>
+            </a:r>
+            <a:r>
+              <a:rPr lang="fr-FR" b="1" dirty="0">
+                <a:latin typeface="Arial" panose="020B0604020202020204" pitchFamily="34" charset="0"/>
+                <a:cs typeface="Arial" panose="020B0604020202020204" pitchFamily="34" charset="0"/>
+              </a:rPr>
+              <a:t> </a:t>
+            </a:r>
+            <a:r>
+              <a:rPr lang="fr-FR" b="1" dirty="0" err="1">
+                <a:latin typeface="Arial" panose="020B0604020202020204" pitchFamily="34" charset="0"/>
+                <a:cs typeface="Arial" panose="020B0604020202020204" pitchFamily="34" charset="0"/>
+              </a:rPr>
+              <a:t>alignment</a:t>
+            </a:r>
+            <a:r>
+              <a:rPr lang="fr-FR" b="1" dirty="0">
+                <a:latin typeface="Arial" panose="020B0604020202020204" pitchFamily="34" charset="0"/>
+                <a:cs typeface="Arial" panose="020B0604020202020204" pitchFamily="34" charset="0"/>
+              </a:rPr>
+              <a:t> </a:t>
+            </a:r>
+          </a:p>
+        </p:txBody>
+      </p:sp>
+      <p:sp>
+        <p:nvSpPr>
+          <p:cNvPr id="8" name="TextBox 7">
+            <a:extLst>
+              <a:ext uri="{FF2B5EF4-FFF2-40B4-BE49-F238E27FC236}">
+                <a16:creationId xmlns:a16="http://schemas.microsoft.com/office/drawing/2014/main" id="{FA4A41E2-390F-4AB0-B4FC-7A31650E1E71}"/>
+              </a:ext>
+            </a:extLst>
+          </p:cNvPr>
+          <p:cNvSpPr txBox="1"/>
+          <p:nvPr/>
+        </p:nvSpPr>
+        <p:spPr>
+          <a:xfrm>
+            <a:off x="1203960" y="3105834"/>
+            <a:ext cx="10149840" cy="2246769"/>
+          </a:xfrm>
+          <a:prstGeom prst="rect">
+            <a:avLst/>
+          </a:prstGeom>
+          <a:noFill/>
+        </p:spPr>
+        <p:txBody>
+          <a:bodyPr wrap="square">
+            <a:spAutoFit/>
+          </a:bodyPr>
+          <a:lstStyle/>
+          <a:p>
+            <a:pPr algn="ctr"/>
+            <a:r>
+              <a:rPr lang="fr-FR" sz="2000" b="1" dirty="0">
+                <a:latin typeface="Arial" panose="020B0604020202020204" pitchFamily="34" charset="0"/>
+                <a:cs typeface="Arial" panose="020B0604020202020204" pitchFamily="34" charset="0"/>
+              </a:rPr>
+              <a:t>MAFFT (Multiple </a:t>
+            </a:r>
+            <a:r>
+              <a:rPr lang="fr-FR" sz="2000" b="1" dirty="0" err="1">
+                <a:latin typeface="Arial" panose="020B0604020202020204" pitchFamily="34" charset="0"/>
+                <a:cs typeface="Arial" panose="020B0604020202020204" pitchFamily="34" charset="0"/>
+              </a:rPr>
+              <a:t>Alignment</a:t>
+            </a:r>
+            <a:r>
+              <a:rPr lang="fr-FR" sz="2000" b="1" dirty="0">
+                <a:latin typeface="Arial" panose="020B0604020202020204" pitchFamily="34" charset="0"/>
+                <a:cs typeface="Arial" panose="020B0604020202020204" pitchFamily="34" charset="0"/>
+              </a:rPr>
+              <a:t> </a:t>
+            </a:r>
+            <a:r>
+              <a:rPr lang="fr-FR" sz="2000" b="1" dirty="0" err="1">
+                <a:latin typeface="Arial" panose="020B0604020202020204" pitchFamily="34" charset="0"/>
+                <a:cs typeface="Arial" panose="020B0604020202020204" pitchFamily="34" charset="0"/>
+              </a:rPr>
+              <a:t>using</a:t>
+            </a:r>
+            <a:r>
+              <a:rPr lang="fr-FR" sz="2000" b="1" dirty="0">
+                <a:latin typeface="Arial" panose="020B0604020202020204" pitchFamily="34" charset="0"/>
+                <a:cs typeface="Arial" panose="020B0604020202020204" pitchFamily="34" charset="0"/>
+              </a:rPr>
+              <a:t> Fast Fourier </a:t>
+            </a:r>
+            <a:r>
+              <a:rPr lang="fr-FR" sz="2000" b="1" dirty="0" err="1">
+                <a:latin typeface="Arial" panose="020B0604020202020204" pitchFamily="34" charset="0"/>
+                <a:cs typeface="Arial" panose="020B0604020202020204" pitchFamily="34" charset="0"/>
+              </a:rPr>
+              <a:t>Transform</a:t>
+            </a:r>
+            <a:r>
+              <a:rPr lang="fr-FR" sz="2000" b="1" dirty="0">
+                <a:latin typeface="Arial" panose="020B0604020202020204" pitchFamily="34" charset="0"/>
+                <a:cs typeface="Arial" panose="020B0604020202020204" pitchFamily="34" charset="0"/>
+              </a:rPr>
+              <a:t>)</a:t>
+            </a:r>
+          </a:p>
+          <a:p>
+            <a:pPr algn="ctr"/>
+            <a:endParaRPr lang="en-US" sz="2000" b="1" dirty="0">
+              <a:latin typeface="Arial" panose="020B0604020202020204" pitchFamily="34" charset="0"/>
+              <a:cs typeface="Arial" panose="020B0604020202020204" pitchFamily="34" charset="0"/>
+              <a:hlinkClick r:id="rId2"/>
+            </a:endParaRPr>
+          </a:p>
+          <a:p>
+            <a:pPr algn="ctr"/>
+            <a:endParaRPr lang="en-US" sz="2000" b="1" dirty="0">
+              <a:latin typeface="Arial" panose="020B0604020202020204" pitchFamily="34" charset="0"/>
+              <a:cs typeface="Arial" panose="020B0604020202020204" pitchFamily="34" charset="0"/>
+              <a:hlinkClick r:id="rId2"/>
+            </a:endParaRPr>
+          </a:p>
+          <a:p>
+            <a:pPr algn="ctr"/>
+            <a:r>
+              <a:rPr lang="en-US" sz="2000" b="1" dirty="0">
+                <a:latin typeface="Arial" panose="020B0604020202020204" pitchFamily="34" charset="0"/>
+                <a:cs typeface="Arial" panose="020B0604020202020204" pitchFamily="34" charset="0"/>
+                <a:hlinkClick r:id="rId3"/>
+              </a:rPr>
+              <a:t>https://mafft.cbrc.jp/alignment/server/index.html</a:t>
+            </a:r>
+            <a:endParaRPr lang="en-US" sz="2000" b="1" dirty="0">
+              <a:latin typeface="Arial" panose="020B0604020202020204" pitchFamily="34" charset="0"/>
+              <a:cs typeface="Arial" panose="020B0604020202020204" pitchFamily="34" charset="0"/>
+            </a:endParaRPr>
+          </a:p>
+          <a:p>
+            <a:pPr algn="ctr"/>
+            <a:endParaRPr lang="en-US" sz="2000" b="1" dirty="0">
+              <a:latin typeface="Arial" panose="020B0604020202020204" pitchFamily="34" charset="0"/>
+              <a:cs typeface="Arial" panose="020B0604020202020204" pitchFamily="34" charset="0"/>
+            </a:endParaRPr>
+          </a:p>
+          <a:p>
+            <a:pPr algn="ctr"/>
+            <a:r>
+              <a:rPr lang="en-US" sz="2000" b="1" dirty="0">
+                <a:latin typeface="Arial" panose="020B0604020202020204" pitchFamily="34" charset="0"/>
+                <a:cs typeface="Arial" panose="020B0604020202020204" pitchFamily="34" charset="0"/>
+                <a:hlinkClick r:id="rId4"/>
+              </a:rPr>
+              <a:t>https://www.ebi.ac.uk/jdispatcher/msa/mafft?stype=dna</a:t>
+            </a:r>
+            <a:endParaRPr lang="en-US" sz="2000" b="1" dirty="0">
+              <a:latin typeface="Arial" panose="020B0604020202020204" pitchFamily="34" charset="0"/>
+              <a:cs typeface="Arial" panose="020B0604020202020204" pitchFamily="34" charset="0"/>
+            </a:endParaRPr>
+          </a:p>
+          <a:p>
+            <a:pPr algn="ctr"/>
+            <a:endParaRPr lang="en-US" sz="2000" b="1" dirty="0">
+              <a:latin typeface="Arial" panose="020B0604020202020204" pitchFamily="34" charset="0"/>
+              <a:cs typeface="Arial" panose="020B0604020202020204" pitchFamily="34" charset="0"/>
+            </a:endParaRPr>
+          </a:p>
+        </p:txBody>
+      </p:sp>
+      <p:sp>
+        <p:nvSpPr>
+          <p:cNvPr id="6" name="Title 1">
+            <a:extLst>
+              <a:ext uri="{FF2B5EF4-FFF2-40B4-BE49-F238E27FC236}">
+                <a16:creationId xmlns:a16="http://schemas.microsoft.com/office/drawing/2014/main" id="{2CBF1E3B-0753-419C-A5C4-B4A2225F30BB}"/>
+              </a:ext>
+            </a:extLst>
+          </p:cNvPr>
+          <p:cNvSpPr>
+            <a:spLocks noGrp="1"/>
+          </p:cNvSpPr>
+          <p:nvPr>
+            <p:ph type="title"/>
+          </p:nvPr>
+        </p:nvSpPr>
+        <p:spPr>
+          <a:xfrm>
+            <a:off x="489076" y="83671"/>
+            <a:ext cx="8596668" cy="1320800"/>
+          </a:xfrm>
+        </p:spPr>
+        <p:txBody>
+          <a:bodyPr/>
+          <a:lstStyle/>
+          <a:p>
+            <a:r>
+              <a:rPr lang="en-US" dirty="0"/>
+              <a:t>How can the second be conducted ?</a:t>
+            </a:r>
+          </a:p>
+        </p:txBody>
+      </p:sp>
+    </p:spTree>
+    <p:extLst>
+      <p:ext uri="{BB962C8B-B14F-4D97-AF65-F5344CB8AC3E}">
+        <p14:creationId xmlns:p14="http://schemas.microsoft.com/office/powerpoint/2010/main" val="2969703483"/>
+      </p:ext>
+    </p:extLst>
+  </p:cSld>
+  <p:clrMapOvr>
+    <a:masterClrMapping/>
+  </p:clrMapOvr>
+</p:sld>
+</file>
+
+<file path=ppt/slides/slide24.xml><?xml version="1.0" encoding="utf-8"?>
+<p:sld xmlns:a="http://schemas.openxmlformats.org/drawingml/2006/main" xmlns:r="http://schemas.openxmlformats.org/officeDocument/2006/relationships" xmlns:p="http://schemas.openxmlformats.org/presentationml/2006/main">
+  <p:cSld>
+    <p:spTree>
+      <p:nvGrpSpPr>
+        <p:cNvPr id="1" name=""/>
+        <p:cNvGrpSpPr/>
+        <p:nvPr/>
+      </p:nvGrpSpPr>
+      <p:grpSpPr>
+        <a:xfrm>
+          <a:off x="0" y="0"/>
+          <a:ext cx="0" cy="0"/>
+          <a:chOff x="0" y="0"/>
+          <a:chExt cx="0" cy="0"/>
+        </a:xfrm>
+      </p:grpSpPr>
+      <p:sp>
+        <p:nvSpPr>
+          <p:cNvPr id="4" name="Slide Number Placeholder 3">
+            <a:extLst>
+              <a:ext uri="{FF2B5EF4-FFF2-40B4-BE49-F238E27FC236}">
+                <a16:creationId xmlns:a16="http://schemas.microsoft.com/office/drawing/2014/main" id="{3D8C4533-9129-49C4-93B7-B47A3D93A5A2}"/>
+              </a:ext>
+            </a:extLst>
+          </p:cNvPr>
+          <p:cNvSpPr>
+            <a:spLocks noGrp="1"/>
+          </p:cNvSpPr>
+          <p:nvPr>
+            <p:ph type="sldNum" sz="quarter" idx="12"/>
+          </p:nvPr>
+        </p:nvSpPr>
+        <p:spPr/>
+        <p:txBody>
+          <a:bodyPr/>
+          <a:lstStyle/>
+          <a:p>
+            <a:fld id="{5E2D43C8-FCB2-4CFF-B706-7EDFCF5B6158}" type="slidenum">
+              <a:rPr lang="ko-KR" altLang="en-US" smtClean="0"/>
+              <a:pPr/>
+              <a:t>24</a:t>
+            </a:fld>
+            <a:endParaRPr lang="ko-KR" altLang="en-US"/>
+          </a:p>
+        </p:txBody>
+      </p:sp>
+      <p:sp>
+        <p:nvSpPr>
+          <p:cNvPr id="2" name="TextBox 1">
+            <a:extLst>
+              <a:ext uri="{FF2B5EF4-FFF2-40B4-BE49-F238E27FC236}">
+                <a16:creationId xmlns:a16="http://schemas.microsoft.com/office/drawing/2014/main" id="{60CDA00A-F567-4706-A06A-D33FF8F6E43A}"/>
+              </a:ext>
+            </a:extLst>
+          </p:cNvPr>
+          <p:cNvSpPr txBox="1"/>
+          <p:nvPr/>
+        </p:nvSpPr>
+        <p:spPr>
+          <a:xfrm>
+            <a:off x="1326774" y="1195779"/>
+            <a:ext cx="9699813" cy="2430152"/>
+          </a:xfrm>
+          <a:prstGeom prst="rect">
+            <a:avLst/>
+          </a:prstGeom>
+          <a:noFill/>
+        </p:spPr>
+        <p:txBody>
+          <a:bodyPr wrap="square" rtlCol="0">
+            <a:spAutoFit/>
+          </a:bodyPr>
+          <a:lstStyle/>
+          <a:p>
+            <a:pPr algn="ctr">
+              <a:lnSpc>
+                <a:spcPct val="300000"/>
+              </a:lnSpc>
+            </a:pPr>
+            <a:r>
+              <a:rPr lang="fr-FR" b="1" dirty="0">
+                <a:latin typeface="Arial" panose="020B0604020202020204" pitchFamily="34" charset="0"/>
+                <a:cs typeface="Arial" panose="020B0604020202020204" pitchFamily="34" charset="0"/>
+              </a:rPr>
+              <a:t>03. </a:t>
+            </a:r>
+            <a:r>
+              <a:rPr lang="fr-FR" b="1" dirty="0" err="1">
+                <a:latin typeface="Arial" panose="020B0604020202020204" pitchFamily="34" charset="0"/>
+                <a:cs typeface="Arial" panose="020B0604020202020204" pitchFamily="34" charset="0"/>
+              </a:rPr>
+              <a:t>Construct</a:t>
+            </a:r>
+            <a:r>
+              <a:rPr lang="fr-FR" b="1" dirty="0">
+                <a:latin typeface="Arial" panose="020B0604020202020204" pitchFamily="34" charset="0"/>
+                <a:cs typeface="Arial" panose="020B0604020202020204" pitchFamily="34" charset="0"/>
+              </a:rPr>
+              <a:t> a phylogenetic </a:t>
+            </a:r>
+            <a:r>
+              <a:rPr lang="fr-FR" b="1" dirty="0" err="1">
+                <a:latin typeface="Arial" panose="020B0604020202020204" pitchFamily="34" charset="0"/>
+                <a:cs typeface="Arial" panose="020B0604020202020204" pitchFamily="34" charset="0"/>
+              </a:rPr>
+              <a:t>tree</a:t>
+            </a:r>
+            <a:endParaRPr lang="fr-FR" b="1" dirty="0">
+              <a:latin typeface="Arial" panose="020B0604020202020204" pitchFamily="34" charset="0"/>
+              <a:cs typeface="Arial" panose="020B0604020202020204" pitchFamily="34" charset="0"/>
+            </a:endParaRPr>
+          </a:p>
+          <a:p>
+            <a:pPr algn="ctr">
+              <a:lnSpc>
+                <a:spcPct val="300000"/>
+              </a:lnSpc>
+            </a:pPr>
+            <a:endParaRPr lang="fr-FR" b="1" dirty="0">
+              <a:latin typeface="Arial" panose="020B0604020202020204" pitchFamily="34" charset="0"/>
+              <a:cs typeface="Arial" panose="020B0604020202020204" pitchFamily="34" charset="0"/>
+            </a:endParaRPr>
+          </a:p>
+          <a:p>
+            <a:pPr algn="ctr">
+              <a:lnSpc>
+                <a:spcPct val="300000"/>
+              </a:lnSpc>
+            </a:pPr>
+            <a:r>
+              <a:rPr lang="fr-FR" b="1" dirty="0">
+                <a:latin typeface="Arial" panose="020B0604020202020204" pitchFamily="34" charset="0"/>
+                <a:cs typeface="Arial" panose="020B0604020202020204" pitchFamily="34" charset="0"/>
+              </a:rPr>
+              <a:t>http://iqtree.cibiv.univie.ac.at/</a:t>
+            </a:r>
+          </a:p>
+        </p:txBody>
+      </p:sp>
+      <p:sp>
+        <p:nvSpPr>
+          <p:cNvPr id="5" name="Title 1">
+            <a:extLst>
+              <a:ext uri="{FF2B5EF4-FFF2-40B4-BE49-F238E27FC236}">
+                <a16:creationId xmlns:a16="http://schemas.microsoft.com/office/drawing/2014/main" id="{BAF10D7B-F382-4D0F-9B5F-04736842D5BF}"/>
+              </a:ext>
+            </a:extLst>
+          </p:cNvPr>
+          <p:cNvSpPr>
+            <a:spLocks noGrp="1"/>
+          </p:cNvSpPr>
+          <p:nvPr>
+            <p:ph type="title"/>
+          </p:nvPr>
+        </p:nvSpPr>
+        <p:spPr>
+          <a:xfrm>
+            <a:off x="489076" y="83671"/>
+            <a:ext cx="8596668" cy="1320800"/>
+          </a:xfrm>
+        </p:spPr>
+        <p:txBody>
+          <a:bodyPr/>
+          <a:lstStyle/>
+          <a:p>
+            <a:r>
+              <a:rPr lang="en-US" dirty="0"/>
+              <a:t>How can the second be conducted ?</a:t>
+            </a:r>
+          </a:p>
+        </p:txBody>
+      </p:sp>
+    </p:spTree>
+    <p:extLst>
+      <p:ext uri="{BB962C8B-B14F-4D97-AF65-F5344CB8AC3E}">
+        <p14:creationId xmlns:p14="http://schemas.microsoft.com/office/powerpoint/2010/main" val="2497949458"/>
+      </p:ext>
+    </p:extLst>
+  </p:cSld>
+  <p:clrMapOvr>
+    <a:masterClrMapping/>
+  </p:clrMapOvr>
+</p:sld>
+</file>
+
+<file path=ppt/slides/slide25.xml><?xml version="1.0" encoding="utf-8"?>
+<p:sld xmlns:a="http://schemas.openxmlformats.org/drawingml/2006/main" xmlns:r="http://schemas.openxmlformats.org/officeDocument/2006/relationships" xmlns:p="http://schemas.openxmlformats.org/presentationml/2006/main">
+  <p:cSld>
+    <p:spTree>
+      <p:nvGrpSpPr>
+        <p:cNvPr id="1" name=""/>
+        <p:cNvGrpSpPr/>
+        <p:nvPr/>
+      </p:nvGrpSpPr>
+      <p:grpSpPr>
+        <a:xfrm>
+          <a:off x="0" y="0"/>
+          <a:ext cx="0" cy="0"/>
+          <a:chOff x="0" y="0"/>
+          <a:chExt cx="0" cy="0"/>
+        </a:xfrm>
+      </p:grpSpPr>
+      <p:sp>
+        <p:nvSpPr>
+          <p:cNvPr id="4" name="Slide Number Placeholder 3">
+            <a:extLst>
+              <a:ext uri="{FF2B5EF4-FFF2-40B4-BE49-F238E27FC236}">
+                <a16:creationId xmlns:a16="http://schemas.microsoft.com/office/drawing/2014/main" id="{3D8C4533-9129-49C4-93B7-B47A3D93A5A2}"/>
+              </a:ext>
+            </a:extLst>
+          </p:cNvPr>
+          <p:cNvSpPr>
+            <a:spLocks noGrp="1"/>
+          </p:cNvSpPr>
+          <p:nvPr>
+            <p:ph type="sldNum" sz="quarter" idx="12"/>
+          </p:nvPr>
+        </p:nvSpPr>
+        <p:spPr/>
+        <p:txBody>
+          <a:bodyPr/>
+          <a:lstStyle/>
+          <a:p>
+            <a:fld id="{5E2D43C8-FCB2-4CFF-B706-7EDFCF5B6158}" type="slidenum">
+              <a:rPr lang="ko-KR" altLang="en-US" smtClean="0"/>
+              <a:pPr/>
+              <a:t>25</a:t>
+            </a:fld>
+            <a:endParaRPr lang="ko-KR" altLang="en-US"/>
+          </a:p>
+        </p:txBody>
+      </p:sp>
+      <p:sp>
+        <p:nvSpPr>
+          <p:cNvPr id="2" name="TextBox 1">
+            <a:extLst>
+              <a:ext uri="{FF2B5EF4-FFF2-40B4-BE49-F238E27FC236}">
+                <a16:creationId xmlns:a16="http://schemas.microsoft.com/office/drawing/2014/main" id="{60CDA00A-F567-4706-A06A-D33FF8F6E43A}"/>
+              </a:ext>
+            </a:extLst>
+          </p:cNvPr>
+          <p:cNvSpPr txBox="1"/>
+          <p:nvPr/>
+        </p:nvSpPr>
+        <p:spPr>
+          <a:xfrm>
+            <a:off x="609598" y="1097166"/>
+            <a:ext cx="9699813" cy="5754139"/>
+          </a:xfrm>
+          <a:prstGeom prst="rect">
+            <a:avLst/>
+          </a:prstGeom>
+          <a:noFill/>
+        </p:spPr>
+        <p:txBody>
+          <a:bodyPr wrap="square" rtlCol="0">
+            <a:spAutoFit/>
+          </a:bodyPr>
+          <a:lstStyle/>
+          <a:p>
+            <a:pPr algn="ctr">
+              <a:lnSpc>
+                <a:spcPct val="300000"/>
+              </a:lnSpc>
+            </a:pPr>
+            <a:r>
+              <a:rPr lang="fr-FR" b="1" dirty="0">
+                <a:latin typeface="Arial" panose="020B0604020202020204" pitchFamily="34" charset="0"/>
+                <a:cs typeface="Arial" panose="020B0604020202020204" pitchFamily="34" charset="0"/>
+              </a:rPr>
+              <a:t>03. How to visualise </a:t>
+            </a:r>
+            <a:r>
+              <a:rPr lang="fr-FR" b="1" dirty="0" err="1">
+                <a:latin typeface="Arial" panose="020B0604020202020204" pitchFamily="34" charset="0"/>
+                <a:cs typeface="Arial" panose="020B0604020202020204" pitchFamily="34" charset="0"/>
+              </a:rPr>
+              <a:t>your</a:t>
+            </a:r>
+            <a:r>
+              <a:rPr lang="fr-FR" b="1" dirty="0">
+                <a:latin typeface="Arial" panose="020B0604020202020204" pitchFamily="34" charset="0"/>
+                <a:cs typeface="Arial" panose="020B0604020202020204" pitchFamily="34" charset="0"/>
+              </a:rPr>
+              <a:t> phylogenetic </a:t>
+            </a:r>
+            <a:r>
+              <a:rPr lang="fr-FR" b="1" dirty="0" err="1">
+                <a:latin typeface="Arial" panose="020B0604020202020204" pitchFamily="34" charset="0"/>
+                <a:cs typeface="Arial" panose="020B0604020202020204" pitchFamily="34" charset="0"/>
+              </a:rPr>
+              <a:t>tree</a:t>
+            </a:r>
+            <a:endParaRPr lang="fr-FR" b="1" dirty="0">
+              <a:latin typeface="Arial" panose="020B0604020202020204" pitchFamily="34" charset="0"/>
+              <a:cs typeface="Arial" panose="020B0604020202020204" pitchFamily="34" charset="0"/>
+            </a:endParaRPr>
+          </a:p>
+          <a:p>
+            <a:pPr algn="ctr">
+              <a:lnSpc>
+                <a:spcPct val="300000"/>
+              </a:lnSpc>
+            </a:pPr>
+            <a:r>
+              <a:rPr lang="fr-FR" b="1" dirty="0">
+                <a:latin typeface="Arial" panose="020B0604020202020204" pitchFamily="34" charset="0"/>
+                <a:cs typeface="Arial" panose="020B0604020202020204" pitchFamily="34" charset="0"/>
+                <a:hlinkClick r:id="rId2"/>
+              </a:rPr>
+              <a:t>http://etetoolkit.org/treeview/</a:t>
+            </a:r>
+            <a:endParaRPr lang="fr-FR" b="1" dirty="0">
+              <a:latin typeface="Arial" panose="020B0604020202020204" pitchFamily="34" charset="0"/>
+              <a:cs typeface="Arial" panose="020B0604020202020204" pitchFamily="34" charset="0"/>
+            </a:endParaRPr>
+          </a:p>
+          <a:p>
+            <a:pPr algn="ctr">
+              <a:lnSpc>
+                <a:spcPct val="300000"/>
+              </a:lnSpc>
+            </a:pPr>
+            <a:r>
+              <a:rPr lang="fr-FR" b="1" dirty="0">
+                <a:latin typeface="Arial" panose="020B0604020202020204" pitchFamily="34" charset="0"/>
+                <a:cs typeface="Arial" panose="020B0604020202020204" pitchFamily="34" charset="0"/>
+                <a:hlinkClick r:id="rId3"/>
+              </a:rPr>
+              <a:t>http://tree.bio.ed.ac.uk/software/figtree/</a:t>
+            </a:r>
+            <a:endParaRPr lang="fr-FR" b="1" dirty="0">
+              <a:latin typeface="Arial" panose="020B0604020202020204" pitchFamily="34" charset="0"/>
+              <a:cs typeface="Arial" panose="020B0604020202020204" pitchFamily="34" charset="0"/>
+            </a:endParaRPr>
+          </a:p>
+          <a:p>
+            <a:pPr algn="ctr">
+              <a:lnSpc>
+                <a:spcPct val="300000"/>
+              </a:lnSpc>
+            </a:pPr>
+            <a:r>
+              <a:rPr lang="fr-FR" b="1" dirty="0">
+                <a:latin typeface="Arial" panose="020B0604020202020204" pitchFamily="34" charset="0"/>
+                <a:cs typeface="Arial" panose="020B0604020202020204" pitchFamily="34" charset="0"/>
+                <a:hlinkClick r:id="rId4"/>
+              </a:rPr>
+              <a:t>https://itol.embl.de/</a:t>
+            </a:r>
+            <a:endParaRPr lang="fr-FR" b="1" dirty="0">
+              <a:latin typeface="Arial" panose="020B0604020202020204" pitchFamily="34" charset="0"/>
+              <a:cs typeface="Arial" panose="020B0604020202020204" pitchFamily="34" charset="0"/>
+            </a:endParaRPr>
+          </a:p>
+          <a:p>
+            <a:pPr algn="ctr">
+              <a:lnSpc>
+                <a:spcPct val="300000"/>
+              </a:lnSpc>
+            </a:pPr>
+            <a:r>
+              <a:rPr lang="fr-FR" b="1" dirty="0">
+                <a:latin typeface="Arial" panose="020B0604020202020204" pitchFamily="34" charset="0"/>
+                <a:cs typeface="Arial" panose="020B0604020202020204" pitchFamily="34" charset="0"/>
+                <a:hlinkClick r:id="rId5"/>
+              </a:rPr>
+              <a:t>http://evolgenius.info/index.html#/</a:t>
+            </a:r>
+            <a:endParaRPr lang="fr-FR" b="1" dirty="0">
+              <a:latin typeface="Arial" panose="020B0604020202020204" pitchFamily="34" charset="0"/>
+              <a:cs typeface="Arial" panose="020B0604020202020204" pitchFamily="34" charset="0"/>
+            </a:endParaRPr>
+          </a:p>
+          <a:p>
+            <a:pPr algn="ctr">
+              <a:lnSpc>
+                <a:spcPct val="300000"/>
+              </a:lnSpc>
+            </a:pPr>
+            <a:endParaRPr lang="fr-FR" b="1" dirty="0">
+              <a:latin typeface="Arial" panose="020B0604020202020204" pitchFamily="34" charset="0"/>
+              <a:cs typeface="Arial" panose="020B0604020202020204" pitchFamily="34" charset="0"/>
+            </a:endParaRPr>
+          </a:p>
+          <a:p>
+            <a:pPr algn="ctr">
+              <a:lnSpc>
+                <a:spcPct val="300000"/>
+              </a:lnSpc>
+            </a:pPr>
+            <a:endParaRPr lang="fr-FR" b="1" dirty="0">
+              <a:latin typeface="Arial" panose="020B0604020202020204" pitchFamily="34" charset="0"/>
+              <a:cs typeface="Arial" panose="020B0604020202020204" pitchFamily="34" charset="0"/>
+            </a:endParaRPr>
+          </a:p>
+        </p:txBody>
+      </p:sp>
+      <p:sp>
+        <p:nvSpPr>
+          <p:cNvPr id="5" name="Title 1">
+            <a:extLst>
+              <a:ext uri="{FF2B5EF4-FFF2-40B4-BE49-F238E27FC236}">
+                <a16:creationId xmlns:a16="http://schemas.microsoft.com/office/drawing/2014/main" id="{7A3FDA2C-BF69-4F4F-ABB0-2AA1B73C1C43}"/>
+              </a:ext>
+            </a:extLst>
+          </p:cNvPr>
+          <p:cNvSpPr>
+            <a:spLocks noGrp="1"/>
+          </p:cNvSpPr>
+          <p:nvPr>
+            <p:ph type="title"/>
+          </p:nvPr>
+        </p:nvSpPr>
+        <p:spPr>
+          <a:xfrm>
+            <a:off x="489076" y="83671"/>
+            <a:ext cx="8596668" cy="1320800"/>
+          </a:xfrm>
+        </p:spPr>
+        <p:txBody>
+          <a:bodyPr/>
+          <a:lstStyle/>
+          <a:p>
+            <a:r>
+              <a:rPr lang="en-US" dirty="0"/>
+              <a:t>Bonus</a:t>
+            </a:r>
+          </a:p>
+        </p:txBody>
+      </p:sp>
+    </p:spTree>
+    <p:extLst>
+      <p:ext uri="{BB962C8B-B14F-4D97-AF65-F5344CB8AC3E}">
+        <p14:creationId xmlns:p14="http://schemas.microsoft.com/office/powerpoint/2010/main" val="385529783"/>
+      </p:ext>
+    </p:extLst>
+  </p:cSld>
+  <p:clrMapOvr>
+    <a:masterClrMapping/>
+  </p:clrMapOvr>
+</p:sld>
+</file>
+
+<file path=ppt/slides/slide26.xml><?xml version="1.0" encoding="utf-8"?>
+<p:sld xmlns:a="http://schemas.openxmlformats.org/drawingml/2006/main" xmlns:r="http://schemas.openxmlformats.org/officeDocument/2006/relationships" xmlns:p="http://schemas.openxmlformats.org/presentationml/2006/main">
+  <p:cSld>
+    <p:spTree>
+      <p:nvGrpSpPr>
+        <p:cNvPr id="1" name=""/>
+        <p:cNvGrpSpPr/>
+        <p:nvPr/>
+      </p:nvGrpSpPr>
+      <p:grpSpPr>
+        <a:xfrm>
+          <a:off x="0" y="0"/>
+          <a:ext cx="0" cy="0"/>
+          <a:chOff x="0" y="0"/>
+          <a:chExt cx="0" cy="0"/>
+        </a:xfrm>
+      </p:grpSpPr>
+      <p:sp>
+        <p:nvSpPr>
+          <p:cNvPr id="2" name="Title 1">
+            <a:extLst>
+              <a:ext uri="{FF2B5EF4-FFF2-40B4-BE49-F238E27FC236}">
+                <a16:creationId xmlns:a16="http://schemas.microsoft.com/office/drawing/2014/main" id="{40D8FF75-5149-4BE5-9C68-0EBB9D8C63A5}"/>
+              </a:ext>
+            </a:extLst>
+          </p:cNvPr>
+          <p:cNvSpPr>
+            <a:spLocks noGrp="1"/>
+          </p:cNvSpPr>
+          <p:nvPr>
+            <p:ph type="title"/>
+          </p:nvPr>
+        </p:nvSpPr>
+        <p:spPr/>
+        <p:txBody>
+          <a:bodyPr/>
+          <a:lstStyle/>
+          <a:p>
+            <a:r>
+              <a:rPr lang="en-US" dirty="0">
+                <a:cs typeface="Arial" panose="020B0604020202020204" pitchFamily="34" charset="0"/>
+              </a:rPr>
+              <a:t>Study case</a:t>
+            </a:r>
+          </a:p>
+        </p:txBody>
+      </p:sp>
+      <p:sp>
+        <p:nvSpPr>
+          <p:cNvPr id="3" name="Content Placeholder 2">
+            <a:extLst>
+              <a:ext uri="{FF2B5EF4-FFF2-40B4-BE49-F238E27FC236}">
+                <a16:creationId xmlns:a16="http://schemas.microsoft.com/office/drawing/2014/main" id="{776D2769-0205-4DF5-A9CD-319D67C41B00}"/>
+              </a:ext>
+            </a:extLst>
+          </p:cNvPr>
+          <p:cNvSpPr>
+            <a:spLocks noGrp="1"/>
+          </p:cNvSpPr>
+          <p:nvPr>
+            <p:ph idx="1"/>
+          </p:nvPr>
+        </p:nvSpPr>
+        <p:spPr/>
+        <p:txBody>
+          <a:bodyPr>
+            <a:normAutofit/>
+          </a:bodyPr>
+          <a:lstStyle/>
+          <a:p>
+            <a:pPr marL="0" indent="0">
+              <a:lnSpc>
+                <a:spcPct val="200000"/>
+              </a:lnSpc>
+              <a:buNone/>
+            </a:pPr>
+            <a:endParaRPr lang="en-US" dirty="0">
+              <a:latin typeface="Arial" panose="020B0604020202020204" pitchFamily="34" charset="0"/>
+              <a:cs typeface="Arial" panose="020B0604020202020204" pitchFamily="34" charset="0"/>
+            </a:endParaRPr>
+          </a:p>
+          <a:p>
+            <a:pPr>
+              <a:lnSpc>
+                <a:spcPct val="200000"/>
+              </a:lnSpc>
+            </a:pPr>
+            <a:endParaRPr lang="en-US" dirty="0">
+              <a:latin typeface="Arial" panose="020B0604020202020204" pitchFamily="34" charset="0"/>
+              <a:cs typeface="Arial" panose="020B0604020202020204" pitchFamily="34" charset="0"/>
+            </a:endParaRPr>
+          </a:p>
+          <a:p>
+            <a:pPr>
+              <a:lnSpc>
+                <a:spcPct val="200000"/>
+              </a:lnSpc>
+            </a:pPr>
+            <a:r>
+              <a:rPr lang="en-US" dirty="0">
+                <a:latin typeface="+mj-lt"/>
+                <a:cs typeface="Arial" panose="020B0604020202020204" pitchFamily="34" charset="0"/>
+                <a:hlinkClick r:id="rId2"/>
+              </a:rPr>
+              <a:t>https://www.tandfonline.com/doi/full/10.1080/03235408.2021.2019990</a:t>
+            </a:r>
+            <a:endParaRPr lang="en-US" dirty="0">
+              <a:latin typeface="+mj-lt"/>
+              <a:cs typeface="Arial" panose="020B0604020202020204" pitchFamily="34" charset="0"/>
+            </a:endParaRPr>
+          </a:p>
+          <a:p>
+            <a:pPr>
+              <a:lnSpc>
+                <a:spcPct val="200000"/>
+              </a:lnSpc>
+            </a:pPr>
+            <a:r>
+              <a:rPr lang="en-US" dirty="0">
+                <a:latin typeface="Arial" panose="020B0604020202020204" pitchFamily="34" charset="0"/>
+                <a:cs typeface="Arial" panose="020B0604020202020204" pitchFamily="34" charset="0"/>
+              </a:rPr>
+              <a:t>Grab the PDF here &gt;&gt; </a:t>
+            </a:r>
+            <a:r>
+              <a:rPr lang="en-US" b="1" dirty="0">
+                <a:latin typeface="+mj-lt"/>
+                <a:cs typeface="Arial" panose="020B0604020202020204" pitchFamily="34" charset="0"/>
+              </a:rPr>
+              <a:t>https://github.com/Yedomon/GBioS_Training_Genomics_Plant_Breeding_2024/blob/main/Section04/Article.pdf</a:t>
+            </a:r>
+          </a:p>
+        </p:txBody>
+      </p:sp>
+      <p:sp>
+        <p:nvSpPr>
+          <p:cNvPr id="4" name="Slide Number Placeholder 3">
+            <a:extLst>
+              <a:ext uri="{FF2B5EF4-FFF2-40B4-BE49-F238E27FC236}">
+                <a16:creationId xmlns:a16="http://schemas.microsoft.com/office/drawing/2014/main" id="{8461DCF3-ED9B-453F-B18C-509ACFCB8CB7}"/>
+              </a:ext>
+            </a:extLst>
+          </p:cNvPr>
+          <p:cNvSpPr>
+            <a:spLocks noGrp="1"/>
+          </p:cNvSpPr>
+          <p:nvPr>
+            <p:ph type="sldNum" sz="quarter" idx="12"/>
+          </p:nvPr>
+        </p:nvSpPr>
+        <p:spPr/>
+        <p:txBody>
+          <a:bodyPr/>
+          <a:lstStyle/>
+          <a:p>
+            <a:fld id="{5E2D43C8-FCB2-4CFF-B706-7EDFCF5B6158}" type="slidenum">
+              <a:rPr lang="ko-KR" altLang="en-US" smtClean="0">
+                <a:latin typeface="Arial" panose="020B0604020202020204" pitchFamily="34" charset="0"/>
+                <a:cs typeface="Arial" panose="020B0604020202020204" pitchFamily="34" charset="0"/>
+              </a:rPr>
+              <a:pPr/>
+              <a:t>26</a:t>
+            </a:fld>
+            <a:endParaRPr lang="ko-KR" altLang="en-US">
+              <a:latin typeface="Arial" panose="020B0604020202020204" pitchFamily="34" charset="0"/>
+              <a:cs typeface="Arial" panose="020B0604020202020204" pitchFamily="34" charset="0"/>
+            </a:endParaRPr>
+          </a:p>
+        </p:txBody>
+      </p:sp>
+      <p:pic>
+        <p:nvPicPr>
+          <p:cNvPr id="6" name="Picture 5">
+            <a:extLst>
+              <a:ext uri="{FF2B5EF4-FFF2-40B4-BE49-F238E27FC236}">
+                <a16:creationId xmlns:a16="http://schemas.microsoft.com/office/drawing/2014/main" id="{1A3487C0-5639-464D-9713-DB00001B790C}"/>
+              </a:ext>
+            </a:extLst>
+          </p:cNvPr>
+          <p:cNvPicPr>
+            <a:picLocks noChangeAspect="1"/>
+          </p:cNvPicPr>
+          <p:nvPr/>
+        </p:nvPicPr>
+        <p:blipFill rotWithShape="1">
+          <a:blip r:embed="rId3"/>
+          <a:srcRect t="39333" r="1750" b="26667"/>
+          <a:stretch/>
+        </p:blipFill>
+        <p:spPr>
+          <a:xfrm>
+            <a:off x="803508" y="1622410"/>
+            <a:ext cx="8488680" cy="1652377"/>
+          </a:xfrm>
+          <a:prstGeom prst="rect">
+            <a:avLst/>
+          </a:prstGeom>
+        </p:spPr>
+      </p:pic>
+    </p:spTree>
+    <p:extLst>
+      <p:ext uri="{BB962C8B-B14F-4D97-AF65-F5344CB8AC3E}">
+        <p14:creationId xmlns:p14="http://schemas.microsoft.com/office/powerpoint/2010/main" val="3205743350"/>
+      </p:ext>
+    </p:extLst>
+  </p:cSld>
+  <p:clrMapOvr>
+    <a:masterClrMapping/>
+  </p:clrMapOvr>
+</p:sld>
+</file>
+
+<file path=ppt/slides/slide27.xml><?xml version="1.0" encoding="utf-8"?>
+<p:sld xmlns:a="http://schemas.openxmlformats.org/drawingml/2006/main" xmlns:r="http://schemas.openxmlformats.org/officeDocument/2006/relationships" xmlns:p="http://schemas.openxmlformats.org/presentationml/2006/main">
+  <p:cSld>
+    <p:spTree>
+      <p:nvGrpSpPr>
+        <p:cNvPr id="1" name=""/>
+        <p:cNvGrpSpPr/>
+        <p:nvPr/>
+      </p:nvGrpSpPr>
+      <p:grpSpPr>
+        <a:xfrm>
+          <a:off x="0" y="0"/>
+          <a:ext cx="0" cy="0"/>
+          <a:chOff x="0" y="0"/>
+          <a:chExt cx="0" cy="0"/>
+        </a:xfrm>
+      </p:grpSpPr>
+      <p:sp>
+        <p:nvSpPr>
+          <p:cNvPr id="2" name="Title 1">
+            <a:extLst>
+              <a:ext uri="{FF2B5EF4-FFF2-40B4-BE49-F238E27FC236}">
+                <a16:creationId xmlns:a16="http://schemas.microsoft.com/office/drawing/2014/main" id="{40D8FF75-5149-4BE5-9C68-0EBB9D8C63A5}"/>
+              </a:ext>
+            </a:extLst>
+          </p:cNvPr>
+          <p:cNvSpPr>
+            <a:spLocks noGrp="1"/>
+          </p:cNvSpPr>
+          <p:nvPr>
+            <p:ph type="title"/>
+          </p:nvPr>
+        </p:nvSpPr>
+        <p:spPr/>
+        <p:txBody>
+          <a:bodyPr/>
+          <a:lstStyle/>
+          <a:p>
+            <a:r>
+              <a:rPr lang="en-US" dirty="0">
+                <a:cs typeface="Arial" panose="020B0604020202020204" pitchFamily="34" charset="0"/>
+              </a:rPr>
+              <a:t>Study case</a:t>
+            </a:r>
+          </a:p>
+        </p:txBody>
+      </p:sp>
+      <p:sp>
+        <p:nvSpPr>
+          <p:cNvPr id="4" name="Slide Number Placeholder 3">
+            <a:extLst>
+              <a:ext uri="{FF2B5EF4-FFF2-40B4-BE49-F238E27FC236}">
+                <a16:creationId xmlns:a16="http://schemas.microsoft.com/office/drawing/2014/main" id="{8461DCF3-ED9B-453F-B18C-509ACFCB8CB7}"/>
+              </a:ext>
+            </a:extLst>
+          </p:cNvPr>
+          <p:cNvSpPr>
+            <a:spLocks noGrp="1"/>
+          </p:cNvSpPr>
+          <p:nvPr>
+            <p:ph type="sldNum" sz="quarter" idx="12"/>
+          </p:nvPr>
+        </p:nvSpPr>
+        <p:spPr/>
+        <p:txBody>
+          <a:bodyPr/>
+          <a:lstStyle/>
+          <a:p>
+            <a:fld id="{5E2D43C8-FCB2-4CFF-B706-7EDFCF5B6158}" type="slidenum">
+              <a:rPr lang="ko-KR" altLang="en-US" smtClean="0">
+                <a:latin typeface="+mj-lt"/>
+                <a:cs typeface="Arial" panose="020B0604020202020204" pitchFamily="34" charset="0"/>
+              </a:rPr>
+              <a:pPr/>
+              <a:t>27</a:t>
+            </a:fld>
+            <a:endParaRPr lang="ko-KR" altLang="en-US">
+              <a:latin typeface="+mj-lt"/>
+              <a:cs typeface="Arial" panose="020B0604020202020204" pitchFamily="34" charset="0"/>
+            </a:endParaRPr>
+          </a:p>
+        </p:txBody>
+      </p:sp>
+      <p:sp>
+        <p:nvSpPr>
+          <p:cNvPr id="8" name="TextBox 7">
+            <a:extLst>
+              <a:ext uri="{FF2B5EF4-FFF2-40B4-BE49-F238E27FC236}">
+                <a16:creationId xmlns:a16="http://schemas.microsoft.com/office/drawing/2014/main" id="{7438652D-2551-4275-A2FA-71A997018653}"/>
+              </a:ext>
+            </a:extLst>
+          </p:cNvPr>
+          <p:cNvSpPr txBox="1"/>
+          <p:nvPr/>
+        </p:nvSpPr>
+        <p:spPr>
+          <a:xfrm>
+            <a:off x="838200" y="1735098"/>
+            <a:ext cx="9494520" cy="3434273"/>
+          </a:xfrm>
+          <a:prstGeom prst="rect">
+            <a:avLst/>
+          </a:prstGeom>
+          <a:noFill/>
+        </p:spPr>
+        <p:txBody>
+          <a:bodyPr wrap="square" rtlCol="0">
+            <a:spAutoFit/>
+          </a:bodyPr>
+          <a:lstStyle/>
+          <a:p>
+            <a:pPr marL="285750" indent="-285750">
+              <a:lnSpc>
+                <a:spcPct val="250000"/>
+              </a:lnSpc>
+              <a:buFont typeface="Arial" panose="020B0604020202020204" pitchFamily="34" charset="0"/>
+              <a:buChar char="•"/>
+            </a:pPr>
+            <a:r>
+              <a:rPr lang="en-US" b="1" dirty="0">
+                <a:latin typeface="+mj-lt"/>
+                <a:cs typeface="Arial" panose="020B0604020202020204" pitchFamily="34" charset="0"/>
+              </a:rPr>
+              <a:t>Grab the sequence MT408911</a:t>
+            </a:r>
+          </a:p>
+          <a:p>
+            <a:pPr marL="285750" indent="-285750">
+              <a:lnSpc>
+                <a:spcPct val="250000"/>
+              </a:lnSpc>
+              <a:buFont typeface="Arial" panose="020B0604020202020204" pitchFamily="34" charset="0"/>
+              <a:buChar char="•"/>
+            </a:pPr>
+            <a:r>
+              <a:rPr lang="en-US" b="1" dirty="0">
+                <a:latin typeface="+mj-lt"/>
+                <a:cs typeface="Arial" panose="020B0604020202020204" pitchFamily="34" charset="0"/>
+              </a:rPr>
+              <a:t>Look for similar sequences in NCBI</a:t>
+            </a:r>
+          </a:p>
+          <a:p>
+            <a:pPr marL="285750" indent="-285750">
+              <a:lnSpc>
+                <a:spcPct val="250000"/>
+              </a:lnSpc>
+              <a:buFont typeface="Arial" panose="020B0604020202020204" pitchFamily="34" charset="0"/>
+              <a:buChar char="•"/>
+            </a:pPr>
+            <a:r>
+              <a:rPr lang="en-US" b="1" dirty="0">
+                <a:latin typeface="+mj-lt"/>
+                <a:cs typeface="Arial" panose="020B0604020202020204" pitchFamily="34" charset="0"/>
+              </a:rPr>
+              <a:t>Do the MSA</a:t>
+            </a:r>
+          </a:p>
+          <a:p>
+            <a:pPr marL="285750" indent="-285750">
+              <a:lnSpc>
+                <a:spcPct val="250000"/>
+              </a:lnSpc>
+              <a:buFont typeface="Arial" panose="020B0604020202020204" pitchFamily="34" charset="0"/>
+              <a:buChar char="•"/>
+            </a:pPr>
+            <a:r>
+              <a:rPr lang="en-US" b="1" dirty="0">
+                <a:latin typeface="+mj-lt"/>
+                <a:cs typeface="Arial" panose="020B0604020202020204" pitchFamily="34" charset="0"/>
+              </a:rPr>
+              <a:t>Do the tree</a:t>
+            </a:r>
+          </a:p>
+          <a:p>
+            <a:pPr marL="285750" indent="-285750">
+              <a:lnSpc>
+                <a:spcPct val="250000"/>
+              </a:lnSpc>
+              <a:buFont typeface="Arial" panose="020B0604020202020204" pitchFamily="34" charset="0"/>
+              <a:buChar char="•"/>
+            </a:pPr>
+            <a:r>
+              <a:rPr lang="en-US" b="1" dirty="0">
+                <a:latin typeface="+mj-lt"/>
+                <a:cs typeface="Arial" panose="020B0604020202020204" pitchFamily="34" charset="0"/>
+              </a:rPr>
+              <a:t>Visualize the tree</a:t>
+            </a:r>
+          </a:p>
+        </p:txBody>
+      </p:sp>
+      <p:sp>
+        <p:nvSpPr>
+          <p:cNvPr id="6" name="TextBox 5">
+            <a:extLst>
+              <a:ext uri="{FF2B5EF4-FFF2-40B4-BE49-F238E27FC236}">
+                <a16:creationId xmlns:a16="http://schemas.microsoft.com/office/drawing/2014/main" id="{C8D121DC-FA1F-4871-A0A9-854B05A1C69A}"/>
+              </a:ext>
+            </a:extLst>
+          </p:cNvPr>
+          <p:cNvSpPr txBox="1"/>
+          <p:nvPr/>
+        </p:nvSpPr>
+        <p:spPr>
+          <a:xfrm>
+            <a:off x="5871882" y="913834"/>
+            <a:ext cx="6096000" cy="5442516"/>
+          </a:xfrm>
+          <a:prstGeom prst="rect">
+            <a:avLst/>
+          </a:prstGeom>
+          <a:noFill/>
+        </p:spPr>
+        <p:txBody>
+          <a:bodyPr wrap="square">
+            <a:spAutoFit/>
+          </a:bodyPr>
+          <a:lstStyle/>
+          <a:p>
+            <a:pPr>
+              <a:lnSpc>
+                <a:spcPct val="150000"/>
+              </a:lnSpc>
+            </a:pPr>
+            <a:r>
+              <a:rPr lang="en-US" dirty="0">
+                <a:latin typeface="+mj-lt"/>
+                <a:cs typeface="Arial" panose="020B0604020202020204" pitchFamily="34" charset="0"/>
+              </a:rPr>
+              <a:t>&gt;FR671158.1</a:t>
+            </a:r>
+          </a:p>
+          <a:p>
+            <a:pPr>
+              <a:lnSpc>
+                <a:spcPct val="150000"/>
+              </a:lnSpc>
+            </a:pPr>
+            <a:r>
+              <a:rPr lang="en-US" dirty="0">
+                <a:latin typeface="+mj-lt"/>
+                <a:cs typeface="Arial" panose="020B0604020202020204" pitchFamily="34" charset="0"/>
+              </a:rPr>
+              <a:t>&gt;HQ671187.1</a:t>
+            </a:r>
+          </a:p>
+          <a:p>
+            <a:pPr>
+              <a:lnSpc>
+                <a:spcPct val="150000"/>
+              </a:lnSpc>
+            </a:pPr>
+            <a:r>
+              <a:rPr lang="en-US" dirty="0">
+                <a:latin typeface="+mj-lt"/>
+                <a:cs typeface="Arial" panose="020B0604020202020204" pitchFamily="34" charset="0"/>
+              </a:rPr>
+              <a:t>&gt;HQ696878.1</a:t>
+            </a:r>
+          </a:p>
+          <a:p>
+            <a:pPr>
+              <a:lnSpc>
+                <a:spcPct val="150000"/>
+              </a:lnSpc>
+            </a:pPr>
+            <a:r>
+              <a:rPr lang="en-US" dirty="0">
+                <a:latin typeface="+mj-lt"/>
+                <a:cs typeface="Arial" panose="020B0604020202020204" pitchFamily="34" charset="0"/>
+              </a:rPr>
+              <a:t>&gt;JK747246.1</a:t>
+            </a:r>
+          </a:p>
+          <a:p>
+            <a:pPr>
+              <a:lnSpc>
+                <a:spcPct val="150000"/>
+              </a:lnSpc>
+            </a:pPr>
+            <a:r>
+              <a:rPr lang="en-US" dirty="0">
+                <a:latin typeface="+mj-lt"/>
+                <a:cs typeface="Arial" panose="020B0604020202020204" pitchFamily="34" charset="0"/>
+              </a:rPr>
+              <a:t>&gt;JX003859.1</a:t>
+            </a:r>
+          </a:p>
+          <a:p>
+            <a:pPr>
+              <a:lnSpc>
+                <a:spcPct val="150000"/>
+              </a:lnSpc>
+            </a:pPr>
+            <a:r>
+              <a:rPr lang="en-US" dirty="0">
+                <a:latin typeface="+mj-lt"/>
+                <a:cs typeface="Arial" panose="020B0604020202020204" pitchFamily="34" charset="0"/>
+              </a:rPr>
+              <a:t>&gt;KJ584541.1</a:t>
+            </a:r>
+          </a:p>
+          <a:p>
+            <a:pPr>
+              <a:lnSpc>
+                <a:spcPct val="150000"/>
+              </a:lnSpc>
+            </a:pPr>
+            <a:r>
+              <a:rPr lang="en-US" dirty="0">
+                <a:latin typeface="+mj-lt"/>
+                <a:cs typeface="Arial" panose="020B0604020202020204" pitchFamily="34" charset="0"/>
+              </a:rPr>
+              <a:t>&gt;KX463025.1</a:t>
+            </a:r>
+          </a:p>
+          <a:p>
+            <a:pPr>
+              <a:lnSpc>
+                <a:spcPct val="150000"/>
+              </a:lnSpc>
+            </a:pPr>
+            <a:r>
+              <a:rPr lang="en-US" dirty="0">
+                <a:latin typeface="+mj-lt"/>
+                <a:cs typeface="Arial" panose="020B0604020202020204" pitchFamily="34" charset="0"/>
+              </a:rPr>
+              <a:t>&gt;KX463032.1</a:t>
+            </a:r>
+          </a:p>
+          <a:p>
+            <a:pPr>
+              <a:lnSpc>
+                <a:spcPct val="150000"/>
+              </a:lnSpc>
+            </a:pPr>
+            <a:r>
+              <a:rPr lang="en-US" dirty="0">
+                <a:latin typeface="+mj-lt"/>
+                <a:cs typeface="Arial" panose="020B0604020202020204" pitchFamily="34" charset="0"/>
+              </a:rPr>
+              <a:t>&gt;MG734215.1</a:t>
+            </a:r>
+          </a:p>
+          <a:p>
+            <a:pPr>
+              <a:lnSpc>
+                <a:spcPct val="150000"/>
+              </a:lnSpc>
+            </a:pPr>
+            <a:r>
+              <a:rPr lang="en-US" dirty="0">
+                <a:latin typeface="+mj-lt"/>
+                <a:cs typeface="Arial" panose="020B0604020202020204" pitchFamily="34" charset="0"/>
+              </a:rPr>
+              <a:t>&gt;MG938643.1</a:t>
+            </a:r>
+          </a:p>
+          <a:p>
+            <a:pPr>
+              <a:lnSpc>
+                <a:spcPct val="150000"/>
+              </a:lnSpc>
+            </a:pPr>
+            <a:r>
+              <a:rPr lang="en-US" dirty="0">
+                <a:latin typeface="+mj-lt"/>
+                <a:cs typeface="Arial" panose="020B0604020202020204" pitchFamily="34" charset="0"/>
+              </a:rPr>
+              <a:t>&gt;MT196795.1</a:t>
+            </a:r>
+          </a:p>
+          <a:p>
+            <a:pPr>
+              <a:lnSpc>
+                <a:spcPct val="150000"/>
+              </a:lnSpc>
+            </a:pPr>
+            <a:r>
+              <a:rPr lang="en-US" dirty="0">
+                <a:latin typeface="+mj-lt"/>
+                <a:cs typeface="Arial" panose="020B0604020202020204" pitchFamily="34" charset="0"/>
+              </a:rPr>
+              <a:t>&gt;MT408911.1</a:t>
+            </a:r>
+          </a:p>
+          <a:p>
+            <a:pPr>
+              <a:lnSpc>
+                <a:spcPct val="150000"/>
+              </a:lnSpc>
+            </a:pPr>
+            <a:r>
+              <a:rPr lang="en-US" dirty="0">
+                <a:latin typeface="+mj-lt"/>
+                <a:cs typeface="Arial" panose="020B0604020202020204" pitchFamily="34" charset="0"/>
+              </a:rPr>
+              <a:t>&gt;MT447505.1</a:t>
+            </a:r>
+          </a:p>
+        </p:txBody>
+      </p:sp>
+    </p:spTree>
+    <p:extLst>
+      <p:ext uri="{BB962C8B-B14F-4D97-AF65-F5344CB8AC3E}">
+        <p14:creationId xmlns:p14="http://schemas.microsoft.com/office/powerpoint/2010/main" val="1789403071"/>
+      </p:ext>
+    </p:extLst>
+  </p:cSld>
+  <p:clrMapOvr>
+    <a:masterClrMapping/>
+  </p:clrMapOvr>
+</p:sld>
+</file>
+
+<file path=ppt/slides/slide28.xml><?xml version="1.0" encoding="utf-8"?>
+<p:sld xmlns:a="http://schemas.openxmlformats.org/drawingml/2006/main" xmlns:r="http://schemas.openxmlformats.org/officeDocument/2006/relationships" xmlns:p="http://schemas.openxmlformats.org/presentationml/2006/main">
+  <p:cSld>
+    <p:spTree>
+      <p:nvGrpSpPr>
+        <p:cNvPr id="1" name=""/>
+        <p:cNvGrpSpPr/>
+        <p:nvPr/>
+      </p:nvGrpSpPr>
+      <p:grpSpPr>
+        <a:xfrm>
+          <a:off x="0" y="0"/>
+          <a:ext cx="0" cy="0"/>
+          <a:chOff x="0" y="0"/>
+          <a:chExt cx="0" cy="0"/>
+        </a:xfrm>
+      </p:grpSpPr>
+      <p:sp>
+        <p:nvSpPr>
+          <p:cNvPr id="2" name="Title 1">
+            <a:extLst>
+              <a:ext uri="{FF2B5EF4-FFF2-40B4-BE49-F238E27FC236}">
+                <a16:creationId xmlns:a16="http://schemas.microsoft.com/office/drawing/2014/main" id="{CFCED11D-D092-4B85-AFDC-E1AA56D3D09A}"/>
+              </a:ext>
+            </a:extLst>
+          </p:cNvPr>
+          <p:cNvSpPr>
+            <a:spLocks noGrp="1"/>
+          </p:cNvSpPr>
+          <p:nvPr>
+            <p:ph type="title"/>
+          </p:nvPr>
+        </p:nvSpPr>
+        <p:spPr/>
+        <p:txBody>
+          <a:bodyPr/>
+          <a:lstStyle/>
+          <a:p>
+            <a:r>
+              <a:rPr lang="en-US" dirty="0">
+                <a:cs typeface="Arial" panose="020B0604020202020204" pitchFamily="34" charset="0"/>
+              </a:rPr>
+              <a:t>Additional resources</a:t>
+            </a:r>
+          </a:p>
+        </p:txBody>
+      </p:sp>
+      <p:sp>
+        <p:nvSpPr>
+          <p:cNvPr id="3" name="Content Placeholder 2">
+            <a:extLst>
+              <a:ext uri="{FF2B5EF4-FFF2-40B4-BE49-F238E27FC236}">
+                <a16:creationId xmlns:a16="http://schemas.microsoft.com/office/drawing/2014/main" id="{8EE74D0F-1B4B-4C27-A723-977ED6DC6E79}"/>
+              </a:ext>
+            </a:extLst>
+          </p:cNvPr>
+          <p:cNvSpPr>
+            <a:spLocks noGrp="1"/>
+          </p:cNvSpPr>
+          <p:nvPr>
+            <p:ph idx="1"/>
+          </p:nvPr>
+        </p:nvSpPr>
+        <p:spPr>
+          <a:xfrm>
+            <a:off x="838200" y="1825625"/>
+            <a:ext cx="11109960" cy="4351338"/>
+          </a:xfrm>
+        </p:spPr>
+        <p:txBody>
+          <a:bodyPr/>
+          <a:lstStyle/>
+          <a:p>
+            <a:pPr>
+              <a:lnSpc>
+                <a:spcPct val="200000"/>
+              </a:lnSpc>
+            </a:pPr>
+            <a:r>
+              <a:rPr lang="en-US" dirty="0">
+                <a:latin typeface="+mj-lt"/>
+                <a:cs typeface="Arial" panose="020B0604020202020204" pitchFamily="34" charset="0"/>
+              </a:rPr>
+              <a:t>MEGA  </a:t>
+            </a:r>
+            <a:r>
+              <a:rPr lang="en-US" dirty="0">
+                <a:latin typeface="+mj-lt"/>
+                <a:cs typeface="Arial" panose="020B0604020202020204" pitchFamily="34" charset="0"/>
+                <a:hlinkClick r:id="rId2"/>
+              </a:rPr>
+              <a:t>https://www.megasoftware.net/downloads/dload_win_gui</a:t>
+            </a:r>
+            <a:endParaRPr lang="en-US" dirty="0">
+              <a:latin typeface="+mj-lt"/>
+              <a:cs typeface="Arial" panose="020B0604020202020204" pitchFamily="34" charset="0"/>
+            </a:endParaRPr>
+          </a:p>
+          <a:p>
+            <a:pPr>
+              <a:lnSpc>
+                <a:spcPct val="200000"/>
+              </a:lnSpc>
+            </a:pPr>
+            <a:r>
+              <a:rPr lang="en-US" dirty="0" err="1">
+                <a:latin typeface="+mj-lt"/>
+                <a:cs typeface="Arial" panose="020B0604020202020204" pitchFamily="34" charset="0"/>
+              </a:rPr>
+              <a:t>PhyloSuite</a:t>
+            </a:r>
+            <a:r>
+              <a:rPr lang="en-US" dirty="0">
+                <a:latin typeface="+mj-lt"/>
+                <a:cs typeface="Arial" panose="020B0604020202020204" pitchFamily="34" charset="0"/>
+              </a:rPr>
+              <a:t> https://dongzhang0725.github.io/installation/</a:t>
+            </a:r>
+          </a:p>
+        </p:txBody>
+      </p:sp>
+      <p:sp>
+        <p:nvSpPr>
+          <p:cNvPr id="4" name="Slide Number Placeholder 3">
+            <a:extLst>
+              <a:ext uri="{FF2B5EF4-FFF2-40B4-BE49-F238E27FC236}">
+                <a16:creationId xmlns:a16="http://schemas.microsoft.com/office/drawing/2014/main" id="{2EE3FC3E-742E-4BA5-A58D-BED45FD9D578}"/>
+              </a:ext>
+            </a:extLst>
+          </p:cNvPr>
+          <p:cNvSpPr>
+            <a:spLocks noGrp="1"/>
+          </p:cNvSpPr>
+          <p:nvPr>
+            <p:ph type="sldNum" sz="quarter" idx="12"/>
+          </p:nvPr>
+        </p:nvSpPr>
+        <p:spPr/>
+        <p:txBody>
+          <a:bodyPr/>
+          <a:lstStyle/>
+          <a:p>
+            <a:fld id="{5E2D43C8-FCB2-4CFF-B706-7EDFCF5B6158}" type="slidenum">
+              <a:rPr lang="ko-KR" altLang="en-US" smtClean="0">
+                <a:latin typeface="+mj-lt"/>
+              </a:rPr>
+              <a:pPr/>
+              <a:t>28</a:t>
+            </a:fld>
+            <a:endParaRPr lang="ko-KR" altLang="en-US">
+              <a:latin typeface="+mj-lt"/>
+            </a:endParaRPr>
+          </a:p>
+        </p:txBody>
+      </p:sp>
+    </p:spTree>
+    <p:extLst>
+      <p:ext uri="{BB962C8B-B14F-4D97-AF65-F5344CB8AC3E}">
+        <p14:creationId xmlns:p14="http://schemas.microsoft.com/office/powerpoint/2010/main" val="3882942154"/>
+      </p:ext>
+    </p:extLst>
+  </p:cSld>
+  <p:clrMapOvr>
+    <a:masterClrMapping/>
+  </p:clrMapOvr>
+</p:sld>
+</file>
+
+<file path=ppt/slides/slide29.xml><?xml version="1.0" encoding="utf-8"?>
+<p:sld xmlns:a="http://schemas.openxmlformats.org/drawingml/2006/main" xmlns:r="http://schemas.openxmlformats.org/officeDocument/2006/relationships" xmlns:p="http://schemas.openxmlformats.org/presentationml/2006/main">
+  <p:cSld>
+    <p:spTree>
+      <p:nvGrpSpPr>
+        <p:cNvPr id="1" name=""/>
+        <p:cNvGrpSpPr/>
+        <p:nvPr/>
+      </p:nvGrpSpPr>
+      <p:grpSpPr>
+        <a:xfrm>
+          <a:off x="0" y="0"/>
+          <a:ext cx="0" cy="0"/>
+          <a:chOff x="0" y="0"/>
+          <a:chExt cx="0" cy="0"/>
+        </a:xfrm>
+      </p:grpSpPr>
+      <p:sp>
+        <p:nvSpPr>
+          <p:cNvPr id="2" name="Title 1">
+            <a:extLst>
+              <a:ext uri="{FF2B5EF4-FFF2-40B4-BE49-F238E27FC236}">
+                <a16:creationId xmlns:a16="http://schemas.microsoft.com/office/drawing/2014/main" id="{CFCED11D-D092-4B85-AFDC-E1AA56D3D09A}"/>
+              </a:ext>
+            </a:extLst>
+          </p:cNvPr>
+          <p:cNvSpPr>
+            <a:spLocks noGrp="1"/>
+          </p:cNvSpPr>
+          <p:nvPr>
+            <p:ph type="title"/>
+          </p:nvPr>
+        </p:nvSpPr>
+        <p:spPr>
+          <a:xfrm>
+            <a:off x="804334" y="3035300"/>
+            <a:ext cx="8596668" cy="1320800"/>
+          </a:xfrm>
+        </p:spPr>
+        <p:txBody>
+          <a:bodyPr>
+            <a:normAutofit/>
+          </a:bodyPr>
+          <a:lstStyle/>
+          <a:p>
+            <a:pPr algn="ctr"/>
+            <a:r>
+              <a:rPr lang="en-US" sz="6000" dirty="0">
+                <a:cs typeface="Arial" panose="020B0604020202020204" pitchFamily="34" charset="0"/>
+              </a:rPr>
+              <a:t>Thank you</a:t>
+            </a:r>
+          </a:p>
+        </p:txBody>
+      </p:sp>
+      <p:sp>
+        <p:nvSpPr>
+          <p:cNvPr id="4" name="Slide Number Placeholder 3">
+            <a:extLst>
+              <a:ext uri="{FF2B5EF4-FFF2-40B4-BE49-F238E27FC236}">
+                <a16:creationId xmlns:a16="http://schemas.microsoft.com/office/drawing/2014/main" id="{2EE3FC3E-742E-4BA5-A58D-BED45FD9D578}"/>
+              </a:ext>
+            </a:extLst>
+          </p:cNvPr>
+          <p:cNvSpPr>
+            <a:spLocks noGrp="1"/>
+          </p:cNvSpPr>
+          <p:nvPr>
+            <p:ph type="sldNum" sz="quarter" idx="12"/>
+          </p:nvPr>
+        </p:nvSpPr>
+        <p:spPr/>
+        <p:txBody>
+          <a:bodyPr/>
+          <a:lstStyle/>
+          <a:p>
+            <a:fld id="{5E2D43C8-FCB2-4CFF-B706-7EDFCF5B6158}" type="slidenum">
+              <a:rPr lang="ko-KR" altLang="en-US" smtClean="0">
+                <a:latin typeface="+mj-lt"/>
+              </a:rPr>
+              <a:pPr/>
+              <a:t>29</a:t>
+            </a:fld>
+            <a:endParaRPr lang="ko-KR" altLang="en-US">
+              <a:latin typeface="+mj-lt"/>
+            </a:endParaRPr>
+          </a:p>
+        </p:txBody>
+      </p:sp>
+    </p:spTree>
+    <p:extLst>
+      <p:ext uri="{BB962C8B-B14F-4D97-AF65-F5344CB8AC3E}">
+        <p14:creationId xmlns:p14="http://schemas.microsoft.com/office/powerpoint/2010/main" val="2648003477"/>
+      </p:ext>
+    </p:extLst>
+  </p:cSld>
+  <p:clrMapOvr>
+    <a:masterClrMapping/>
+  </p:clrMapOvr>
+</p:sld>
+</file>
+
+<file path=ppt/slides/slide3.xml><?xml version="1.0" encoding="utf-8"?>
+<p:sld xmlns:a="http://schemas.openxmlformats.org/drawingml/2006/main" xmlns:r="http://schemas.openxmlformats.org/officeDocument/2006/relationships" xmlns:p="http://schemas.openxmlformats.org/presentationml/2006/main">
+  <p:cSld>
+    <p:spTree>
+      <p:nvGrpSpPr>
+        <p:cNvPr id="1" name=""/>
+        <p:cNvGrpSpPr/>
+        <p:nvPr/>
+      </p:nvGrpSpPr>
+      <p:grpSpPr>
+        <a:xfrm>
+          <a:off x="0" y="0"/>
+          <a:ext cx="0" cy="0"/>
+          <a:chOff x="0" y="0"/>
+          <a:chExt cx="0" cy="0"/>
+        </a:xfrm>
+      </p:grpSpPr>
+      <p:sp>
+        <p:nvSpPr>
+          <p:cNvPr id="2" name="Title 1">
+            <a:extLst>
+              <a:ext uri="{FF2B5EF4-FFF2-40B4-BE49-F238E27FC236}">
+                <a16:creationId xmlns:a16="http://schemas.microsoft.com/office/drawing/2014/main" id="{E97DBC7D-4E9E-40DF-B0A6-4531C84B9B2E}"/>
+              </a:ext>
+            </a:extLst>
+          </p:cNvPr>
+          <p:cNvSpPr>
+            <a:spLocks noGrp="1"/>
+          </p:cNvSpPr>
+          <p:nvPr>
+            <p:ph type="title"/>
+          </p:nvPr>
+        </p:nvSpPr>
+        <p:spPr/>
+        <p:txBody>
+          <a:bodyPr/>
+          <a:lstStyle/>
+          <a:p>
+            <a:r>
+              <a:rPr lang="en-US" dirty="0"/>
+              <a:t>The Detective and the Sequence Vault</a:t>
+            </a:r>
+          </a:p>
+        </p:txBody>
+      </p:sp>
+      <p:sp>
+        <p:nvSpPr>
+          <p:cNvPr id="3" name="Content Placeholder 2">
+            <a:extLst>
+              <a:ext uri="{FF2B5EF4-FFF2-40B4-BE49-F238E27FC236}">
+                <a16:creationId xmlns:a16="http://schemas.microsoft.com/office/drawing/2014/main" id="{CDFC48E5-3A27-4676-A1E1-5FFBB64BFE0E}"/>
+              </a:ext>
+            </a:extLst>
+          </p:cNvPr>
+          <p:cNvSpPr>
+            <a:spLocks noGrp="1"/>
+          </p:cNvSpPr>
+          <p:nvPr>
+            <p:ph idx="1"/>
+          </p:nvPr>
+        </p:nvSpPr>
+        <p:spPr>
+          <a:xfrm>
+            <a:off x="677334" y="1709076"/>
+            <a:ext cx="8596668" cy="3880773"/>
+          </a:xfrm>
+        </p:spPr>
+        <p:txBody>
+          <a:bodyPr>
+            <a:normAutofit fontScale="85000" lnSpcReduction="10000"/>
+          </a:bodyPr>
+          <a:lstStyle/>
+          <a:p>
+            <a:pPr>
+              <a:lnSpc>
+                <a:spcPct val="210000"/>
+              </a:lnSpc>
+            </a:pPr>
+            <a:r>
+              <a:rPr lang="en-US" dirty="0"/>
+              <a:t>One day, a curious </a:t>
+            </a:r>
+            <a:r>
+              <a:rPr lang="en-US" b="1" dirty="0"/>
+              <a:t>detective</a:t>
+            </a:r>
+            <a:r>
+              <a:rPr lang="en-US" dirty="0"/>
+              <a:t> named Ange arrives at the Sequence Vault. Ange’s mission? To identify the origins of a mysterious scrap of paper with a peculiar sentence written on it:</a:t>
+            </a:r>
+            <a:br>
+              <a:rPr lang="en-US" dirty="0"/>
+            </a:br>
+            <a:r>
+              <a:rPr lang="en-US" i="1" dirty="0"/>
+              <a:t>"ACTGACGTAGC..."</a:t>
+            </a:r>
+            <a:endParaRPr lang="en-US" dirty="0"/>
+          </a:p>
+          <a:p>
+            <a:pPr>
+              <a:lnSpc>
+                <a:spcPct val="210000"/>
+              </a:lnSpc>
+            </a:pPr>
+            <a:r>
+              <a:rPr lang="en-US" dirty="0"/>
+              <a:t>Ange approaches the librarian, a wise AI named </a:t>
+            </a:r>
+            <a:r>
+              <a:rPr lang="en-US" b="1" dirty="0"/>
+              <a:t>Geneva</a:t>
+            </a:r>
+            <a:r>
+              <a:rPr lang="en-US" dirty="0"/>
+              <a:t>, and asks for help. Geneva smiles and says:</a:t>
+            </a:r>
+            <a:br>
+              <a:rPr lang="en-US" dirty="0"/>
+            </a:br>
+            <a:r>
+              <a:rPr lang="en-US" i="1" dirty="0"/>
+              <a:t>"This is a task for our Sequence Signature Database! It works like a fingerprint system for DNA."</a:t>
+            </a:r>
+            <a:endParaRPr lang="en-US" dirty="0"/>
+          </a:p>
+          <a:p>
+            <a:pPr marL="0" indent="0">
+              <a:buNone/>
+            </a:pPr>
+            <a:endParaRPr lang="en-US" dirty="0"/>
+          </a:p>
+        </p:txBody>
+      </p:sp>
+      <p:sp>
+        <p:nvSpPr>
+          <p:cNvPr id="4" name="Slide Number Placeholder 3">
+            <a:extLst>
+              <a:ext uri="{FF2B5EF4-FFF2-40B4-BE49-F238E27FC236}">
+                <a16:creationId xmlns:a16="http://schemas.microsoft.com/office/drawing/2014/main" id="{5931F5B9-69EA-493B-9E58-936D11E5D4B2}"/>
+              </a:ext>
+            </a:extLst>
+          </p:cNvPr>
+          <p:cNvSpPr>
+            <a:spLocks noGrp="1"/>
+          </p:cNvSpPr>
+          <p:nvPr>
+            <p:ph type="sldNum" sz="quarter" idx="12"/>
+          </p:nvPr>
+        </p:nvSpPr>
+        <p:spPr/>
+        <p:txBody>
+          <a:bodyPr/>
+          <a:lstStyle/>
+          <a:p>
+            <a:fld id="{5E2D43C8-FCB2-4CFF-B706-7EDFCF5B6158}" type="slidenum">
+              <a:rPr lang="ko-KR" altLang="en-US" smtClean="0"/>
+              <a:pPr/>
+              <a:t>3</a:t>
+            </a:fld>
+            <a:endParaRPr lang="ko-KR" altLang="en-US"/>
+          </a:p>
+        </p:txBody>
+      </p:sp>
+      <p:pic>
+        <p:nvPicPr>
+          <p:cNvPr id="1026" name="Picture 2" descr="a long row of books in a library">
+            <a:extLst>
+              <a:ext uri="{FF2B5EF4-FFF2-40B4-BE49-F238E27FC236}">
+                <a16:creationId xmlns:a16="http://schemas.microsoft.com/office/drawing/2014/main" id="{1B45ECA4-EE46-48EC-9010-C024CF8D2671}"/>
+              </a:ext>
+            </a:extLst>
+          </p:cNvPr>
+          <p:cNvPicPr>
+            <a:picLocks noChangeAspect="1" noChangeArrowheads="1"/>
+          </p:cNvPicPr>
+          <p:nvPr/>
+        </p:nvPicPr>
+        <p:blipFill>
+          <a:blip r:embed="rId2" cstate="print">
+            <a:extLst>
+              <a:ext uri="{28A0092B-C50C-407E-A947-70E740481C1C}">
+                <a14:useLocalDpi xmlns:a14="http://schemas.microsoft.com/office/drawing/2010/main" val="0"/>
+              </a:ext>
+            </a:extLst>
+          </a:blip>
+          <a:srcRect/>
+          <a:stretch>
+            <a:fillRect/>
+          </a:stretch>
+        </p:blipFill>
+        <p:spPr bwMode="auto">
+          <a:xfrm>
+            <a:off x="9370595" y="4937760"/>
+            <a:ext cx="2886146" cy="1920240"/>
+          </a:xfrm>
+          <a:prstGeom prst="rect">
+            <a:avLst/>
+          </a:prstGeom>
+          <a:noFill/>
+          <a:extLst>
+            <a:ext uri="{909E8E84-426E-40DD-AFC4-6F175D3DCCD1}">
+              <a14:hiddenFill xmlns:a14="http://schemas.microsoft.com/office/drawing/2010/main">
+                <a:solidFill>
+                  <a:srgbClr val="FFFFFF"/>
+                </a:solidFill>
+              </a14:hiddenFill>
+            </a:ext>
+          </a:extLst>
+        </p:spPr>
+      </p:pic>
+    </p:spTree>
+    <p:extLst>
+      <p:ext uri="{BB962C8B-B14F-4D97-AF65-F5344CB8AC3E}">
+        <p14:creationId xmlns:p14="http://schemas.microsoft.com/office/powerpoint/2010/main" val="2814774658"/>
+      </p:ext>
+    </p:extLst>
+  </p:cSld>
+  <p:clrMapOvr>
+    <a:masterClrMapping/>
+  </p:clrMapOvr>
+</p:sld>
+</file>
+
+<file path=ppt/slides/slide4.xml><?xml version="1.0" encoding="utf-8"?>
+<p:sld xmlns:a="http://schemas.openxmlformats.org/drawingml/2006/main" xmlns:r="http://schemas.openxmlformats.org/officeDocument/2006/relationships" xmlns:p="http://schemas.openxmlformats.org/presentationml/2006/main">
+  <p:cSld>
+    <p:spTree>
+      <p:nvGrpSpPr>
+        <p:cNvPr id="1" name=""/>
+        <p:cNvGrpSpPr/>
+        <p:nvPr/>
+      </p:nvGrpSpPr>
+      <p:grpSpPr>
+        <a:xfrm>
+          <a:off x="0" y="0"/>
+          <a:ext cx="0" cy="0"/>
+          <a:chOff x="0" y="0"/>
+          <a:chExt cx="0" cy="0"/>
+        </a:xfrm>
+      </p:grpSpPr>
+      <p:sp>
+        <p:nvSpPr>
+          <p:cNvPr id="2" name="Title 1">
+            <a:extLst>
+              <a:ext uri="{FF2B5EF4-FFF2-40B4-BE49-F238E27FC236}">
+                <a16:creationId xmlns:a16="http://schemas.microsoft.com/office/drawing/2014/main" id="{E97DBC7D-4E9E-40DF-B0A6-4531C84B9B2E}"/>
+              </a:ext>
+            </a:extLst>
+          </p:cNvPr>
+          <p:cNvSpPr>
+            <a:spLocks noGrp="1"/>
+          </p:cNvSpPr>
+          <p:nvPr>
+            <p:ph type="title"/>
+          </p:nvPr>
+        </p:nvSpPr>
+        <p:spPr/>
+        <p:txBody>
+          <a:bodyPr/>
+          <a:lstStyle/>
+          <a:p>
+            <a:r>
+              <a:rPr lang="en-US" dirty="0"/>
+              <a:t>How It Works: The Signature Shelves</a:t>
+            </a:r>
+          </a:p>
+        </p:txBody>
+      </p:sp>
+      <p:sp>
+        <p:nvSpPr>
+          <p:cNvPr id="3" name="Content Placeholder 2">
+            <a:extLst>
+              <a:ext uri="{FF2B5EF4-FFF2-40B4-BE49-F238E27FC236}">
+                <a16:creationId xmlns:a16="http://schemas.microsoft.com/office/drawing/2014/main" id="{CDFC48E5-3A27-4676-A1E1-5FFBB64BFE0E}"/>
+              </a:ext>
+            </a:extLst>
+          </p:cNvPr>
+          <p:cNvSpPr>
+            <a:spLocks noGrp="1"/>
+          </p:cNvSpPr>
+          <p:nvPr>
+            <p:ph idx="1"/>
+          </p:nvPr>
+        </p:nvSpPr>
+        <p:spPr>
+          <a:xfrm>
+            <a:off x="677334" y="1709076"/>
+            <a:ext cx="8596668" cy="3880773"/>
+          </a:xfrm>
+        </p:spPr>
+        <p:txBody>
+          <a:bodyPr>
+            <a:normAutofit lnSpcReduction="10000"/>
+          </a:bodyPr>
+          <a:lstStyle/>
+          <a:p>
+            <a:pPr>
+              <a:lnSpc>
+                <a:spcPct val="150000"/>
+              </a:lnSpc>
+            </a:pPr>
+            <a:r>
+              <a:rPr lang="en-US" dirty="0"/>
+              <a:t>Geneva leads Ange to a series of shelves, each dedicated to a different </a:t>
+            </a:r>
+            <a:r>
+              <a:rPr lang="en-US" b="1" dirty="0"/>
+              <a:t>species</a:t>
+            </a:r>
+            <a:r>
+              <a:rPr lang="en-US" dirty="0"/>
+              <a:t>, </a:t>
+            </a:r>
+            <a:r>
+              <a:rPr lang="en-US" b="1" dirty="0"/>
+              <a:t>traits</a:t>
+            </a:r>
+            <a:r>
+              <a:rPr lang="en-US" dirty="0"/>
+              <a:t>, or </a:t>
+            </a:r>
+            <a:r>
+              <a:rPr lang="en-US" b="1" dirty="0"/>
+              <a:t>functions</a:t>
+            </a:r>
+            <a:r>
+              <a:rPr lang="en-US" dirty="0"/>
+              <a:t>. These shelves are filled with </a:t>
+            </a:r>
+            <a:r>
+              <a:rPr lang="en-US" b="1" dirty="0"/>
+              <a:t>signature pages</a:t>
+            </a:r>
+            <a:r>
+              <a:rPr lang="en-US" dirty="0"/>
+              <a:t>—unique patterns of letters (A, T, C, G) that act as "signatures" for specific organisms, genes, or traits.</a:t>
+            </a:r>
+          </a:p>
+          <a:p>
+            <a:pPr lvl="1">
+              <a:lnSpc>
+                <a:spcPct val="150000"/>
+              </a:lnSpc>
+              <a:buFont typeface="Arial" panose="020B0604020202020204" pitchFamily="34" charset="0"/>
+              <a:buChar char="•"/>
+            </a:pPr>
+            <a:r>
+              <a:rPr lang="en-US" dirty="0"/>
+              <a:t>One shelf is labeled </a:t>
+            </a:r>
+            <a:r>
+              <a:rPr lang="en-US" b="1" dirty="0"/>
+              <a:t>"Plants"</a:t>
+            </a:r>
+            <a:r>
+              <a:rPr lang="en-US" dirty="0"/>
+              <a:t> and includes rice, wheat, and maize sequences.</a:t>
+            </a:r>
+          </a:p>
+          <a:p>
+            <a:pPr lvl="1">
+              <a:lnSpc>
+                <a:spcPct val="150000"/>
+              </a:lnSpc>
+              <a:buFont typeface="Arial" panose="020B0604020202020204" pitchFamily="34" charset="0"/>
+              <a:buChar char="•"/>
+            </a:pPr>
+            <a:r>
+              <a:rPr lang="en-US" dirty="0"/>
+              <a:t>Another shelf, </a:t>
+            </a:r>
+            <a:r>
+              <a:rPr lang="en-US" b="1" dirty="0"/>
+              <a:t>"Bacteria,"</a:t>
+            </a:r>
+            <a:r>
+              <a:rPr lang="en-US" dirty="0"/>
+              <a:t> has drawers for helpful microbes and disease-causing pathogens.</a:t>
+            </a:r>
+          </a:p>
+          <a:p>
+            <a:pPr lvl="1">
+              <a:lnSpc>
+                <a:spcPct val="150000"/>
+              </a:lnSpc>
+              <a:buFont typeface="Arial" panose="020B0604020202020204" pitchFamily="34" charset="0"/>
+              <a:buChar char="•"/>
+            </a:pPr>
+            <a:r>
+              <a:rPr lang="en-US" dirty="0"/>
+              <a:t>There’s even a shelf called </a:t>
+            </a:r>
+            <a:r>
+              <a:rPr lang="en-US" b="1" dirty="0"/>
+              <a:t>"Cancer Biomarkers,"</a:t>
+            </a:r>
+            <a:r>
+              <a:rPr lang="en-US" dirty="0"/>
+              <a:t> filled with pages that help diagnose diseases.</a:t>
+            </a:r>
+          </a:p>
+          <a:p>
+            <a:pPr marL="0" indent="0">
+              <a:lnSpc>
+                <a:spcPct val="150000"/>
+              </a:lnSpc>
+              <a:buNone/>
+            </a:pPr>
+            <a:endParaRPr lang="en-US" dirty="0"/>
+          </a:p>
+        </p:txBody>
+      </p:sp>
+      <p:sp>
+        <p:nvSpPr>
+          <p:cNvPr id="4" name="Slide Number Placeholder 3">
+            <a:extLst>
+              <a:ext uri="{FF2B5EF4-FFF2-40B4-BE49-F238E27FC236}">
+                <a16:creationId xmlns:a16="http://schemas.microsoft.com/office/drawing/2014/main" id="{5931F5B9-69EA-493B-9E58-936D11E5D4B2}"/>
+              </a:ext>
+            </a:extLst>
+          </p:cNvPr>
+          <p:cNvSpPr>
+            <a:spLocks noGrp="1"/>
+          </p:cNvSpPr>
+          <p:nvPr>
+            <p:ph type="sldNum" sz="quarter" idx="12"/>
+          </p:nvPr>
+        </p:nvSpPr>
+        <p:spPr/>
+        <p:txBody>
+          <a:bodyPr/>
+          <a:lstStyle/>
+          <a:p>
+            <a:fld id="{5E2D43C8-FCB2-4CFF-B706-7EDFCF5B6158}" type="slidenum">
+              <a:rPr lang="ko-KR" altLang="en-US" smtClean="0"/>
+              <a:pPr/>
+              <a:t>4</a:t>
+            </a:fld>
+            <a:endParaRPr lang="ko-KR" altLang="en-US"/>
+          </a:p>
+        </p:txBody>
+      </p:sp>
+      <p:pic>
+        <p:nvPicPr>
+          <p:cNvPr id="1026" name="Picture 2" descr="a long row of books in a library">
+            <a:extLst>
+              <a:ext uri="{FF2B5EF4-FFF2-40B4-BE49-F238E27FC236}">
+                <a16:creationId xmlns:a16="http://schemas.microsoft.com/office/drawing/2014/main" id="{1B45ECA4-EE46-48EC-9010-C024CF8D2671}"/>
+              </a:ext>
+            </a:extLst>
+          </p:cNvPr>
+          <p:cNvPicPr>
+            <a:picLocks noChangeAspect="1" noChangeArrowheads="1"/>
+          </p:cNvPicPr>
+          <p:nvPr/>
+        </p:nvPicPr>
+        <p:blipFill>
+          <a:blip r:embed="rId2" cstate="print">
+            <a:extLst>
+              <a:ext uri="{28A0092B-C50C-407E-A947-70E740481C1C}">
+                <a14:useLocalDpi xmlns:a14="http://schemas.microsoft.com/office/drawing/2010/main" val="0"/>
+              </a:ext>
+            </a:extLst>
+          </a:blip>
+          <a:srcRect/>
+          <a:stretch>
+            <a:fillRect/>
+          </a:stretch>
+        </p:blipFill>
+        <p:spPr bwMode="auto">
+          <a:xfrm>
+            <a:off x="9370595" y="4937760"/>
+            <a:ext cx="2886146" cy="1920240"/>
+          </a:xfrm>
+          <a:prstGeom prst="rect">
+            <a:avLst/>
+          </a:prstGeom>
+          <a:noFill/>
+          <a:extLst>
+            <a:ext uri="{909E8E84-426E-40DD-AFC4-6F175D3DCCD1}">
+              <a14:hiddenFill xmlns:a14="http://schemas.microsoft.com/office/drawing/2010/main">
+                <a:solidFill>
+                  <a:srgbClr val="FFFFFF"/>
+                </a:solidFill>
+              </a14:hiddenFill>
+            </a:ext>
+          </a:extLst>
+        </p:spPr>
+      </p:pic>
+    </p:spTree>
+    <p:extLst>
+      <p:ext uri="{BB962C8B-B14F-4D97-AF65-F5344CB8AC3E}">
+        <p14:creationId xmlns:p14="http://schemas.microsoft.com/office/powerpoint/2010/main" val="1207042868"/>
+      </p:ext>
+    </p:extLst>
+  </p:cSld>
+  <p:clrMapOvr>
+    <a:masterClrMapping/>
+  </p:clrMapOvr>
+</p:sld>
+</file>
+
+<file path=ppt/slides/slide5.xml><?xml version="1.0" encoding="utf-8"?>
+<p:sld xmlns:a="http://schemas.openxmlformats.org/drawingml/2006/main" xmlns:r="http://schemas.openxmlformats.org/officeDocument/2006/relationships" xmlns:p="http://schemas.openxmlformats.org/presentationml/2006/main">
+  <p:cSld>
+    <p:spTree>
+      <p:nvGrpSpPr>
+        <p:cNvPr id="1" name=""/>
+        <p:cNvGrpSpPr/>
+        <p:nvPr/>
+      </p:nvGrpSpPr>
+      <p:grpSpPr>
+        <a:xfrm>
+          <a:off x="0" y="0"/>
+          <a:ext cx="0" cy="0"/>
+          <a:chOff x="0" y="0"/>
+          <a:chExt cx="0" cy="0"/>
+        </a:xfrm>
+      </p:grpSpPr>
+      <p:sp>
+        <p:nvSpPr>
+          <p:cNvPr id="2" name="Title 1">
+            <a:extLst>
+              <a:ext uri="{FF2B5EF4-FFF2-40B4-BE49-F238E27FC236}">
+                <a16:creationId xmlns:a16="http://schemas.microsoft.com/office/drawing/2014/main" id="{E97DBC7D-4E9E-40DF-B0A6-4531C84B9B2E}"/>
+              </a:ext>
+            </a:extLst>
+          </p:cNvPr>
+          <p:cNvSpPr>
+            <a:spLocks noGrp="1"/>
+          </p:cNvSpPr>
+          <p:nvPr>
+            <p:ph type="title"/>
+          </p:nvPr>
+        </p:nvSpPr>
+        <p:spPr/>
+        <p:txBody>
+          <a:bodyPr/>
+          <a:lstStyle/>
+          <a:p>
+            <a:r>
+              <a:rPr lang="en-US" dirty="0"/>
+              <a:t>The Process</a:t>
+            </a:r>
+          </a:p>
+        </p:txBody>
+      </p:sp>
+      <p:sp>
+        <p:nvSpPr>
+          <p:cNvPr id="3" name="Content Placeholder 2">
+            <a:extLst>
+              <a:ext uri="{FF2B5EF4-FFF2-40B4-BE49-F238E27FC236}">
+                <a16:creationId xmlns:a16="http://schemas.microsoft.com/office/drawing/2014/main" id="{CDFC48E5-3A27-4676-A1E1-5FFBB64BFE0E}"/>
+              </a:ext>
+            </a:extLst>
+          </p:cNvPr>
+          <p:cNvSpPr>
+            <a:spLocks noGrp="1"/>
+          </p:cNvSpPr>
+          <p:nvPr>
+            <p:ph idx="1"/>
+          </p:nvPr>
+        </p:nvSpPr>
+        <p:spPr>
+          <a:xfrm>
+            <a:off x="677334" y="1709076"/>
+            <a:ext cx="8596668" cy="3880773"/>
+          </a:xfrm>
+        </p:spPr>
+        <p:txBody>
+          <a:bodyPr>
+            <a:normAutofit lnSpcReduction="10000"/>
+          </a:bodyPr>
+          <a:lstStyle/>
+          <a:p>
+            <a:pPr>
+              <a:lnSpc>
+                <a:spcPct val="150000"/>
+              </a:lnSpc>
+            </a:pPr>
+            <a:r>
+              <a:rPr lang="en-US" dirty="0"/>
+              <a:t>Geneva feeds the mysterious scrap into a </a:t>
+            </a:r>
+            <a:r>
+              <a:rPr lang="en-US" b="1" dirty="0"/>
+              <a:t>scanner</a:t>
+            </a:r>
+            <a:r>
+              <a:rPr lang="en-US" dirty="0"/>
+              <a:t> that reads the sequence. The database begins searching its shelves.</a:t>
+            </a:r>
+            <a:br>
+              <a:rPr lang="en-US" dirty="0"/>
+            </a:br>
+            <a:r>
+              <a:rPr lang="en-US" i="1" dirty="0"/>
+              <a:t>"Aha!"</a:t>
+            </a:r>
+            <a:r>
+              <a:rPr lang="en-US" dirty="0"/>
+              <a:t> Geneva exclaims.</a:t>
+            </a:r>
+            <a:br>
+              <a:rPr lang="en-US" dirty="0"/>
+            </a:br>
+            <a:r>
+              <a:rPr lang="en-US" i="1" dirty="0"/>
+              <a:t>"This fragment matches a unique signature from the E. coli drawer! This bacterium is commonly found in the gut."</a:t>
+            </a:r>
+            <a:endParaRPr lang="en-US" dirty="0"/>
+          </a:p>
+          <a:p>
+            <a:pPr>
+              <a:lnSpc>
+                <a:spcPct val="150000"/>
+              </a:lnSpc>
+            </a:pPr>
+            <a:r>
+              <a:rPr lang="en-US" dirty="0"/>
+              <a:t>But Ange isn’t done yet. The fragment is too generic, and Ange suspects it might be related to a disease-causing strain. Geneva refines the search, scanning against more specialized sub-databases.</a:t>
+            </a:r>
+            <a:br>
+              <a:rPr lang="en-US" dirty="0"/>
+            </a:br>
+            <a:r>
+              <a:rPr lang="en-US" i="1" dirty="0"/>
+              <a:t>"Here it is—your sequence belongs to a rare pathogenic strain of E. coli."</a:t>
+            </a:r>
+            <a:endParaRPr lang="en-US" dirty="0"/>
+          </a:p>
+          <a:p>
+            <a:pPr marL="0" indent="0">
+              <a:lnSpc>
+                <a:spcPct val="150000"/>
+              </a:lnSpc>
+              <a:buNone/>
+            </a:pPr>
+            <a:endParaRPr lang="en-US" dirty="0"/>
+          </a:p>
+        </p:txBody>
+      </p:sp>
+      <p:sp>
+        <p:nvSpPr>
+          <p:cNvPr id="4" name="Slide Number Placeholder 3">
+            <a:extLst>
+              <a:ext uri="{FF2B5EF4-FFF2-40B4-BE49-F238E27FC236}">
+                <a16:creationId xmlns:a16="http://schemas.microsoft.com/office/drawing/2014/main" id="{5931F5B9-69EA-493B-9E58-936D11E5D4B2}"/>
+              </a:ext>
+            </a:extLst>
+          </p:cNvPr>
+          <p:cNvSpPr>
+            <a:spLocks noGrp="1"/>
+          </p:cNvSpPr>
+          <p:nvPr>
+            <p:ph type="sldNum" sz="quarter" idx="12"/>
+          </p:nvPr>
+        </p:nvSpPr>
+        <p:spPr/>
+        <p:txBody>
+          <a:bodyPr/>
+          <a:lstStyle/>
+          <a:p>
+            <a:fld id="{5E2D43C8-FCB2-4CFF-B706-7EDFCF5B6158}" type="slidenum">
+              <a:rPr lang="ko-KR" altLang="en-US" smtClean="0"/>
+              <a:pPr/>
+              <a:t>5</a:t>
+            </a:fld>
+            <a:endParaRPr lang="ko-KR" altLang="en-US"/>
+          </a:p>
+        </p:txBody>
+      </p:sp>
+      <p:pic>
+        <p:nvPicPr>
+          <p:cNvPr id="1026" name="Picture 2" descr="a long row of books in a library">
+            <a:extLst>
+              <a:ext uri="{FF2B5EF4-FFF2-40B4-BE49-F238E27FC236}">
+                <a16:creationId xmlns:a16="http://schemas.microsoft.com/office/drawing/2014/main" id="{1B45ECA4-EE46-48EC-9010-C024CF8D2671}"/>
+              </a:ext>
+            </a:extLst>
+          </p:cNvPr>
+          <p:cNvPicPr>
+            <a:picLocks noChangeAspect="1" noChangeArrowheads="1"/>
+          </p:cNvPicPr>
+          <p:nvPr/>
+        </p:nvPicPr>
+        <p:blipFill>
+          <a:blip r:embed="rId2" cstate="print">
+            <a:extLst>
+              <a:ext uri="{28A0092B-C50C-407E-A947-70E740481C1C}">
+                <a14:useLocalDpi xmlns:a14="http://schemas.microsoft.com/office/drawing/2010/main" val="0"/>
+              </a:ext>
+            </a:extLst>
+          </a:blip>
+          <a:srcRect/>
+          <a:stretch>
+            <a:fillRect/>
+          </a:stretch>
+        </p:blipFill>
+        <p:spPr bwMode="auto">
+          <a:xfrm>
+            <a:off x="9370595" y="4937760"/>
+            <a:ext cx="2886146" cy="1920240"/>
+          </a:xfrm>
+          <a:prstGeom prst="rect">
+            <a:avLst/>
+          </a:prstGeom>
+          <a:noFill/>
+          <a:extLst>
+            <a:ext uri="{909E8E84-426E-40DD-AFC4-6F175D3DCCD1}">
+              <a14:hiddenFill xmlns:a14="http://schemas.microsoft.com/office/drawing/2010/main">
+                <a:solidFill>
+                  <a:srgbClr val="FFFFFF"/>
+                </a:solidFill>
+              </a14:hiddenFill>
+            </a:ext>
+          </a:extLst>
+        </p:spPr>
+      </p:pic>
+    </p:spTree>
+    <p:extLst>
+      <p:ext uri="{BB962C8B-B14F-4D97-AF65-F5344CB8AC3E}">
+        <p14:creationId xmlns:p14="http://schemas.microsoft.com/office/powerpoint/2010/main" val="390061348"/>
+      </p:ext>
+    </p:extLst>
+  </p:cSld>
+  <p:clrMapOvr>
+    <a:masterClrMapping/>
+  </p:clrMapOvr>
+</p:sld>
+</file>
+
+<file path=ppt/slides/slide6.xml><?xml version="1.0" encoding="utf-8"?>
+<p:sld xmlns:a="http://schemas.openxmlformats.org/drawingml/2006/main" xmlns:r="http://schemas.openxmlformats.org/officeDocument/2006/relationships" xmlns:p="http://schemas.openxmlformats.org/presentationml/2006/main">
+  <p:cSld>
+    <p:spTree>
+      <p:nvGrpSpPr>
+        <p:cNvPr id="1" name=""/>
+        <p:cNvGrpSpPr/>
+        <p:nvPr/>
+      </p:nvGrpSpPr>
+      <p:grpSpPr>
+        <a:xfrm>
+          <a:off x="0" y="0"/>
+          <a:ext cx="0" cy="0"/>
+          <a:chOff x="0" y="0"/>
+          <a:chExt cx="0" cy="0"/>
+        </a:xfrm>
+      </p:grpSpPr>
+      <p:sp>
+        <p:nvSpPr>
+          <p:cNvPr id="2" name="Title 1">
+            <a:extLst>
+              <a:ext uri="{FF2B5EF4-FFF2-40B4-BE49-F238E27FC236}">
+                <a16:creationId xmlns:a16="http://schemas.microsoft.com/office/drawing/2014/main" id="{E97DBC7D-4E9E-40DF-B0A6-4531C84B9B2E}"/>
+              </a:ext>
+            </a:extLst>
+          </p:cNvPr>
+          <p:cNvSpPr>
+            <a:spLocks noGrp="1"/>
+          </p:cNvSpPr>
+          <p:nvPr>
+            <p:ph type="title"/>
+          </p:nvPr>
+        </p:nvSpPr>
+        <p:spPr>
+          <a:xfrm>
+            <a:off x="677334" y="162520"/>
+            <a:ext cx="8596668" cy="1320800"/>
+          </a:xfrm>
+        </p:spPr>
+        <p:txBody>
+          <a:bodyPr/>
+          <a:lstStyle/>
+          <a:p>
+            <a:r>
+              <a:rPr lang="en-US" dirty="0"/>
+              <a:t>Metaphor: Sequence Signatures as Barcodes</a:t>
+            </a:r>
+          </a:p>
+        </p:txBody>
+      </p:sp>
+      <p:sp>
+        <p:nvSpPr>
+          <p:cNvPr id="3" name="Content Placeholder 2">
+            <a:extLst>
+              <a:ext uri="{FF2B5EF4-FFF2-40B4-BE49-F238E27FC236}">
+                <a16:creationId xmlns:a16="http://schemas.microsoft.com/office/drawing/2014/main" id="{CDFC48E5-3A27-4676-A1E1-5FFBB64BFE0E}"/>
+              </a:ext>
+            </a:extLst>
+          </p:cNvPr>
+          <p:cNvSpPr>
+            <a:spLocks noGrp="1"/>
+          </p:cNvSpPr>
+          <p:nvPr>
+            <p:ph idx="1"/>
+          </p:nvPr>
+        </p:nvSpPr>
+        <p:spPr>
+          <a:xfrm>
+            <a:off x="677334" y="1709076"/>
+            <a:ext cx="8596668" cy="3880773"/>
+          </a:xfrm>
+        </p:spPr>
+        <p:txBody>
+          <a:bodyPr>
+            <a:normAutofit/>
+          </a:bodyPr>
+          <a:lstStyle/>
+          <a:p>
+            <a:pPr>
+              <a:lnSpc>
+                <a:spcPct val="200000"/>
+              </a:lnSpc>
+            </a:pPr>
+            <a:r>
+              <a:rPr lang="en-US" dirty="0"/>
+              <a:t>Geneva explains:</a:t>
+            </a:r>
+            <a:br>
+              <a:rPr lang="en-US" dirty="0"/>
+            </a:br>
+            <a:r>
+              <a:rPr lang="en-US" i="1" dirty="0"/>
+              <a:t>"Think of every DNA sequence as a product in a supermarket. Sequence signatures are like the barcodes on these products. The database helps us scan these barcodes to identify exactly what we’re dealing with."</a:t>
+            </a:r>
+            <a:endParaRPr lang="en-US" dirty="0"/>
+          </a:p>
+        </p:txBody>
+      </p:sp>
+      <p:sp>
+        <p:nvSpPr>
+          <p:cNvPr id="4" name="Slide Number Placeholder 3">
+            <a:extLst>
+              <a:ext uri="{FF2B5EF4-FFF2-40B4-BE49-F238E27FC236}">
+                <a16:creationId xmlns:a16="http://schemas.microsoft.com/office/drawing/2014/main" id="{5931F5B9-69EA-493B-9E58-936D11E5D4B2}"/>
+              </a:ext>
+            </a:extLst>
+          </p:cNvPr>
+          <p:cNvSpPr>
+            <a:spLocks noGrp="1"/>
+          </p:cNvSpPr>
+          <p:nvPr>
+            <p:ph type="sldNum" sz="quarter" idx="12"/>
+          </p:nvPr>
+        </p:nvSpPr>
+        <p:spPr/>
+        <p:txBody>
+          <a:bodyPr/>
+          <a:lstStyle/>
+          <a:p>
+            <a:fld id="{5E2D43C8-FCB2-4CFF-B706-7EDFCF5B6158}" type="slidenum">
+              <a:rPr lang="ko-KR" altLang="en-US" smtClean="0"/>
+              <a:pPr/>
+              <a:t>6</a:t>
+            </a:fld>
+            <a:endParaRPr lang="ko-KR" altLang="en-US"/>
+          </a:p>
+        </p:txBody>
+      </p:sp>
+      <p:pic>
+        <p:nvPicPr>
+          <p:cNvPr id="1026" name="Picture 2" descr="a long row of books in a library">
+            <a:extLst>
+              <a:ext uri="{FF2B5EF4-FFF2-40B4-BE49-F238E27FC236}">
+                <a16:creationId xmlns:a16="http://schemas.microsoft.com/office/drawing/2014/main" id="{1B45ECA4-EE46-48EC-9010-C024CF8D2671}"/>
+              </a:ext>
+            </a:extLst>
+          </p:cNvPr>
+          <p:cNvPicPr>
+            <a:picLocks noChangeAspect="1" noChangeArrowheads="1"/>
+          </p:cNvPicPr>
+          <p:nvPr/>
+        </p:nvPicPr>
+        <p:blipFill>
+          <a:blip r:embed="rId2" cstate="print">
+            <a:extLst>
+              <a:ext uri="{28A0092B-C50C-407E-A947-70E740481C1C}">
+                <a14:useLocalDpi xmlns:a14="http://schemas.microsoft.com/office/drawing/2010/main" val="0"/>
+              </a:ext>
+            </a:extLst>
+          </a:blip>
+          <a:srcRect/>
+          <a:stretch>
+            <a:fillRect/>
+          </a:stretch>
+        </p:blipFill>
+        <p:spPr bwMode="auto">
+          <a:xfrm>
+            <a:off x="9305854" y="4937760"/>
+            <a:ext cx="2886146" cy="1920240"/>
+          </a:xfrm>
+          <a:prstGeom prst="rect">
+            <a:avLst/>
+          </a:prstGeom>
+          <a:noFill/>
+          <a:extLst>
+            <a:ext uri="{909E8E84-426E-40DD-AFC4-6F175D3DCCD1}">
+              <a14:hiddenFill xmlns:a14="http://schemas.microsoft.com/office/drawing/2010/main">
+                <a:solidFill>
+                  <a:srgbClr val="FFFFFF"/>
+                </a:solidFill>
+              </a14:hiddenFill>
+            </a:ext>
+          </a:extLst>
+        </p:spPr>
+      </p:pic>
+    </p:spTree>
+    <p:extLst>
+      <p:ext uri="{BB962C8B-B14F-4D97-AF65-F5344CB8AC3E}">
+        <p14:creationId xmlns:p14="http://schemas.microsoft.com/office/powerpoint/2010/main" val="3993406779"/>
       </p:ext>
     </p:extLst>
   </p:cSld>
@@ -9046,10 +12946,102 @@
       </p:grpSpPr>
       <p:sp>
         <p:nvSpPr>
+          <p:cNvPr id="2" name="Title 1">
+            <a:extLst>
+              <a:ext uri="{FF2B5EF4-FFF2-40B4-BE49-F238E27FC236}">
+                <a16:creationId xmlns:a16="http://schemas.microsoft.com/office/drawing/2014/main" id="{E97DBC7D-4E9E-40DF-B0A6-4531C84B9B2E}"/>
+              </a:ext>
+            </a:extLst>
+          </p:cNvPr>
+          <p:cNvSpPr>
+            <a:spLocks noGrp="1"/>
+          </p:cNvSpPr>
+          <p:nvPr>
+            <p:ph type="title"/>
+          </p:nvPr>
+        </p:nvSpPr>
+        <p:spPr>
+          <a:xfrm>
+            <a:off x="677334" y="162520"/>
+            <a:ext cx="8596668" cy="1320800"/>
+          </a:xfrm>
+        </p:spPr>
+        <p:txBody>
+          <a:bodyPr/>
+          <a:lstStyle/>
+          <a:p>
+            <a:r>
+              <a:rPr lang="en-US" dirty="0"/>
+              <a:t>The Takeaway</a:t>
+            </a:r>
+          </a:p>
+        </p:txBody>
+      </p:sp>
+      <p:sp>
+        <p:nvSpPr>
+          <p:cNvPr id="3" name="Content Placeholder 2">
+            <a:extLst>
+              <a:ext uri="{FF2B5EF4-FFF2-40B4-BE49-F238E27FC236}">
+                <a16:creationId xmlns:a16="http://schemas.microsoft.com/office/drawing/2014/main" id="{CDFC48E5-3A27-4676-A1E1-5FFBB64BFE0E}"/>
+              </a:ext>
+            </a:extLst>
+          </p:cNvPr>
+          <p:cNvSpPr>
+            <a:spLocks noGrp="1"/>
+          </p:cNvSpPr>
+          <p:nvPr>
+            <p:ph idx="1"/>
+          </p:nvPr>
+        </p:nvSpPr>
+        <p:spPr>
+          <a:xfrm>
+            <a:off x="507003" y="1483320"/>
+            <a:ext cx="9390031" cy="3880773"/>
+          </a:xfrm>
+        </p:spPr>
+        <p:txBody>
+          <a:bodyPr>
+            <a:normAutofit/>
+          </a:bodyPr>
+          <a:lstStyle/>
+          <a:p>
+            <a:pPr>
+              <a:lnSpc>
+                <a:spcPct val="150000"/>
+              </a:lnSpc>
+            </a:pPr>
+            <a:r>
+              <a:rPr lang="en-US" dirty="0"/>
+              <a:t>Sequence signature databases are the ultimate </a:t>
+            </a:r>
+            <a:r>
+              <a:rPr lang="en-US" b="1" dirty="0"/>
+              <a:t>detective tool</a:t>
+            </a:r>
+            <a:r>
+              <a:rPr lang="en-US" dirty="0"/>
+              <a:t>, helping us make sense of life's codes. </a:t>
+            </a:r>
+          </a:p>
+          <a:p>
+            <a:pPr>
+              <a:lnSpc>
+                <a:spcPct val="150000"/>
+              </a:lnSpc>
+            </a:pPr>
+            <a:r>
+              <a:rPr lang="en-US" dirty="0"/>
+              <a:t>They empower us to identify, classify, and understand the diversity of organisms and their functions, unlocking the mysteries hidden in their genetic texts.</a:t>
+            </a:r>
+          </a:p>
+        </p:txBody>
+      </p:sp>
+      <p:sp>
+        <p:nvSpPr>
           <p:cNvPr id="4" name="Slide Number Placeholder 3">
             <a:extLst>
               <a:ext uri="{FF2B5EF4-FFF2-40B4-BE49-F238E27FC236}">
-                <a16:creationId xmlns:a16="http://schemas.microsoft.com/office/drawing/2014/main" id="{3D8C4533-9129-49C4-93B7-B47A3D93A5A2}"/>
+                <a16:creationId xmlns:a16="http://schemas.microsoft.com/office/drawing/2014/main" id="{5931F5B9-69EA-493B-9E58-936D11E5D4B2}"/>
               </a:ext>
             </a:extLst>
           </p:cNvPr>
@@ -9074,152 +13066,10 @@
           </a:p>
         </p:txBody>
       </p:sp>
-      <p:sp>
-        <p:nvSpPr>
-          <p:cNvPr id="9" name="TextBox 8">
-            <a:extLst>
-              <a:ext uri="{FF2B5EF4-FFF2-40B4-BE49-F238E27FC236}">
-                <a16:creationId xmlns:a16="http://schemas.microsoft.com/office/drawing/2014/main" id="{6F60D7BE-A8E6-43F0-8BC7-BEBCAAF3375D}"/>
-              </a:ext>
-            </a:extLst>
-          </p:cNvPr>
-          <p:cNvSpPr txBox="1"/>
-          <p:nvPr/>
-        </p:nvSpPr>
-        <p:spPr>
-          <a:xfrm>
-            <a:off x="457199" y="408366"/>
-            <a:ext cx="11438965" cy="584775"/>
-          </a:xfrm>
-          <a:prstGeom prst="rect">
-            <a:avLst/>
-          </a:prstGeom>
-          <a:noFill/>
-        </p:spPr>
-        <p:txBody>
-          <a:bodyPr wrap="square">
-            <a:spAutoFit/>
-          </a:bodyPr>
-          <a:lstStyle/>
-          <a:p>
-            <a:pPr algn="ctr"/>
-            <a:r>
-              <a:rPr lang="fr-FR" sz="3200" b="1" dirty="0">
-                <a:latin typeface="Arial" panose="020B0604020202020204" pitchFamily="34" charset="0"/>
-                <a:cs typeface="Arial" panose="020B0604020202020204" pitchFamily="34" charset="0"/>
-              </a:rPr>
-              <a:t>Hands-on session</a:t>
-            </a:r>
-          </a:p>
-        </p:txBody>
-      </p:sp>
-      <p:sp>
-        <p:nvSpPr>
-          <p:cNvPr id="2" name="TextBox 1">
-            <a:extLst>
-              <a:ext uri="{FF2B5EF4-FFF2-40B4-BE49-F238E27FC236}">
-                <a16:creationId xmlns:a16="http://schemas.microsoft.com/office/drawing/2014/main" id="{60CDA00A-F567-4706-A06A-D33FF8F6E43A}"/>
-              </a:ext>
-            </a:extLst>
-          </p:cNvPr>
-          <p:cNvSpPr txBox="1"/>
-          <p:nvPr/>
-        </p:nvSpPr>
-        <p:spPr>
-          <a:xfrm>
-            <a:off x="1326774" y="1186814"/>
-            <a:ext cx="9699813" cy="3907480"/>
-          </a:xfrm>
-          <a:prstGeom prst="rect">
-            <a:avLst/>
-          </a:prstGeom>
-          <a:noFill/>
-        </p:spPr>
-        <p:txBody>
-          <a:bodyPr wrap="square" rtlCol="0">
-            <a:spAutoFit/>
-          </a:bodyPr>
-          <a:lstStyle/>
-          <a:p>
-            <a:pPr marL="342900" indent="-342900" algn="ctr">
-              <a:lnSpc>
-                <a:spcPct val="300000"/>
-              </a:lnSpc>
-              <a:buAutoNum type="arabicPeriod"/>
-            </a:pPr>
-            <a:r>
-              <a:rPr lang="fr-FR" b="1" dirty="0">
-                <a:latin typeface="Arial" panose="020B0604020202020204" pitchFamily="34" charset="0"/>
-                <a:cs typeface="Arial" panose="020B0604020202020204" pitchFamily="34" charset="0"/>
-              </a:rPr>
-              <a:t>How to use NCBI BLAST</a:t>
-            </a:r>
-          </a:p>
-          <a:p>
-            <a:pPr marL="342900" indent="-342900" algn="ctr">
-              <a:lnSpc>
-                <a:spcPct val="300000"/>
-              </a:lnSpc>
-              <a:buAutoNum type="arabicPeriod"/>
-            </a:pPr>
-            <a:endParaRPr lang="fr-FR" b="1" dirty="0">
-              <a:latin typeface="Arial" panose="020B0604020202020204" pitchFamily="34" charset="0"/>
-              <a:cs typeface="Arial" panose="020B0604020202020204" pitchFamily="34" charset="0"/>
-            </a:endParaRPr>
-          </a:p>
-          <a:p>
-            <a:pPr algn="ctr">
-              <a:lnSpc>
-                <a:spcPct val="300000"/>
-              </a:lnSpc>
-            </a:pPr>
-            <a:r>
-              <a:rPr lang="fr-FR" sz="3200" b="1" dirty="0" err="1">
-                <a:latin typeface="Arial" panose="020B0604020202020204" pitchFamily="34" charset="0"/>
-                <a:cs typeface="Arial" panose="020B0604020202020204" pitchFamily="34" charset="0"/>
-              </a:rPr>
-              <a:t>Your</a:t>
-            </a:r>
-            <a:r>
-              <a:rPr lang="fr-FR" sz="3200" b="1" dirty="0">
-                <a:latin typeface="Arial" panose="020B0604020202020204" pitchFamily="34" charset="0"/>
-                <a:cs typeface="Arial" panose="020B0604020202020204" pitchFamily="34" charset="0"/>
-              </a:rPr>
-              <a:t> </a:t>
-            </a:r>
-            <a:r>
-              <a:rPr lang="fr-FR" sz="3200" b="1" dirty="0" err="1">
-                <a:latin typeface="Arial" panose="020B0604020202020204" pitchFamily="34" charset="0"/>
-                <a:cs typeface="Arial" panose="020B0604020202020204" pitchFamily="34" charset="0"/>
-              </a:rPr>
-              <a:t>turn</a:t>
-            </a:r>
-            <a:r>
-              <a:rPr lang="fr-FR" sz="3200" b="1" dirty="0">
-                <a:latin typeface="Arial" panose="020B0604020202020204" pitchFamily="34" charset="0"/>
-                <a:cs typeface="Arial" panose="020B0604020202020204" pitchFamily="34" charset="0"/>
-              </a:rPr>
-              <a:t> !!!</a:t>
-            </a:r>
-          </a:p>
-          <a:p>
-            <a:pPr marL="342900" indent="-342900" algn="ctr">
-              <a:lnSpc>
-                <a:spcPct val="300000"/>
-              </a:lnSpc>
-              <a:buAutoNum type="arabicPeriod"/>
-            </a:pPr>
-            <a:endParaRPr lang="fr-FR" b="1" dirty="0">
-              <a:latin typeface="Arial" panose="020B0604020202020204" pitchFamily="34" charset="0"/>
-              <a:cs typeface="Arial" panose="020B0604020202020204" pitchFamily="34" charset="0"/>
-            </a:endParaRPr>
-          </a:p>
-        </p:txBody>
-      </p:sp>
     </p:spTree>
     <p:extLst>
       <p:ext uri="{BB962C8B-B14F-4D97-AF65-F5344CB8AC3E}">
-        <p14:creationId xmlns:p14="http://schemas.microsoft.com/office/powerpoint/2010/main" val="3278596948"/>
+        <p14:creationId xmlns:p14="http://schemas.microsoft.com/office/powerpoint/2010/main" val="476876181"/>
       </p:ext>
     </p:extLst>
   </p:cSld>
@@ -9248,10 +13098,161 @@
       </p:grpSpPr>
       <p:sp>
         <p:nvSpPr>
+          <p:cNvPr id="2" name="Title 1">
+            <a:extLst>
+              <a:ext uri="{FF2B5EF4-FFF2-40B4-BE49-F238E27FC236}">
+                <a16:creationId xmlns:a16="http://schemas.microsoft.com/office/drawing/2014/main" id="{E97DBC7D-4E9E-40DF-B0A6-4531C84B9B2E}"/>
+              </a:ext>
+            </a:extLst>
+          </p:cNvPr>
+          <p:cNvSpPr>
+            <a:spLocks noGrp="1"/>
+          </p:cNvSpPr>
+          <p:nvPr>
+            <p:ph type="title"/>
+          </p:nvPr>
+        </p:nvSpPr>
+        <p:spPr>
+          <a:xfrm>
+            <a:off x="677334" y="162520"/>
+            <a:ext cx="8596668" cy="1320800"/>
+          </a:xfrm>
+        </p:spPr>
+        <p:txBody>
+          <a:bodyPr/>
+          <a:lstStyle/>
+          <a:p>
+            <a:r>
+              <a:rPr lang="en-US" dirty="0"/>
+              <a:t>Relatable Applications</a:t>
+            </a:r>
+          </a:p>
+        </p:txBody>
+      </p:sp>
+      <p:sp>
+        <p:nvSpPr>
+          <p:cNvPr id="3" name="Content Placeholder 2">
+            <a:extLst>
+              <a:ext uri="{FF2B5EF4-FFF2-40B4-BE49-F238E27FC236}">
+                <a16:creationId xmlns:a16="http://schemas.microsoft.com/office/drawing/2014/main" id="{CDFC48E5-3A27-4676-A1E1-5FFBB64BFE0E}"/>
+              </a:ext>
+            </a:extLst>
+          </p:cNvPr>
+          <p:cNvSpPr>
+            <a:spLocks noGrp="1"/>
+          </p:cNvSpPr>
+          <p:nvPr>
+            <p:ph idx="1"/>
+          </p:nvPr>
+        </p:nvSpPr>
+        <p:spPr>
+          <a:xfrm>
+            <a:off x="507003" y="1483320"/>
+            <a:ext cx="9390031" cy="3880773"/>
+          </a:xfrm>
+        </p:spPr>
+        <p:txBody>
+          <a:bodyPr>
+            <a:normAutofit fontScale="92500" lnSpcReduction="20000"/>
+          </a:bodyPr>
+          <a:lstStyle/>
+          <a:p>
+            <a:pPr>
+              <a:lnSpc>
+                <a:spcPct val="150000"/>
+              </a:lnSpc>
+            </a:pPr>
+            <a:r>
+              <a:rPr lang="en-US" dirty="0"/>
+              <a:t>Ange learns that sequence signature databases are used for many purposes:</a:t>
+            </a:r>
+          </a:p>
+          <a:p>
+            <a:pPr>
+              <a:lnSpc>
+                <a:spcPct val="150000"/>
+              </a:lnSpc>
+              <a:buFont typeface="+mj-lt"/>
+              <a:buAutoNum type="arabicPeriod"/>
+            </a:pPr>
+            <a:r>
+              <a:rPr lang="en-US" b="1" dirty="0"/>
+              <a:t>Crime Scene Investigations</a:t>
+            </a:r>
+            <a:br>
+              <a:rPr lang="en-US" dirty="0"/>
+            </a:br>
+            <a:r>
+              <a:rPr lang="en-US" dirty="0"/>
+              <a:t>Just as fingerprints are used to identify suspects, scientists use sequence databases to trace organisms in crime scenes, like tracking pathogens in food outbreaks.</a:t>
+            </a:r>
+          </a:p>
+          <a:p>
+            <a:pPr>
+              <a:lnSpc>
+                <a:spcPct val="150000"/>
+              </a:lnSpc>
+              <a:buFont typeface="+mj-lt"/>
+              <a:buAutoNum type="arabicPeriod"/>
+            </a:pPr>
+            <a:r>
+              <a:rPr lang="en-US" b="1" dirty="0"/>
+              <a:t>Treasure Maps</a:t>
+            </a:r>
+            <a:br>
+              <a:rPr lang="en-US" dirty="0"/>
+            </a:br>
+            <a:r>
+              <a:rPr lang="en-US" dirty="0"/>
+              <a:t>Researchers studying biodiversity use the databases to discover new species by matching unknown DNA sequences with existing entries.</a:t>
+            </a:r>
+          </a:p>
+          <a:p>
+            <a:pPr>
+              <a:lnSpc>
+                <a:spcPct val="150000"/>
+              </a:lnSpc>
+              <a:buFont typeface="+mj-lt"/>
+              <a:buAutoNum type="arabicPeriod"/>
+            </a:pPr>
+            <a:r>
+              <a:rPr lang="en-US" b="1" dirty="0"/>
+              <a:t>Medical Diagnoses</a:t>
+            </a:r>
+            <a:br>
+              <a:rPr lang="en-US" dirty="0"/>
+            </a:br>
+            <a:r>
+              <a:rPr lang="en-US" dirty="0"/>
+              <a:t>Doctors use sequence databases to find genetic mutations linked to diseases, just like Ange found the pathogenic </a:t>
+            </a:r>
+            <a:r>
+              <a:rPr lang="en-US" i="1" dirty="0"/>
+              <a:t>E. coli</a:t>
+            </a:r>
+            <a:r>
+              <a:rPr lang="en-US" dirty="0"/>
+              <a:t> strain.</a:t>
+            </a:r>
+          </a:p>
+          <a:p>
+            <a:pPr>
+              <a:lnSpc>
+                <a:spcPct val="150000"/>
+              </a:lnSpc>
+              <a:buFont typeface="+mj-lt"/>
+              <a:buAutoNum type="arabicPeriod"/>
+            </a:pPr>
+            <a:endParaRPr lang="en-US" dirty="0"/>
+          </a:p>
+        </p:txBody>
+      </p:sp>
+      <p:sp>
+        <p:nvSpPr>
           <p:cNvPr id="4" name="Slide Number Placeholder 3">
             <a:extLst>
               <a:ext uri="{FF2B5EF4-FFF2-40B4-BE49-F238E27FC236}">
-                <a16:creationId xmlns:a16="http://schemas.microsoft.com/office/drawing/2014/main" id="{3D8C4533-9129-49C4-93B7-B47A3D93A5A2}"/>
+                <a16:creationId xmlns:a16="http://schemas.microsoft.com/office/drawing/2014/main" id="{5931F5B9-69EA-493B-9E58-936D11E5D4B2}"/>
               </a:ext>
             </a:extLst>
           </p:cNvPr>
@@ -9276,273 +13277,10 @@
           </a:p>
         </p:txBody>
       </p:sp>
-      <p:sp>
-        <p:nvSpPr>
-          <p:cNvPr id="9" name="TextBox 8">
-            <a:extLst>
-              <a:ext uri="{FF2B5EF4-FFF2-40B4-BE49-F238E27FC236}">
-                <a16:creationId xmlns:a16="http://schemas.microsoft.com/office/drawing/2014/main" id="{6F60D7BE-A8E6-43F0-8BC7-BEBCAAF3375D}"/>
-              </a:ext>
-            </a:extLst>
-          </p:cNvPr>
-          <p:cNvSpPr txBox="1"/>
-          <p:nvPr/>
-        </p:nvSpPr>
-        <p:spPr>
-          <a:xfrm>
-            <a:off x="457199" y="408366"/>
-            <a:ext cx="11438965" cy="584775"/>
-          </a:xfrm>
-          <a:prstGeom prst="rect">
-            <a:avLst/>
-          </a:prstGeom>
-          <a:noFill/>
-        </p:spPr>
-        <p:txBody>
-          <a:bodyPr wrap="square">
-            <a:spAutoFit/>
-          </a:bodyPr>
-          <a:lstStyle/>
-          <a:p>
-            <a:pPr algn="ctr"/>
-            <a:r>
-              <a:rPr lang="fr-FR" sz="3200" b="1" dirty="0">
-                <a:latin typeface="Arial" panose="020B0604020202020204" pitchFamily="34" charset="0"/>
-                <a:cs typeface="Arial" panose="020B0604020202020204" pitchFamily="34" charset="0"/>
-              </a:rPr>
-              <a:t>Hands-on session</a:t>
-            </a:r>
-          </a:p>
-        </p:txBody>
-      </p:sp>
-      <p:sp>
-        <p:nvSpPr>
-          <p:cNvPr id="2" name="TextBox 1">
-            <a:extLst>
-              <a:ext uri="{FF2B5EF4-FFF2-40B4-BE49-F238E27FC236}">
-                <a16:creationId xmlns:a16="http://schemas.microsoft.com/office/drawing/2014/main" id="{60CDA00A-F567-4706-A06A-D33FF8F6E43A}"/>
-              </a:ext>
-            </a:extLst>
-          </p:cNvPr>
-          <p:cNvSpPr txBox="1"/>
-          <p:nvPr/>
-        </p:nvSpPr>
-        <p:spPr>
-          <a:xfrm>
-            <a:off x="1326774" y="1186814"/>
-            <a:ext cx="9699813" cy="768159"/>
-          </a:xfrm>
-          <a:prstGeom prst="rect">
-            <a:avLst/>
-          </a:prstGeom>
-          <a:noFill/>
-        </p:spPr>
-        <p:txBody>
-          <a:bodyPr wrap="square" rtlCol="0">
-            <a:spAutoFit/>
-          </a:bodyPr>
-          <a:lstStyle/>
-          <a:p>
-            <a:pPr algn="ctr">
-              <a:lnSpc>
-                <a:spcPct val="300000"/>
-              </a:lnSpc>
-            </a:pPr>
-            <a:r>
-              <a:rPr lang="fr-FR" b="1" dirty="0">
-                <a:latin typeface="Arial" panose="020B0604020202020204" pitchFamily="34" charset="0"/>
-                <a:cs typeface="Arial" panose="020B0604020202020204" pitchFamily="34" charset="0"/>
-              </a:rPr>
-              <a:t>02. How to do a multiple </a:t>
-            </a:r>
-            <a:r>
-              <a:rPr lang="fr-FR" b="1" dirty="0" err="1">
-                <a:latin typeface="Arial" panose="020B0604020202020204" pitchFamily="34" charset="0"/>
-                <a:cs typeface="Arial" panose="020B0604020202020204" pitchFamily="34" charset="0"/>
-              </a:rPr>
-              <a:t>sequence</a:t>
-            </a:r>
-            <a:r>
-              <a:rPr lang="fr-FR" b="1" dirty="0">
-                <a:latin typeface="Arial" panose="020B0604020202020204" pitchFamily="34" charset="0"/>
-                <a:cs typeface="Arial" panose="020B0604020202020204" pitchFamily="34" charset="0"/>
-              </a:rPr>
-              <a:t> </a:t>
-            </a:r>
-            <a:r>
-              <a:rPr lang="fr-FR" b="1" dirty="0" err="1">
-                <a:latin typeface="Arial" panose="020B0604020202020204" pitchFamily="34" charset="0"/>
-                <a:cs typeface="Arial" panose="020B0604020202020204" pitchFamily="34" charset="0"/>
-              </a:rPr>
-              <a:t>alignment</a:t>
-            </a:r>
-            <a:r>
-              <a:rPr lang="fr-FR" b="1" dirty="0">
-                <a:latin typeface="Arial" panose="020B0604020202020204" pitchFamily="34" charset="0"/>
-                <a:cs typeface="Arial" panose="020B0604020202020204" pitchFamily="34" charset="0"/>
-              </a:rPr>
-              <a:t> ?</a:t>
-            </a:r>
-          </a:p>
-        </p:txBody>
-      </p:sp>
-      <p:sp>
-        <p:nvSpPr>
-          <p:cNvPr id="8" name="TextBox 7">
-            <a:extLst>
-              <a:ext uri="{FF2B5EF4-FFF2-40B4-BE49-F238E27FC236}">
-                <a16:creationId xmlns:a16="http://schemas.microsoft.com/office/drawing/2014/main" id="{FA4A41E2-390F-4AB0-B4FC-7A31650E1E71}"/>
-              </a:ext>
-            </a:extLst>
-          </p:cNvPr>
-          <p:cNvSpPr txBox="1"/>
-          <p:nvPr/>
-        </p:nvSpPr>
-        <p:spPr>
-          <a:xfrm>
-            <a:off x="1203960" y="3105834"/>
-            <a:ext cx="10149840" cy="2862322"/>
-          </a:xfrm>
-          <a:prstGeom prst="rect">
-            <a:avLst/>
-          </a:prstGeom>
-          <a:noFill/>
-        </p:spPr>
-        <p:txBody>
-          <a:bodyPr wrap="square">
-            <a:spAutoFit/>
-          </a:bodyPr>
-          <a:lstStyle/>
-          <a:p>
-            <a:pPr algn="ctr"/>
-            <a:r>
-              <a:rPr lang="fr-FR" sz="2000" b="1" dirty="0">
-                <a:latin typeface="Arial" panose="020B0604020202020204" pitchFamily="34" charset="0"/>
-                <a:cs typeface="Arial" panose="020B0604020202020204" pitchFamily="34" charset="0"/>
-              </a:rPr>
-              <a:t>MAFFT (Multiple </a:t>
-            </a:r>
-            <a:r>
-              <a:rPr lang="fr-FR" sz="2000" b="1" dirty="0" err="1">
-                <a:latin typeface="Arial" panose="020B0604020202020204" pitchFamily="34" charset="0"/>
-                <a:cs typeface="Arial" panose="020B0604020202020204" pitchFamily="34" charset="0"/>
-              </a:rPr>
-              <a:t>Alignment</a:t>
-            </a:r>
-            <a:r>
-              <a:rPr lang="fr-FR" sz="2000" b="1" dirty="0">
-                <a:latin typeface="Arial" panose="020B0604020202020204" pitchFamily="34" charset="0"/>
-                <a:cs typeface="Arial" panose="020B0604020202020204" pitchFamily="34" charset="0"/>
-              </a:rPr>
-              <a:t> </a:t>
-            </a:r>
-            <a:r>
-              <a:rPr lang="fr-FR" sz="2000" b="1" dirty="0" err="1">
-                <a:latin typeface="Arial" panose="020B0604020202020204" pitchFamily="34" charset="0"/>
-                <a:cs typeface="Arial" panose="020B0604020202020204" pitchFamily="34" charset="0"/>
-              </a:rPr>
-              <a:t>using</a:t>
-            </a:r>
-            <a:r>
-              <a:rPr lang="fr-FR" sz="2000" b="1" dirty="0">
-                <a:latin typeface="Arial" panose="020B0604020202020204" pitchFamily="34" charset="0"/>
-                <a:cs typeface="Arial" panose="020B0604020202020204" pitchFamily="34" charset="0"/>
-              </a:rPr>
-              <a:t> Fast Fourier </a:t>
-            </a:r>
-            <a:r>
-              <a:rPr lang="fr-FR" sz="2000" b="1" dirty="0" err="1">
-                <a:latin typeface="Arial" panose="020B0604020202020204" pitchFamily="34" charset="0"/>
-                <a:cs typeface="Arial" panose="020B0604020202020204" pitchFamily="34" charset="0"/>
-              </a:rPr>
-              <a:t>Transform</a:t>
-            </a:r>
-            <a:r>
-              <a:rPr lang="fr-FR" sz="2000" b="1" dirty="0">
-                <a:latin typeface="Arial" panose="020B0604020202020204" pitchFamily="34" charset="0"/>
-                <a:cs typeface="Arial" panose="020B0604020202020204" pitchFamily="34" charset="0"/>
-              </a:rPr>
-              <a:t>)</a:t>
-            </a:r>
-          </a:p>
-          <a:p>
-            <a:pPr algn="ctr"/>
-            <a:endParaRPr lang="en-US" sz="2000" b="1" dirty="0">
-              <a:latin typeface="Arial" panose="020B0604020202020204" pitchFamily="34" charset="0"/>
-              <a:cs typeface="Arial" panose="020B0604020202020204" pitchFamily="34" charset="0"/>
-              <a:hlinkClick r:id="rId2"/>
-            </a:endParaRPr>
-          </a:p>
-          <a:p>
-            <a:pPr algn="ctr"/>
-            <a:endParaRPr lang="en-US" sz="2000" b="1" dirty="0">
-              <a:latin typeface="Arial" panose="020B0604020202020204" pitchFamily="34" charset="0"/>
-              <a:cs typeface="Arial" panose="020B0604020202020204" pitchFamily="34" charset="0"/>
-              <a:hlinkClick r:id="rId2"/>
-            </a:endParaRPr>
-          </a:p>
-          <a:p>
-            <a:pPr algn="ctr"/>
-            <a:r>
-              <a:rPr lang="en-US" sz="2000" b="1" dirty="0">
-                <a:latin typeface="Arial" panose="020B0604020202020204" pitchFamily="34" charset="0"/>
-                <a:cs typeface="Arial" panose="020B0604020202020204" pitchFamily="34" charset="0"/>
-                <a:hlinkClick r:id="rId2"/>
-              </a:rPr>
-              <a:t>https://www.ebi.ac.uk/jdispatcher/msa/mafft?stype=protein</a:t>
-            </a:r>
-            <a:endParaRPr lang="en-US" sz="2000" b="1" dirty="0">
-              <a:latin typeface="Arial" panose="020B0604020202020204" pitchFamily="34" charset="0"/>
-              <a:cs typeface="Arial" panose="020B0604020202020204" pitchFamily="34" charset="0"/>
-            </a:endParaRPr>
-          </a:p>
-          <a:p>
-            <a:pPr algn="ctr"/>
-            <a:endParaRPr lang="en-US" sz="2000" b="1" dirty="0">
-              <a:latin typeface="Arial" panose="020B0604020202020204" pitchFamily="34" charset="0"/>
-              <a:cs typeface="Arial" panose="020B0604020202020204" pitchFamily="34" charset="0"/>
-            </a:endParaRPr>
-          </a:p>
-          <a:p>
-            <a:pPr algn="ctr"/>
-            <a:endParaRPr lang="en-US" sz="2000" b="1" dirty="0">
-              <a:latin typeface="Arial" panose="020B0604020202020204" pitchFamily="34" charset="0"/>
-              <a:cs typeface="Arial" panose="020B0604020202020204" pitchFamily="34" charset="0"/>
-            </a:endParaRPr>
-          </a:p>
-          <a:p>
-            <a:pPr algn="ctr"/>
-            <a:r>
-              <a:rPr lang="en-US" sz="2000" b="1" dirty="0">
-                <a:latin typeface="Arial" panose="020B0604020202020204" pitchFamily="34" charset="0"/>
-                <a:cs typeface="Arial" panose="020B0604020202020204" pitchFamily="34" charset="0"/>
-              </a:rPr>
-              <a:t>or</a:t>
-            </a:r>
-          </a:p>
-          <a:p>
-            <a:pPr algn="ctr"/>
-            <a:endParaRPr lang="en-US" sz="2000" b="1" dirty="0">
-              <a:latin typeface="Arial" panose="020B0604020202020204" pitchFamily="34" charset="0"/>
-              <a:cs typeface="Arial" panose="020B0604020202020204" pitchFamily="34" charset="0"/>
-            </a:endParaRPr>
-          </a:p>
-          <a:p>
-            <a:pPr algn="ctr"/>
-            <a:r>
-              <a:rPr lang="en-US" sz="2000" b="1" dirty="0">
-                <a:latin typeface="Arial" panose="020B0604020202020204" pitchFamily="34" charset="0"/>
-                <a:cs typeface="Arial" panose="020B0604020202020204" pitchFamily="34" charset="0"/>
-              </a:rPr>
-              <a:t>https://mafft.cbrc.jp/alignment/server/index.html</a:t>
-            </a:r>
-          </a:p>
-        </p:txBody>
-      </p:sp>
     </p:spTree>
     <p:extLst>
       <p:ext uri="{BB962C8B-B14F-4D97-AF65-F5344CB8AC3E}">
-        <p14:creationId xmlns:p14="http://schemas.microsoft.com/office/powerpoint/2010/main" val="2969703483"/>
+        <p14:creationId xmlns:p14="http://schemas.microsoft.com/office/powerpoint/2010/main" val="2614867120"/>
       </p:ext>
     </p:extLst>
   </p:cSld>
@@ -9571,10 +13309,43 @@
       </p:grpSpPr>
       <p:sp>
         <p:nvSpPr>
+          <p:cNvPr id="2" name="Title 1">
+            <a:extLst>
+              <a:ext uri="{FF2B5EF4-FFF2-40B4-BE49-F238E27FC236}">
+                <a16:creationId xmlns:a16="http://schemas.microsoft.com/office/drawing/2014/main" id="{E97DBC7D-4E9E-40DF-B0A6-4531C84B9B2E}"/>
+              </a:ext>
+            </a:extLst>
+          </p:cNvPr>
+          <p:cNvSpPr>
+            <a:spLocks noGrp="1"/>
+          </p:cNvSpPr>
+          <p:nvPr>
+            <p:ph type="title"/>
+          </p:nvPr>
+        </p:nvSpPr>
+        <p:spPr>
+          <a:xfrm>
+            <a:off x="677334" y="162520"/>
+            <a:ext cx="8596668" cy="1320800"/>
+          </a:xfrm>
+        </p:spPr>
+        <p:txBody>
+          <a:bodyPr/>
+          <a:lstStyle/>
+          <a:p>
+            <a:r>
+              <a:rPr lang="en-US" dirty="0"/>
+              <a:t>Relatable Applications</a:t>
+            </a:r>
+          </a:p>
+        </p:txBody>
+      </p:sp>
+      <p:sp>
+        <p:nvSpPr>
           <p:cNvPr id="4" name="Slide Number Placeholder 3">
             <a:extLst>
               <a:ext uri="{FF2B5EF4-FFF2-40B4-BE49-F238E27FC236}">
-                <a16:creationId xmlns:a16="http://schemas.microsoft.com/office/drawing/2014/main" id="{3D8C4533-9129-49C4-93B7-B47A3D93A5A2}"/>
+                <a16:creationId xmlns:a16="http://schemas.microsoft.com/office/drawing/2014/main" id="{5931F5B9-69EA-493B-9E58-936D11E5D4B2}"/>
               </a:ext>
             </a:extLst>
           </p:cNvPr>
@@ -9601,140 +13372,127 @@
       </p:sp>
       <p:sp>
         <p:nvSpPr>
-          <p:cNvPr id="9" name="TextBox 8">
+          <p:cNvPr id="6" name="Content Placeholder 5">
             <a:extLst>
               <a:ext uri="{FF2B5EF4-FFF2-40B4-BE49-F238E27FC236}">
-                <a16:creationId xmlns:a16="http://schemas.microsoft.com/office/drawing/2014/main" id="{6F60D7BE-A8E6-43F0-8BC7-BEBCAAF3375D}"/>
+                <a16:creationId xmlns:a16="http://schemas.microsoft.com/office/drawing/2014/main" id="{CA599D9E-E7F7-47E8-A208-CBF4DEC3E445}"/>
               </a:ext>
             </a:extLst>
           </p:cNvPr>
-          <p:cNvSpPr txBox="1"/>
-          <p:nvPr/>
+          <p:cNvSpPr>
+            <a:spLocks noGrp="1"/>
+          </p:cNvSpPr>
+          <p:nvPr>
+            <p:ph idx="1"/>
+          </p:nvPr>
         </p:nvSpPr>
         <p:spPr>
           <a:xfrm>
-            <a:off x="457199" y="408366"/>
-            <a:ext cx="11438965" cy="584775"/>
+            <a:off x="524934" y="1336213"/>
+            <a:ext cx="5840008" cy="3880773"/>
+          </a:xfrm>
+        </p:spPr>
+        <p:txBody>
+          <a:bodyPr/>
+          <a:lstStyle/>
+          <a:p>
+            <a:pPr>
+              <a:lnSpc>
+                <a:spcPct val="200000"/>
+              </a:lnSpc>
+            </a:pPr>
+            <a:r>
+              <a:rPr lang="en-US" dirty="0"/>
+              <a:t>Meet Jamal, a hardworking farmer who cultivates watermelons on his lush fields. One day, Jamal notices something troubling—his ripe watermelons are developing soft, rotting spots, and their sweet aroma is replaced by a foul smell. The fruits become unmarketable, and Jamal’s profits are at risk.</a:t>
+            </a:r>
+          </a:p>
+        </p:txBody>
+      </p:sp>
+      <p:sp>
+        <p:nvSpPr>
+          <p:cNvPr id="5" name="AutoShape 4" descr="A happy black farmer">
+            <a:extLst>
+              <a:ext uri="{FF2B5EF4-FFF2-40B4-BE49-F238E27FC236}">
+                <a16:creationId xmlns:a16="http://schemas.microsoft.com/office/drawing/2014/main" id="{2A7AE21E-ABB7-431E-8FFA-4EFD48BC79B1}"/>
+              </a:ext>
+            </a:extLst>
+          </p:cNvPr>
+          <p:cNvSpPr>
+            <a:spLocks noChangeAspect="1" noChangeArrowheads="1"/>
+          </p:cNvSpPr>
+          <p:nvPr/>
+        </p:nvSpPr>
+        <p:spPr bwMode="auto">
+          <a:xfrm>
+            <a:off x="5943600" y="3276600"/>
+            <a:ext cx="304800" cy="304800"/>
           </a:xfrm>
           <a:prstGeom prst="rect">
             <a:avLst/>
           </a:prstGeom>
           <a:noFill/>
+          <a:extLst>
+            <a:ext uri="{909E8E84-426E-40DD-AFC4-6F175D3DCCD1}">
+              <a14:hiddenFill xmlns:a14="http://schemas.microsoft.com/office/drawing/2010/main">
+                <a:solidFill>
+                  <a:srgbClr val="FFFFFF"/>
+                </a:solidFill>
+              </a14:hiddenFill>
+            </a:ext>
+          </a:extLst>
         </p:spPr>
         <p:txBody>
-          <a:bodyPr wrap="square">
-            <a:spAutoFit/>
+          <a:bodyPr vert="horz" wrap="square" lIns="91440" tIns="45720" rIns="91440" bIns="45720" numCol="1" anchor="t" anchorCtr="0" compatLnSpc="1">
+            <a:prstTxWarp prst="textNoShape">
+              <a:avLst/>
+            </a:prstTxWarp>
           </a:bodyPr>
           <a:lstStyle/>
           <a:p>
-            <a:pPr algn="ctr"/>
-            <a:r>
-              <a:rPr lang="fr-FR" sz="3200" b="1" dirty="0">
-                <a:latin typeface="Arial" panose="020B0604020202020204" pitchFamily="34" charset="0"/>
-                <a:cs typeface="Arial" panose="020B0604020202020204" pitchFamily="34" charset="0"/>
-              </a:rPr>
-              <a:t>Hands-on session</a:t>
-            </a:r>
-          </a:p>
-        </p:txBody>
-      </p:sp>
-      <p:sp>
-        <p:nvSpPr>
-          <p:cNvPr id="2" name="TextBox 1">
+            <a:endParaRPr lang="en-US"/>
+          </a:p>
+        </p:txBody>
+      </p:sp>
+      <p:pic>
+        <p:nvPicPr>
+          <p:cNvPr id="10" name="Picture 9">
             <a:extLst>
               <a:ext uri="{FF2B5EF4-FFF2-40B4-BE49-F238E27FC236}">
-                <a16:creationId xmlns:a16="http://schemas.microsoft.com/office/drawing/2014/main" id="{60CDA00A-F567-4706-A06A-D33FF8F6E43A}"/>
+                <a16:creationId xmlns:a16="http://schemas.microsoft.com/office/drawing/2014/main" id="{106C2338-E836-48A4-985D-B75F7F096EA1}"/>
               </a:ext>
             </a:extLst>
           </p:cNvPr>
-          <p:cNvSpPr txBox="1"/>
+          <p:cNvPicPr>
+            <a:picLocks noChangeAspect="1"/>
+          </p:cNvPicPr>
           <p:nvPr/>
-        </p:nvSpPr>
+        </p:nvPicPr>
+        <p:blipFill>
+          <a:blip r:embed="rId2">
+            <a:extLst>
+              <a:ext uri="{28A0092B-C50C-407E-A947-70E740481C1C}">
+                <a14:useLocalDpi xmlns:a14="http://schemas.microsoft.com/office/drawing/2010/main" val="0"/>
+              </a:ext>
+            </a:extLst>
+          </a:blip>
+          <a:stretch>
+            <a:fillRect/>
+          </a:stretch>
+        </p:blipFill>
         <p:spPr>
           <a:xfrm>
-            <a:off x="1326774" y="1186814"/>
-            <a:ext cx="9699813" cy="3261149"/>
+            <a:off x="6650019" y="1280160"/>
+            <a:ext cx="5577840" cy="5577840"/>
           </a:xfrm>
           <a:prstGeom prst="rect">
             <a:avLst/>
           </a:prstGeom>
-          <a:noFill/>
         </p:spPr>
-        <p:txBody>
-          <a:bodyPr wrap="square" rtlCol="0">
-            <a:spAutoFit/>
-          </a:bodyPr>
-          <a:lstStyle/>
-          <a:p>
-            <a:pPr algn="ctr">
-              <a:lnSpc>
-                <a:spcPct val="300000"/>
-              </a:lnSpc>
-            </a:pPr>
-            <a:r>
-              <a:rPr lang="fr-FR" b="1" dirty="0">
-                <a:latin typeface="Arial" panose="020B0604020202020204" pitchFamily="34" charset="0"/>
-                <a:cs typeface="Arial" panose="020B0604020202020204" pitchFamily="34" charset="0"/>
-              </a:rPr>
-              <a:t>03. How to generate a phylogenetic </a:t>
-            </a:r>
-            <a:r>
-              <a:rPr lang="fr-FR" b="1" dirty="0" err="1">
-                <a:latin typeface="Arial" panose="020B0604020202020204" pitchFamily="34" charset="0"/>
-                <a:cs typeface="Arial" panose="020B0604020202020204" pitchFamily="34" charset="0"/>
-              </a:rPr>
-              <a:t>tree</a:t>
-            </a:r>
-            <a:endParaRPr lang="fr-FR" b="1" dirty="0">
-              <a:latin typeface="Arial" panose="020B0604020202020204" pitchFamily="34" charset="0"/>
-              <a:cs typeface="Arial" panose="020B0604020202020204" pitchFamily="34" charset="0"/>
-            </a:endParaRPr>
-          </a:p>
-          <a:p>
-            <a:pPr algn="ctr">
-              <a:lnSpc>
-                <a:spcPct val="300000"/>
-              </a:lnSpc>
-            </a:pPr>
-            <a:endParaRPr lang="fr-FR" b="1" dirty="0">
-              <a:latin typeface="Arial" panose="020B0604020202020204" pitchFamily="34" charset="0"/>
-              <a:cs typeface="Arial" panose="020B0604020202020204" pitchFamily="34" charset="0"/>
-            </a:endParaRPr>
-          </a:p>
-          <a:p>
-            <a:pPr algn="ctr">
-              <a:lnSpc>
-                <a:spcPct val="300000"/>
-              </a:lnSpc>
-            </a:pPr>
-            <a:r>
-              <a:rPr lang="fr-FR" b="1" dirty="0">
-                <a:latin typeface="Arial" panose="020B0604020202020204" pitchFamily="34" charset="0"/>
-                <a:cs typeface="Arial" panose="020B0604020202020204" pitchFamily="34" charset="0"/>
-              </a:rPr>
-              <a:t>http://www.iqtree.org/</a:t>
-            </a:r>
-          </a:p>
-          <a:p>
-            <a:pPr algn="ctr">
-              <a:lnSpc>
-                <a:spcPct val="300000"/>
-              </a:lnSpc>
-            </a:pPr>
-            <a:r>
-              <a:rPr lang="fr-FR" b="1" dirty="0">
-                <a:latin typeface="Arial" panose="020B0604020202020204" pitchFamily="34" charset="0"/>
-                <a:cs typeface="Arial" panose="020B0604020202020204" pitchFamily="34" charset="0"/>
-              </a:rPr>
-              <a:t>http://iqtree.cibiv.univie.ac.at/</a:t>
-            </a:r>
-          </a:p>
-        </p:txBody>
-      </p:sp>
+      </p:pic>
     </p:spTree>
     <p:extLst>
       <p:ext uri="{BB962C8B-B14F-4D97-AF65-F5344CB8AC3E}">
-        <p14:creationId xmlns:p14="http://schemas.microsoft.com/office/powerpoint/2010/main" val="2497949458"/>
+        <p14:creationId xmlns:p14="http://schemas.microsoft.com/office/powerpoint/2010/main" val="3178586456"/>
       </p:ext>
     </p:extLst>
   </p:cSld>
